--- a/2019系统仿真-10-多回路系统.pptx
+++ b/2019系统仿真-10-多回路系统.pptx
@@ -5,10 +5,10 @@
     <p:sldMasterId id="2147483648" r:id="rId8"/>
   </p:sldMasterIdLst>
   <p:notesMasterIdLst>
-    <p:notesMasterId r:id="rId28"/>
+    <p:notesMasterId r:id="rId26"/>
   </p:notesMasterIdLst>
   <p:handoutMasterIdLst>
-    <p:handoutMasterId r:id="rId29"/>
+    <p:handoutMasterId r:id="rId27"/>
   </p:handoutMasterIdLst>
   <p:sldIdLst>
     <p:sldId id="256" r:id="rId9"/>
@@ -28,8 +28,6 @@
     <p:sldId id="273" r:id="rId23"/>
     <p:sldId id="266" r:id="rId24"/>
     <p:sldId id="272" r:id="rId25"/>
-    <p:sldId id="275" r:id="rId26"/>
-    <p:sldId id="276" r:id="rId27"/>
   </p:sldIdLst>
   <p:sldSz cx="12188825" cy="6858000"/>
   <p:notesSz cx="6858000" cy="9144000"/>
@@ -913,753 +911,6 @@
 </dgm:colorsDef>
 </file>
 
-<file path=ppt/diagrams/colors2.xml><?xml version="1.0" encoding="utf-8"?>
-<dgm:colorsDef xmlns:dgm="http://schemas.openxmlformats.org/drawingml/2006/diagram" xmlns:a="http://schemas.openxmlformats.org/drawingml/2006/main" uniqueId="urn:microsoft.com/office/officeart/2005/8/colors/accent1_2">
-  <dgm:title val=""/>
-  <dgm:desc val=""/>
-  <dgm:catLst>
-    <dgm:cat type="accent1" pri="11200"/>
-  </dgm:catLst>
-  <dgm:styleLbl name="node0">
-    <dgm:fillClrLst meth="repeat">
-      <a:schemeClr val="accent1"/>
-    </dgm:fillClrLst>
-    <dgm:linClrLst meth="repeat">
-      <a:schemeClr val="lt1"/>
-    </dgm:linClrLst>
-    <dgm:effectClrLst/>
-    <dgm:txLinClrLst/>
-    <dgm:txFillClrLst/>
-    <dgm:txEffectClrLst/>
-  </dgm:styleLbl>
-  <dgm:styleLbl name="alignNode1">
-    <dgm:fillClrLst meth="repeat">
-      <a:schemeClr val="accent1"/>
-    </dgm:fillClrLst>
-    <dgm:linClrLst meth="repeat">
-      <a:schemeClr val="accent1"/>
-    </dgm:linClrLst>
-    <dgm:effectClrLst/>
-    <dgm:txLinClrLst/>
-    <dgm:txFillClrLst/>
-    <dgm:txEffectClrLst/>
-  </dgm:styleLbl>
-  <dgm:styleLbl name="node1">
-    <dgm:fillClrLst meth="repeat">
-      <a:schemeClr val="accent1"/>
-    </dgm:fillClrLst>
-    <dgm:linClrLst meth="repeat">
-      <a:schemeClr val="lt1"/>
-    </dgm:linClrLst>
-    <dgm:effectClrLst/>
-    <dgm:txLinClrLst/>
-    <dgm:txFillClrLst/>
-    <dgm:txEffectClrLst/>
-  </dgm:styleLbl>
-  <dgm:styleLbl name="lnNode1">
-    <dgm:fillClrLst meth="repeat">
-      <a:schemeClr val="accent1"/>
-    </dgm:fillClrLst>
-    <dgm:linClrLst meth="repeat">
-      <a:schemeClr val="lt1"/>
-    </dgm:linClrLst>
-    <dgm:effectClrLst/>
-    <dgm:txLinClrLst/>
-    <dgm:txFillClrLst/>
-    <dgm:txEffectClrLst/>
-  </dgm:styleLbl>
-  <dgm:styleLbl name="vennNode1">
-    <dgm:fillClrLst meth="repeat">
-      <a:schemeClr val="accent1">
-        <a:alpha val="50000"/>
-      </a:schemeClr>
-    </dgm:fillClrLst>
-    <dgm:linClrLst meth="repeat">
-      <a:schemeClr val="lt1"/>
-    </dgm:linClrLst>
-    <dgm:effectClrLst/>
-    <dgm:txLinClrLst/>
-    <dgm:txFillClrLst/>
-    <dgm:txEffectClrLst/>
-  </dgm:styleLbl>
-  <dgm:styleLbl name="node2">
-    <dgm:fillClrLst meth="repeat">
-      <a:schemeClr val="accent1"/>
-    </dgm:fillClrLst>
-    <dgm:linClrLst meth="repeat">
-      <a:schemeClr val="lt1"/>
-    </dgm:linClrLst>
-    <dgm:effectClrLst/>
-    <dgm:txLinClrLst/>
-    <dgm:txFillClrLst/>
-    <dgm:txEffectClrLst/>
-  </dgm:styleLbl>
-  <dgm:styleLbl name="node3">
-    <dgm:fillClrLst meth="repeat">
-      <a:schemeClr val="accent1"/>
-    </dgm:fillClrLst>
-    <dgm:linClrLst meth="repeat">
-      <a:schemeClr val="lt1"/>
-    </dgm:linClrLst>
-    <dgm:effectClrLst/>
-    <dgm:txLinClrLst/>
-    <dgm:txFillClrLst/>
-    <dgm:txEffectClrLst/>
-  </dgm:styleLbl>
-  <dgm:styleLbl name="node4">
-    <dgm:fillClrLst meth="repeat">
-      <a:schemeClr val="accent1"/>
-    </dgm:fillClrLst>
-    <dgm:linClrLst meth="repeat">
-      <a:schemeClr val="lt1"/>
-    </dgm:linClrLst>
-    <dgm:effectClrLst/>
-    <dgm:txLinClrLst/>
-    <dgm:txFillClrLst/>
-    <dgm:txEffectClrLst/>
-  </dgm:styleLbl>
-  <dgm:styleLbl name="fgImgPlace1">
-    <dgm:fillClrLst meth="repeat">
-      <a:schemeClr val="accent1">
-        <a:tint val="50000"/>
-      </a:schemeClr>
-    </dgm:fillClrLst>
-    <dgm:linClrLst meth="repeat">
-      <a:schemeClr val="lt1"/>
-    </dgm:linClrLst>
-    <dgm:effectClrLst/>
-    <dgm:txLinClrLst/>
-    <dgm:txFillClrLst meth="repeat">
-      <a:schemeClr val="lt1"/>
-    </dgm:txFillClrLst>
-    <dgm:txEffectClrLst/>
-  </dgm:styleLbl>
-  <dgm:styleLbl name="alignImgPlace1">
-    <dgm:fillClrLst meth="repeat">
-      <a:schemeClr val="accent1">
-        <a:tint val="50000"/>
-      </a:schemeClr>
-    </dgm:fillClrLst>
-    <dgm:linClrLst meth="repeat">
-      <a:schemeClr val="lt1"/>
-    </dgm:linClrLst>
-    <dgm:effectClrLst/>
-    <dgm:txLinClrLst/>
-    <dgm:txFillClrLst meth="repeat">
-      <a:schemeClr val="lt1"/>
-    </dgm:txFillClrLst>
-    <dgm:txEffectClrLst/>
-  </dgm:styleLbl>
-  <dgm:styleLbl name="bgImgPlace1">
-    <dgm:fillClrLst meth="repeat">
-      <a:schemeClr val="accent1">
-        <a:tint val="50000"/>
-      </a:schemeClr>
-    </dgm:fillClrLst>
-    <dgm:linClrLst meth="repeat">
-      <a:schemeClr val="lt1"/>
-    </dgm:linClrLst>
-    <dgm:effectClrLst/>
-    <dgm:txLinClrLst/>
-    <dgm:txFillClrLst meth="repeat">
-      <a:schemeClr val="lt1"/>
-    </dgm:txFillClrLst>
-    <dgm:txEffectClrLst/>
-  </dgm:styleLbl>
-  <dgm:styleLbl name="sibTrans2D1">
-    <dgm:fillClrLst meth="repeat">
-      <a:schemeClr val="accent1">
-        <a:tint val="60000"/>
-      </a:schemeClr>
-    </dgm:fillClrLst>
-    <dgm:linClrLst meth="repeat">
-      <a:schemeClr val="accent1">
-        <a:tint val="60000"/>
-      </a:schemeClr>
-    </dgm:linClrLst>
-    <dgm:effectClrLst/>
-    <dgm:txLinClrLst/>
-    <dgm:txFillClrLst/>
-    <dgm:txEffectClrLst/>
-  </dgm:styleLbl>
-  <dgm:styleLbl name="fgSibTrans2D1">
-    <dgm:fillClrLst meth="repeat">
-      <a:schemeClr val="accent1">
-        <a:tint val="60000"/>
-      </a:schemeClr>
-    </dgm:fillClrLst>
-    <dgm:linClrLst meth="repeat">
-      <a:schemeClr val="accent1">
-        <a:tint val="60000"/>
-      </a:schemeClr>
-    </dgm:linClrLst>
-    <dgm:effectClrLst/>
-    <dgm:txLinClrLst/>
-    <dgm:txFillClrLst/>
-    <dgm:txEffectClrLst/>
-  </dgm:styleLbl>
-  <dgm:styleLbl name="bgSibTrans2D1">
-    <dgm:fillClrLst meth="repeat">
-      <a:schemeClr val="accent1">
-        <a:tint val="60000"/>
-      </a:schemeClr>
-    </dgm:fillClrLst>
-    <dgm:linClrLst meth="repeat">
-      <a:schemeClr val="accent1">
-        <a:tint val="60000"/>
-      </a:schemeClr>
-    </dgm:linClrLst>
-    <dgm:effectClrLst/>
-    <dgm:txLinClrLst/>
-    <dgm:txFillClrLst/>
-    <dgm:txEffectClrLst/>
-  </dgm:styleLbl>
-  <dgm:styleLbl name="sibTrans1D1">
-    <dgm:fillClrLst meth="repeat">
-      <a:schemeClr val="accent1"/>
-    </dgm:fillClrLst>
-    <dgm:linClrLst meth="repeat">
-      <a:schemeClr val="accent1"/>
-    </dgm:linClrLst>
-    <dgm:effectClrLst/>
-    <dgm:txLinClrLst/>
-    <dgm:txFillClrLst meth="repeat">
-      <a:schemeClr val="tx1"/>
-    </dgm:txFillClrLst>
-    <dgm:txEffectClrLst/>
-  </dgm:styleLbl>
-  <dgm:styleLbl name="callout">
-    <dgm:fillClrLst meth="repeat">
-      <a:schemeClr val="accent1"/>
-    </dgm:fillClrLst>
-    <dgm:linClrLst meth="repeat">
-      <a:schemeClr val="accent1">
-        <a:tint val="50000"/>
-      </a:schemeClr>
-    </dgm:linClrLst>
-    <dgm:effectClrLst/>
-    <dgm:txLinClrLst/>
-    <dgm:txFillClrLst meth="repeat">
-      <a:schemeClr val="tx1"/>
-    </dgm:txFillClrLst>
-    <dgm:txEffectClrLst/>
-  </dgm:styleLbl>
-  <dgm:styleLbl name="asst0">
-    <dgm:fillClrLst meth="repeat">
-      <a:schemeClr val="accent1"/>
-    </dgm:fillClrLst>
-    <dgm:linClrLst meth="repeat">
-      <a:schemeClr val="lt1"/>
-    </dgm:linClrLst>
-    <dgm:effectClrLst/>
-    <dgm:txLinClrLst/>
-    <dgm:txFillClrLst/>
-    <dgm:txEffectClrLst/>
-  </dgm:styleLbl>
-  <dgm:styleLbl name="asst1">
-    <dgm:fillClrLst meth="repeat">
-      <a:schemeClr val="accent1"/>
-    </dgm:fillClrLst>
-    <dgm:linClrLst meth="repeat">
-      <a:schemeClr val="lt1"/>
-    </dgm:linClrLst>
-    <dgm:effectClrLst/>
-    <dgm:txLinClrLst/>
-    <dgm:txFillClrLst/>
-    <dgm:txEffectClrLst/>
-  </dgm:styleLbl>
-  <dgm:styleLbl name="asst2">
-    <dgm:fillClrLst meth="repeat">
-      <a:schemeClr val="accent1"/>
-    </dgm:fillClrLst>
-    <dgm:linClrLst meth="repeat">
-      <a:schemeClr val="lt1"/>
-    </dgm:linClrLst>
-    <dgm:effectClrLst/>
-    <dgm:txLinClrLst/>
-    <dgm:txFillClrLst/>
-    <dgm:txEffectClrLst/>
-  </dgm:styleLbl>
-  <dgm:styleLbl name="asst3">
-    <dgm:fillClrLst meth="repeat">
-      <a:schemeClr val="accent1"/>
-    </dgm:fillClrLst>
-    <dgm:linClrLst meth="repeat">
-      <a:schemeClr val="lt1"/>
-    </dgm:linClrLst>
-    <dgm:effectClrLst/>
-    <dgm:txLinClrLst/>
-    <dgm:txFillClrLst/>
-    <dgm:txEffectClrLst/>
-  </dgm:styleLbl>
-  <dgm:styleLbl name="asst4">
-    <dgm:fillClrLst meth="repeat">
-      <a:schemeClr val="accent1"/>
-    </dgm:fillClrLst>
-    <dgm:linClrLst meth="repeat">
-      <a:schemeClr val="lt1"/>
-    </dgm:linClrLst>
-    <dgm:effectClrLst/>
-    <dgm:txLinClrLst/>
-    <dgm:txFillClrLst/>
-    <dgm:txEffectClrLst/>
-  </dgm:styleLbl>
-  <dgm:styleLbl name="parChTrans2D1">
-    <dgm:fillClrLst meth="repeat">
-      <a:schemeClr val="accent1">
-        <a:tint val="60000"/>
-      </a:schemeClr>
-    </dgm:fillClrLst>
-    <dgm:linClrLst meth="repeat">
-      <a:schemeClr val="accent1">
-        <a:tint val="60000"/>
-      </a:schemeClr>
-    </dgm:linClrLst>
-    <dgm:effectClrLst/>
-    <dgm:txLinClrLst/>
-    <dgm:txFillClrLst meth="repeat">
-      <a:schemeClr val="lt1"/>
-    </dgm:txFillClrLst>
-    <dgm:txEffectClrLst/>
-  </dgm:styleLbl>
-  <dgm:styleLbl name="parChTrans2D2">
-    <dgm:fillClrLst meth="repeat">
-      <a:schemeClr val="accent1"/>
-    </dgm:fillClrLst>
-    <dgm:linClrLst meth="repeat">
-      <a:schemeClr val="accent1"/>
-    </dgm:linClrLst>
-    <dgm:effectClrLst/>
-    <dgm:txLinClrLst/>
-    <dgm:txFillClrLst meth="repeat">
-      <a:schemeClr val="lt1"/>
-    </dgm:txFillClrLst>
-    <dgm:txEffectClrLst/>
-  </dgm:styleLbl>
-  <dgm:styleLbl name="parChTrans2D3">
-    <dgm:fillClrLst meth="repeat">
-      <a:schemeClr val="accent1"/>
-    </dgm:fillClrLst>
-    <dgm:linClrLst meth="repeat">
-      <a:schemeClr val="accent1"/>
-    </dgm:linClrLst>
-    <dgm:effectClrLst/>
-    <dgm:txLinClrLst/>
-    <dgm:txFillClrLst meth="repeat">
-      <a:schemeClr val="lt1"/>
-    </dgm:txFillClrLst>
-    <dgm:txEffectClrLst/>
-  </dgm:styleLbl>
-  <dgm:styleLbl name="parChTrans2D4">
-    <dgm:fillClrLst meth="repeat">
-      <a:schemeClr val="accent1"/>
-    </dgm:fillClrLst>
-    <dgm:linClrLst meth="repeat">
-      <a:schemeClr val="accent1"/>
-    </dgm:linClrLst>
-    <dgm:effectClrLst/>
-    <dgm:txLinClrLst/>
-    <dgm:txFillClrLst meth="repeat">
-      <a:schemeClr val="lt1"/>
-    </dgm:txFillClrLst>
-    <dgm:txEffectClrLst/>
-  </dgm:styleLbl>
-  <dgm:styleLbl name="parChTrans1D1">
-    <dgm:fillClrLst meth="repeat">
-      <a:schemeClr val="accent1"/>
-    </dgm:fillClrLst>
-    <dgm:linClrLst meth="repeat">
-      <a:schemeClr val="accent1">
-        <a:shade val="60000"/>
-      </a:schemeClr>
-    </dgm:linClrLst>
-    <dgm:effectClrLst/>
-    <dgm:txLinClrLst/>
-    <dgm:txFillClrLst meth="repeat">
-      <a:schemeClr val="tx1"/>
-    </dgm:txFillClrLst>
-    <dgm:txEffectClrLst/>
-  </dgm:styleLbl>
-  <dgm:styleLbl name="parChTrans1D2">
-    <dgm:fillClrLst meth="repeat">
-      <a:schemeClr val="accent1"/>
-    </dgm:fillClrLst>
-    <dgm:linClrLst meth="repeat">
-      <a:schemeClr val="accent1">
-        <a:shade val="60000"/>
-      </a:schemeClr>
-    </dgm:linClrLst>
-    <dgm:effectClrLst/>
-    <dgm:txLinClrLst/>
-    <dgm:txFillClrLst meth="repeat">
-      <a:schemeClr val="tx1"/>
-    </dgm:txFillClrLst>
-    <dgm:txEffectClrLst/>
-  </dgm:styleLbl>
-  <dgm:styleLbl name="parChTrans1D3">
-    <dgm:fillClrLst meth="repeat">
-      <a:schemeClr val="accent1"/>
-    </dgm:fillClrLst>
-    <dgm:linClrLst meth="repeat">
-      <a:schemeClr val="accent1">
-        <a:shade val="80000"/>
-      </a:schemeClr>
-    </dgm:linClrLst>
-    <dgm:effectClrLst/>
-    <dgm:txLinClrLst/>
-    <dgm:txFillClrLst meth="repeat">
-      <a:schemeClr val="tx1"/>
-    </dgm:txFillClrLst>
-    <dgm:txEffectClrLst/>
-  </dgm:styleLbl>
-  <dgm:styleLbl name="parChTrans1D4">
-    <dgm:fillClrLst meth="repeat">
-      <a:schemeClr val="accent1"/>
-    </dgm:fillClrLst>
-    <dgm:linClrLst meth="repeat">
-      <a:schemeClr val="accent1">
-        <a:shade val="80000"/>
-      </a:schemeClr>
-    </dgm:linClrLst>
-    <dgm:effectClrLst/>
-    <dgm:txLinClrLst/>
-    <dgm:txFillClrLst meth="repeat">
-      <a:schemeClr val="tx1"/>
-    </dgm:txFillClrLst>
-    <dgm:txEffectClrLst/>
-  </dgm:styleLbl>
-  <dgm:styleLbl name="fgAcc1">
-    <dgm:fillClrLst meth="repeat">
-      <a:schemeClr val="lt1">
-        <a:alpha val="90000"/>
-      </a:schemeClr>
-    </dgm:fillClrLst>
-    <dgm:linClrLst meth="repeat">
-      <a:schemeClr val="accent1"/>
-    </dgm:linClrLst>
-    <dgm:effectClrLst/>
-    <dgm:txLinClrLst/>
-    <dgm:txFillClrLst meth="repeat">
-      <a:schemeClr val="dk1"/>
-    </dgm:txFillClrLst>
-    <dgm:txEffectClrLst/>
-  </dgm:styleLbl>
-  <dgm:styleLbl name="conFgAcc1">
-    <dgm:fillClrLst meth="repeat">
-      <a:schemeClr val="lt1">
-        <a:alpha val="90000"/>
-      </a:schemeClr>
-    </dgm:fillClrLst>
-    <dgm:linClrLst meth="repeat">
-      <a:schemeClr val="accent1"/>
-    </dgm:linClrLst>
-    <dgm:effectClrLst/>
-    <dgm:txLinClrLst/>
-    <dgm:txFillClrLst meth="repeat">
-      <a:schemeClr val="dk1"/>
-    </dgm:txFillClrLst>
-    <dgm:txEffectClrLst/>
-  </dgm:styleLbl>
-  <dgm:styleLbl name="alignAcc1">
-    <dgm:fillClrLst meth="repeat">
-      <a:schemeClr val="lt1">
-        <a:alpha val="90000"/>
-      </a:schemeClr>
-    </dgm:fillClrLst>
-    <dgm:linClrLst meth="repeat">
-      <a:schemeClr val="accent1"/>
-    </dgm:linClrLst>
-    <dgm:effectClrLst/>
-    <dgm:txLinClrLst/>
-    <dgm:txFillClrLst meth="repeat">
-      <a:schemeClr val="dk1"/>
-    </dgm:txFillClrLst>
-    <dgm:txEffectClrLst/>
-  </dgm:styleLbl>
-  <dgm:styleLbl name="trAlignAcc1">
-    <dgm:fillClrLst meth="repeat">
-      <a:schemeClr val="lt1">
-        <a:alpha val="40000"/>
-      </a:schemeClr>
-    </dgm:fillClrLst>
-    <dgm:linClrLst meth="repeat">
-      <a:schemeClr val="accent1"/>
-    </dgm:linClrLst>
-    <dgm:effectClrLst/>
-    <dgm:txLinClrLst/>
-    <dgm:txFillClrLst meth="repeat">
-      <a:schemeClr val="dk1"/>
-    </dgm:txFillClrLst>
-    <dgm:txEffectClrLst/>
-  </dgm:styleLbl>
-  <dgm:styleLbl name="bgAcc1">
-    <dgm:fillClrLst meth="repeat">
-      <a:schemeClr val="lt1">
-        <a:alpha val="90000"/>
-      </a:schemeClr>
-    </dgm:fillClrLst>
-    <dgm:linClrLst meth="repeat">
-      <a:schemeClr val="accent1"/>
-    </dgm:linClrLst>
-    <dgm:effectClrLst/>
-    <dgm:txLinClrLst/>
-    <dgm:txFillClrLst meth="repeat">
-      <a:schemeClr val="dk1"/>
-    </dgm:txFillClrLst>
-    <dgm:txEffectClrLst/>
-  </dgm:styleLbl>
-  <dgm:styleLbl name="solidFgAcc1">
-    <dgm:fillClrLst meth="repeat">
-      <a:schemeClr val="lt1"/>
-    </dgm:fillClrLst>
-    <dgm:linClrLst meth="repeat">
-      <a:schemeClr val="accent1"/>
-    </dgm:linClrLst>
-    <dgm:effectClrLst/>
-    <dgm:txLinClrLst/>
-    <dgm:txFillClrLst meth="repeat">
-      <a:schemeClr val="dk1"/>
-    </dgm:txFillClrLst>
-    <dgm:txEffectClrLst/>
-  </dgm:styleLbl>
-  <dgm:styleLbl name="solidAlignAcc1">
-    <dgm:fillClrLst meth="repeat">
-      <a:schemeClr val="lt1"/>
-    </dgm:fillClrLst>
-    <dgm:linClrLst meth="repeat">
-      <a:schemeClr val="accent1"/>
-    </dgm:linClrLst>
-    <dgm:effectClrLst/>
-    <dgm:txLinClrLst/>
-    <dgm:txFillClrLst meth="repeat">
-      <a:schemeClr val="dk1"/>
-    </dgm:txFillClrLst>
-    <dgm:txEffectClrLst/>
-  </dgm:styleLbl>
-  <dgm:styleLbl name="solidBgAcc1">
-    <dgm:fillClrLst meth="repeat">
-      <a:schemeClr val="lt1"/>
-    </dgm:fillClrLst>
-    <dgm:linClrLst meth="repeat">
-      <a:schemeClr val="accent1"/>
-    </dgm:linClrLst>
-    <dgm:effectClrLst/>
-    <dgm:txLinClrLst/>
-    <dgm:txFillClrLst meth="repeat">
-      <a:schemeClr val="dk1"/>
-    </dgm:txFillClrLst>
-    <dgm:txEffectClrLst/>
-  </dgm:styleLbl>
-  <dgm:styleLbl name="fgAccFollowNode1">
-    <dgm:fillClrLst meth="repeat">
-      <a:schemeClr val="accent1">
-        <a:alpha val="90000"/>
-        <a:tint val="40000"/>
-      </a:schemeClr>
-    </dgm:fillClrLst>
-    <dgm:linClrLst meth="repeat">
-      <a:schemeClr val="accent1">
-        <a:alpha val="90000"/>
-        <a:tint val="40000"/>
-      </a:schemeClr>
-    </dgm:linClrLst>
-    <dgm:effectClrLst/>
-    <dgm:txLinClrLst/>
-    <dgm:txFillClrLst meth="repeat">
-      <a:schemeClr val="dk1"/>
-    </dgm:txFillClrLst>
-    <dgm:txEffectClrLst/>
-  </dgm:styleLbl>
-  <dgm:styleLbl name="alignAccFollowNode1">
-    <dgm:fillClrLst meth="repeat">
-      <a:schemeClr val="accent1">
-        <a:alpha val="90000"/>
-        <a:tint val="40000"/>
-      </a:schemeClr>
-    </dgm:fillClrLst>
-    <dgm:linClrLst meth="repeat">
-      <a:schemeClr val="accent1">
-        <a:alpha val="90000"/>
-        <a:tint val="40000"/>
-      </a:schemeClr>
-    </dgm:linClrLst>
-    <dgm:effectClrLst/>
-    <dgm:txLinClrLst/>
-    <dgm:txFillClrLst meth="repeat">
-      <a:schemeClr val="dk1"/>
-    </dgm:txFillClrLst>
-    <dgm:txEffectClrLst/>
-  </dgm:styleLbl>
-  <dgm:styleLbl name="bgAccFollowNode1">
-    <dgm:fillClrLst meth="repeat">
-      <a:schemeClr val="accent1">
-        <a:alpha val="90000"/>
-        <a:tint val="40000"/>
-      </a:schemeClr>
-    </dgm:fillClrLst>
-    <dgm:linClrLst meth="repeat">
-      <a:schemeClr val="accent1">
-        <a:alpha val="90000"/>
-        <a:tint val="40000"/>
-      </a:schemeClr>
-    </dgm:linClrLst>
-    <dgm:effectClrLst/>
-    <dgm:txLinClrLst/>
-    <dgm:txFillClrLst meth="repeat">
-      <a:schemeClr val="dk1"/>
-    </dgm:txFillClrLst>
-    <dgm:txEffectClrLst/>
-  </dgm:styleLbl>
-  <dgm:styleLbl name="fgAcc0">
-    <dgm:fillClrLst meth="repeat">
-      <a:schemeClr val="lt1">
-        <a:alpha val="90000"/>
-      </a:schemeClr>
-    </dgm:fillClrLst>
-    <dgm:linClrLst meth="repeat">
-      <a:schemeClr val="accent1"/>
-    </dgm:linClrLst>
-    <dgm:effectClrLst/>
-    <dgm:txLinClrLst/>
-    <dgm:txFillClrLst meth="repeat">
-      <a:schemeClr val="dk1"/>
-    </dgm:txFillClrLst>
-    <dgm:txEffectClrLst/>
-  </dgm:styleLbl>
-  <dgm:styleLbl name="fgAcc2">
-    <dgm:fillClrLst meth="repeat">
-      <a:schemeClr val="lt1">
-        <a:alpha val="90000"/>
-      </a:schemeClr>
-    </dgm:fillClrLst>
-    <dgm:linClrLst meth="repeat">
-      <a:schemeClr val="accent1"/>
-    </dgm:linClrLst>
-    <dgm:effectClrLst/>
-    <dgm:txLinClrLst/>
-    <dgm:txFillClrLst meth="repeat">
-      <a:schemeClr val="dk1"/>
-    </dgm:txFillClrLst>
-    <dgm:txEffectClrLst/>
-  </dgm:styleLbl>
-  <dgm:styleLbl name="fgAcc3">
-    <dgm:fillClrLst meth="repeat">
-      <a:schemeClr val="lt1">
-        <a:alpha val="90000"/>
-      </a:schemeClr>
-    </dgm:fillClrLst>
-    <dgm:linClrLst meth="repeat">
-      <a:schemeClr val="accent1"/>
-    </dgm:linClrLst>
-    <dgm:effectClrLst/>
-    <dgm:txLinClrLst/>
-    <dgm:txFillClrLst meth="repeat">
-      <a:schemeClr val="dk1"/>
-    </dgm:txFillClrLst>
-    <dgm:txEffectClrLst/>
-  </dgm:styleLbl>
-  <dgm:styleLbl name="fgAcc4">
-    <dgm:fillClrLst meth="repeat">
-      <a:schemeClr val="lt1">
-        <a:alpha val="90000"/>
-      </a:schemeClr>
-    </dgm:fillClrLst>
-    <dgm:linClrLst meth="repeat">
-      <a:schemeClr val="accent1"/>
-    </dgm:linClrLst>
-    <dgm:effectClrLst/>
-    <dgm:txLinClrLst/>
-    <dgm:txFillClrLst meth="repeat">
-      <a:schemeClr val="dk1"/>
-    </dgm:txFillClrLst>
-    <dgm:txEffectClrLst/>
-  </dgm:styleLbl>
-  <dgm:styleLbl name="bgShp">
-    <dgm:fillClrLst meth="repeat">
-      <a:schemeClr val="accent1">
-        <a:tint val="40000"/>
-      </a:schemeClr>
-    </dgm:fillClrLst>
-    <dgm:linClrLst meth="repeat">
-      <a:schemeClr val="accent1"/>
-    </dgm:linClrLst>
-    <dgm:effectClrLst/>
-    <dgm:txLinClrLst/>
-    <dgm:txFillClrLst meth="repeat">
-      <a:schemeClr val="dk1"/>
-    </dgm:txFillClrLst>
-    <dgm:txEffectClrLst/>
-  </dgm:styleLbl>
-  <dgm:styleLbl name="dkBgShp">
-    <dgm:fillClrLst meth="repeat">
-      <a:schemeClr val="accent1">
-        <a:shade val="80000"/>
-      </a:schemeClr>
-    </dgm:fillClrLst>
-    <dgm:linClrLst meth="repeat">
-      <a:schemeClr val="accent1"/>
-    </dgm:linClrLst>
-    <dgm:effectClrLst/>
-    <dgm:txLinClrLst/>
-    <dgm:txFillClrLst meth="repeat">
-      <a:schemeClr val="lt1"/>
-    </dgm:txFillClrLst>
-    <dgm:txEffectClrLst/>
-  </dgm:styleLbl>
-  <dgm:styleLbl name="trBgShp">
-    <dgm:fillClrLst meth="repeat">
-      <a:schemeClr val="accent1">
-        <a:tint val="50000"/>
-        <a:alpha val="40000"/>
-      </a:schemeClr>
-    </dgm:fillClrLst>
-    <dgm:linClrLst meth="repeat">
-      <a:schemeClr val="accent1"/>
-    </dgm:linClrLst>
-    <dgm:effectClrLst/>
-    <dgm:txLinClrLst/>
-    <dgm:txFillClrLst meth="repeat">
-      <a:schemeClr val="lt1"/>
-    </dgm:txFillClrLst>
-    <dgm:txEffectClrLst/>
-  </dgm:styleLbl>
-  <dgm:styleLbl name="fgShp">
-    <dgm:fillClrLst meth="repeat">
-      <a:schemeClr val="accent1">
-        <a:tint val="60000"/>
-      </a:schemeClr>
-    </dgm:fillClrLst>
-    <dgm:linClrLst meth="repeat">
-      <a:schemeClr val="lt1"/>
-    </dgm:linClrLst>
-    <dgm:effectClrLst/>
-    <dgm:txLinClrLst/>
-    <dgm:txFillClrLst meth="repeat">
-      <a:schemeClr val="dk1"/>
-    </dgm:txFillClrLst>
-    <dgm:txEffectClrLst/>
-  </dgm:styleLbl>
-  <dgm:styleLbl name="revTx">
-    <dgm:fillClrLst meth="repeat">
-      <a:schemeClr val="lt1">
-        <a:alpha val="0"/>
-      </a:schemeClr>
-    </dgm:fillClrLst>
-    <dgm:linClrLst meth="repeat">
-      <a:schemeClr val="dk1">
-        <a:alpha val="0"/>
-      </a:schemeClr>
-    </dgm:linClrLst>
-    <dgm:effectClrLst/>
-    <dgm:txLinClrLst/>
-    <dgm:txFillClrLst meth="repeat">
-      <a:schemeClr val="tx1"/>
-    </dgm:txFillClrLst>
-    <dgm:txEffectClrLst/>
-  </dgm:styleLbl>
-</dgm:colorsDef>
-</file>
-
 <file path=ppt/diagrams/data1.xml><?xml version="1.0" encoding="utf-8"?>
 <dgm:dataModel xmlns:dgm="http://schemas.openxmlformats.org/drawingml/2006/diagram" xmlns:a="http://schemas.openxmlformats.org/drawingml/2006/main">
   <dgm:ptLst>
@@ -1682,16 +933,12 @@
         <a:lstStyle/>
         <a:p>
           <a:r>
-            <a:rPr lang="zh-CN" altLang="en-US" sz="1800" dirty="0" smtClean="0">
+            <a:rPr lang="zh-CN" altLang="en-US" sz="1800" dirty="0">
               <a:latin typeface="华文行楷" panose="02010800040101010101" pitchFamily="2" charset="-122"/>
               <a:ea typeface="华文行楷" panose="02010800040101010101" pitchFamily="2" charset="-122"/>
             </a:rPr>
             <a:t>正反馈回路</a:t>
           </a:r>
-          <a:endParaRPr lang="zh-CN" altLang="en-US" sz="1800" dirty="0">
-            <a:latin typeface="华文行楷" panose="02010800040101010101" pitchFamily="2" charset="-122"/>
-            <a:ea typeface="华文行楷" panose="02010800040101010101" pitchFamily="2" charset="-122"/>
-          </a:endParaRPr>
         </a:p>
       </dgm:t>
     </dgm:pt>
@@ -1725,16 +972,12 @@
         <a:lstStyle/>
         <a:p>
           <a:r>
-            <a:rPr lang="zh-CN" altLang="en-US" sz="1800" dirty="0" smtClean="0">
+            <a:rPr lang="zh-CN" altLang="en-US" sz="1800" dirty="0">
               <a:latin typeface="华文行楷" panose="02010800040101010101" pitchFamily="2" charset="-122"/>
               <a:ea typeface="华文行楷" panose="02010800040101010101" pitchFamily="2" charset="-122"/>
             </a:rPr>
             <a:t>负反馈回路</a:t>
           </a:r>
-          <a:endParaRPr lang="zh-CN" altLang="en-US" sz="1800" dirty="0">
-            <a:latin typeface="华文行楷" panose="02010800040101010101" pitchFamily="2" charset="-122"/>
-            <a:ea typeface="华文行楷" panose="02010800040101010101" pitchFamily="2" charset="-122"/>
-          </a:endParaRPr>
         </a:p>
       </dgm:t>
     </dgm:pt>
@@ -1769,13 +1012,6 @@
         </dgm:presLayoutVars>
       </dgm:prSet>
       <dgm:spPr/>
-      <dgm:t>
-        <a:bodyPr/>
-        <a:lstStyle/>
-        <a:p>
-          <a:endParaRPr lang="zh-CN" altLang="en-US"/>
-        </a:p>
-      </dgm:t>
     </dgm:pt>
     <dgm:pt modelId="{FC5B00AA-8297-45DB-A9CE-D7010DDFFBC2}" type="pres">
       <dgm:prSet presAssocID="{A08AFF26-4600-4BA8-8D58-BCF13E651FD4}" presName="divider" presStyleLbl="fgShp" presStyleIdx="0" presStyleCnt="1"/>
@@ -1796,13 +1032,6 @@
         </dgm:presLayoutVars>
       </dgm:prSet>
       <dgm:spPr/>
-      <dgm:t>
-        <a:bodyPr/>
-        <a:lstStyle/>
-        <a:p>
-          <a:endParaRPr lang="zh-CN" altLang="en-US"/>
-        </a:p>
-      </dgm:t>
     </dgm:pt>
     <dgm:pt modelId="{21D82551-F3BA-44CD-970E-86845BACF258}" type="pres">
       <dgm:prSet presAssocID="{08BA976D-B62B-4CB1-B6C3-9452FCB0972C}" presName="upArrow" presStyleLbl="node1" presStyleIdx="1" presStyleCnt="2"/>
@@ -1815,19 +1044,12 @@
         </dgm:presLayoutVars>
       </dgm:prSet>
       <dgm:spPr/>
-      <dgm:t>
-        <a:bodyPr/>
-        <a:lstStyle/>
-        <a:p>
-          <a:endParaRPr lang="zh-CN" altLang="en-US"/>
-        </a:p>
-      </dgm:t>
     </dgm:pt>
   </dgm:ptLst>
   <dgm:cxnLst>
+    <dgm:cxn modelId="{937DF62B-E7E0-4E52-AB93-12F401F88001}" type="presOf" srcId="{A08AFF26-4600-4BA8-8D58-BCF13E651FD4}" destId="{A72B058A-8504-47A2-A9A6-3DB3F5046B43}" srcOrd="0" destOrd="0" presId="urn:microsoft.com/office/officeart/2005/8/layout/arrow3"/>
+    <dgm:cxn modelId="{67370737-60FB-4427-A9F7-123A23E7021C}" type="presOf" srcId="{7A575F39-EB57-4FC1-B67D-05531B47A68B}" destId="{009DC60F-73BF-41AB-8CE5-BCDB50B5107D}" srcOrd="0" destOrd="0" presId="urn:microsoft.com/office/officeart/2005/8/layout/arrow3"/>
     <dgm:cxn modelId="{290C4E6B-60F4-41A1-A06C-FE5D445290A9}" type="presOf" srcId="{08BA976D-B62B-4CB1-B6C3-9452FCB0972C}" destId="{15578B2B-E1B5-42E9-9F18-0D53A2611240}" srcOrd="0" destOrd="0" presId="urn:microsoft.com/office/officeart/2005/8/layout/arrow3"/>
-    <dgm:cxn modelId="{67370737-60FB-4427-A9F7-123A23E7021C}" type="presOf" srcId="{7A575F39-EB57-4FC1-B67D-05531B47A68B}" destId="{009DC60F-73BF-41AB-8CE5-BCDB50B5107D}" srcOrd="0" destOrd="0" presId="urn:microsoft.com/office/officeart/2005/8/layout/arrow3"/>
-    <dgm:cxn modelId="{937DF62B-E7E0-4E52-AB93-12F401F88001}" type="presOf" srcId="{A08AFF26-4600-4BA8-8D58-BCF13E651FD4}" destId="{A72B058A-8504-47A2-A9A6-3DB3F5046B43}" srcOrd="0" destOrd="0" presId="urn:microsoft.com/office/officeart/2005/8/layout/arrow3"/>
     <dgm:cxn modelId="{9BB463B2-664F-4FE5-BF4C-ACC7BD37B52D}" srcId="{A08AFF26-4600-4BA8-8D58-BCF13E651FD4}" destId="{7A575F39-EB57-4FC1-B67D-05531B47A68B}" srcOrd="0" destOrd="0" parTransId="{2867CEAF-009F-469A-BED0-482CEB2AA5F1}" sibTransId="{1893DF59-5F04-4616-A449-FC08D8921E60}"/>
     <dgm:cxn modelId="{F6402EED-4777-4D2D-9474-545533D84207}" srcId="{A08AFF26-4600-4BA8-8D58-BCF13E651FD4}" destId="{08BA976D-B62B-4CB1-B6C3-9452FCB0972C}" srcOrd="1" destOrd="0" parTransId="{AFBE87E7-69B8-4C2C-BEA1-65DAE70DB0FE}" sibTransId="{55D827B9-6DC0-4A1B-8CE2-6A22F6D01BF9}"/>
     <dgm:cxn modelId="{A16D2F46-F20D-4877-B629-83417B608F57}" type="presParOf" srcId="{A72B058A-8504-47A2-A9A6-3DB3F5046B43}" destId="{FC5B00AA-8297-45DB-A9CE-D7010DDFFBC2}" srcOrd="0" destOrd="0" presId="urn:microsoft.com/office/officeart/2005/8/layout/arrow3"/>
@@ -1835,829 +1057,6 @@
     <dgm:cxn modelId="{945BD927-3E48-4744-A8F7-153D16F72BF4}" type="presParOf" srcId="{A72B058A-8504-47A2-A9A6-3DB3F5046B43}" destId="{009DC60F-73BF-41AB-8CE5-BCDB50B5107D}" srcOrd="2" destOrd="0" presId="urn:microsoft.com/office/officeart/2005/8/layout/arrow3"/>
     <dgm:cxn modelId="{22E486E2-D529-414E-8ED4-340F3D0DD7EF}" type="presParOf" srcId="{A72B058A-8504-47A2-A9A6-3DB3F5046B43}" destId="{21D82551-F3BA-44CD-970E-86845BACF258}" srcOrd="3" destOrd="0" presId="urn:microsoft.com/office/officeart/2005/8/layout/arrow3"/>
     <dgm:cxn modelId="{5552B612-EBFB-4EBC-AA65-2156D74F7DDF}" type="presParOf" srcId="{A72B058A-8504-47A2-A9A6-3DB3F5046B43}" destId="{15578B2B-E1B5-42E9-9F18-0D53A2611240}" srcOrd="4" destOrd="0" presId="urn:microsoft.com/office/officeart/2005/8/layout/arrow3"/>
-  </dgm:cxnLst>
-  <dgm:bg/>
-  <dgm:whole/>
-  <dgm:extLst>
-    <a:ext uri="http://schemas.microsoft.com/office/drawing/2008/diagram">
-      <dsp:dataModelExt xmlns:dsp="http://schemas.microsoft.com/office/drawing/2008/diagram" relId="rId6" minVer="http://schemas.openxmlformats.org/drawingml/2006/diagram"/>
-    </a:ext>
-  </dgm:extLst>
-</dgm:dataModel>
-</file>
-
-<file path=ppt/diagrams/data2.xml><?xml version="1.0" encoding="utf-8"?>
-<dgm:dataModel xmlns:dgm="http://schemas.openxmlformats.org/drawingml/2006/diagram" xmlns:a="http://schemas.openxmlformats.org/drawingml/2006/main">
-  <dgm:ptLst>
-    <dgm:pt modelId="{54A4EA14-6130-4F20-84D9-A17D6CE2CA2F}" type="doc">
-      <dgm:prSet loTypeId="urn:microsoft.com/office/officeart/2008/layout/LinedList" loCatId="list" qsTypeId="urn:microsoft.com/office/officeart/2005/8/quickstyle/simple1" qsCatId="simple" csTypeId="urn:microsoft.com/office/officeart/2005/8/colors/accent1_2" csCatId="accent1" phldr="1"/>
-      <dgm:spPr/>
-      <dgm:t>
-        <a:bodyPr/>
-        <a:lstStyle/>
-        <a:p>
-          <a:endParaRPr lang="zh-CN" altLang="en-US"/>
-        </a:p>
-      </dgm:t>
-    </dgm:pt>
-    <dgm:pt modelId="{C9038E44-37FD-435F-8E00-81DF112935D6}">
-      <dgm:prSet phldrT="[文本]" custT="1"/>
-      <dgm:spPr/>
-      <dgm:t>
-        <a:bodyPr/>
-        <a:lstStyle/>
-        <a:p>
-          <a:r>
-            <a:rPr lang="zh-CN" altLang="en-US" sz="4200" dirty="0" smtClean="0"/>
-            <a:t>课程内容计划</a:t>
-          </a:r>
-          <a:r>
-            <a:rPr lang="zh-CN" altLang="en-US" sz="1800" dirty="0" smtClean="0"/>
-            <a:t>（两周一个单元）</a:t>
-          </a:r>
-          <a:endParaRPr lang="zh-CN" altLang="en-US" sz="1800" dirty="0"/>
-        </a:p>
-      </dgm:t>
-    </dgm:pt>
-    <dgm:pt modelId="{5BCE2FA7-9DD5-4E7C-9D83-C1385DBA5ECE}" type="parTrans" cxnId="{716AD9FC-B9CC-4CB2-97F2-23B2967FBAAF}">
-      <dgm:prSet/>
-      <dgm:spPr/>
-      <dgm:t>
-        <a:bodyPr/>
-        <a:lstStyle/>
-        <a:p>
-          <a:endParaRPr lang="zh-CN" altLang="en-US"/>
-        </a:p>
-      </dgm:t>
-    </dgm:pt>
-    <dgm:pt modelId="{F3389DD4-2376-4CB0-9757-06FB205032A4}" type="sibTrans" cxnId="{716AD9FC-B9CC-4CB2-97F2-23B2967FBAAF}">
-      <dgm:prSet/>
-      <dgm:spPr/>
-      <dgm:t>
-        <a:bodyPr/>
-        <a:lstStyle/>
-        <a:p>
-          <a:endParaRPr lang="zh-CN" altLang="en-US"/>
-        </a:p>
-      </dgm:t>
-    </dgm:pt>
-    <dgm:pt modelId="{5B56582E-BD5E-4CA6-BDC0-BCEC8EBBE953}">
-      <dgm:prSet phldrT="[文本]"/>
-      <dgm:spPr/>
-      <dgm:t>
-        <a:bodyPr/>
-        <a:lstStyle/>
-        <a:p>
-          <a:r>
-            <a:rPr lang="en-US" altLang="zh-CN" dirty="0" smtClean="0"/>
-            <a:t>1 </a:t>
-          </a:r>
-          <a:r>
-            <a:rPr lang="zh-CN" altLang="en-US" dirty="0" smtClean="0"/>
-            <a:t>概述           工具 流量存量</a:t>
-          </a:r>
-          <a:endParaRPr lang="zh-CN" altLang="en-US" dirty="0"/>
-        </a:p>
-      </dgm:t>
-    </dgm:pt>
-    <dgm:pt modelId="{85325260-17E3-4CF8-90B5-379FB3C13AE2}" type="parTrans" cxnId="{CBC1E894-D893-4A2D-B434-632DE814225A}">
-      <dgm:prSet/>
-      <dgm:spPr/>
-      <dgm:t>
-        <a:bodyPr/>
-        <a:lstStyle/>
-        <a:p>
-          <a:endParaRPr lang="zh-CN" altLang="en-US"/>
-        </a:p>
-      </dgm:t>
-    </dgm:pt>
-    <dgm:pt modelId="{9AF50FF0-2210-492B-90A1-F0263DFE5D6C}" type="sibTrans" cxnId="{CBC1E894-D893-4A2D-B434-632DE814225A}">
-      <dgm:prSet/>
-      <dgm:spPr/>
-      <dgm:t>
-        <a:bodyPr/>
-        <a:lstStyle/>
-        <a:p>
-          <a:endParaRPr lang="zh-CN" altLang="en-US"/>
-        </a:p>
-      </dgm:t>
-    </dgm:pt>
-    <dgm:pt modelId="{B683B98A-B215-4D6D-89EA-F789C1D936D6}">
-      <dgm:prSet phldrT="[文本]"/>
-      <dgm:spPr/>
-      <dgm:t>
-        <a:bodyPr/>
-        <a:lstStyle/>
-        <a:p>
-          <a:r>
-            <a:rPr lang="en-US" altLang="zh-CN" dirty="0" smtClean="0"/>
-            <a:t>2 </a:t>
-          </a:r>
-          <a:r>
-            <a:rPr lang="zh-CN" altLang="en-US" dirty="0" smtClean="0"/>
-            <a:t>函数           基础函数 动态函数</a:t>
-          </a:r>
-          <a:endParaRPr lang="zh-CN" altLang="en-US" dirty="0"/>
-        </a:p>
-      </dgm:t>
-    </dgm:pt>
-    <dgm:pt modelId="{93A82BF3-8D5B-47AD-A798-98F1D4DA4C2F}" type="parTrans" cxnId="{58B9AAC0-1514-489D-8CA4-3434A112E4A5}">
-      <dgm:prSet/>
-      <dgm:spPr/>
-      <dgm:t>
-        <a:bodyPr/>
-        <a:lstStyle/>
-        <a:p>
-          <a:endParaRPr lang="zh-CN" altLang="en-US"/>
-        </a:p>
-      </dgm:t>
-    </dgm:pt>
-    <dgm:pt modelId="{8FA692D0-9569-4BC4-945C-C15C8A87398F}" type="sibTrans" cxnId="{58B9AAC0-1514-489D-8CA4-3434A112E4A5}">
-      <dgm:prSet/>
-      <dgm:spPr/>
-      <dgm:t>
-        <a:bodyPr/>
-        <a:lstStyle/>
-        <a:p>
-          <a:endParaRPr lang="zh-CN" altLang="en-US"/>
-        </a:p>
-      </dgm:t>
-    </dgm:pt>
-    <dgm:pt modelId="{596476C9-4CAA-49F5-A501-192F9593CC70}">
-      <dgm:prSet phldrT="[文本]"/>
-      <dgm:spPr/>
-      <dgm:t>
-        <a:bodyPr/>
-        <a:lstStyle/>
-        <a:p>
-          <a:r>
-            <a:rPr lang="en-US" altLang="zh-CN" dirty="0" smtClean="0"/>
-            <a:t>3 </a:t>
-          </a:r>
-          <a:r>
-            <a:rPr lang="zh-CN" altLang="en-US" dirty="0" smtClean="0"/>
-            <a:t>因果分析       因果链 反馈回路</a:t>
-          </a:r>
-          <a:endParaRPr lang="zh-CN" altLang="en-US" dirty="0"/>
-        </a:p>
-      </dgm:t>
-    </dgm:pt>
-    <dgm:pt modelId="{B9E3CE57-FBBE-4C59-B980-F138139D7EC9}" type="parTrans" cxnId="{9D9E34B3-EB82-4BA0-8B23-3D3AFE0CAB1A}">
-      <dgm:prSet/>
-      <dgm:spPr/>
-      <dgm:t>
-        <a:bodyPr/>
-        <a:lstStyle/>
-        <a:p>
-          <a:endParaRPr lang="zh-CN" altLang="en-US"/>
-        </a:p>
-      </dgm:t>
-    </dgm:pt>
-    <dgm:pt modelId="{24B15899-A304-4254-9504-EF685DDF1493}" type="sibTrans" cxnId="{9D9E34B3-EB82-4BA0-8B23-3D3AFE0CAB1A}">
-      <dgm:prSet/>
-      <dgm:spPr/>
-      <dgm:t>
-        <a:bodyPr/>
-        <a:lstStyle/>
-        <a:p>
-          <a:endParaRPr lang="zh-CN" altLang="en-US"/>
-        </a:p>
-      </dgm:t>
-    </dgm:pt>
-    <dgm:pt modelId="{7A2DB394-FE5F-4333-ADF7-44D8C18B02CC}">
-      <dgm:prSet/>
-      <dgm:spPr/>
-      <dgm:t>
-        <a:bodyPr/>
-        <a:lstStyle/>
-        <a:p>
-          <a:r>
-            <a:rPr lang="en-US" altLang="zh-CN" dirty="0" smtClean="0"/>
-            <a:t>4 </a:t>
-          </a:r>
-          <a:r>
-            <a:rPr lang="zh-CN" altLang="en-US" dirty="0" smtClean="0"/>
-            <a:t>一阶系统</a:t>
-          </a:r>
-          <a:endParaRPr lang="zh-CN" altLang="en-US" dirty="0"/>
-        </a:p>
-      </dgm:t>
-    </dgm:pt>
-    <dgm:pt modelId="{48131B7E-EEEC-4F92-B8B8-1704F201DDF2}" type="parTrans" cxnId="{8E11B3AA-7178-4805-9810-1673929D15AA}">
-      <dgm:prSet/>
-      <dgm:spPr/>
-      <dgm:t>
-        <a:bodyPr/>
-        <a:lstStyle/>
-        <a:p>
-          <a:endParaRPr lang="zh-CN" altLang="en-US"/>
-        </a:p>
-      </dgm:t>
-    </dgm:pt>
-    <dgm:pt modelId="{5DC316C0-9068-4179-912C-29F0F605510A}" type="sibTrans" cxnId="{8E11B3AA-7178-4805-9810-1673929D15AA}">
-      <dgm:prSet/>
-      <dgm:spPr/>
-      <dgm:t>
-        <a:bodyPr/>
-        <a:lstStyle/>
-        <a:p>
-          <a:endParaRPr lang="zh-CN" altLang="en-US"/>
-        </a:p>
-      </dgm:t>
-    </dgm:pt>
-    <dgm:pt modelId="{2B8CB3CB-3DA6-4071-848B-CFA60C841D31}">
-      <dgm:prSet/>
-      <dgm:spPr/>
-      <dgm:t>
-        <a:bodyPr/>
-        <a:lstStyle/>
-        <a:p>
-          <a:r>
-            <a:rPr lang="en-US" altLang="zh-CN" dirty="0" smtClean="0"/>
-            <a:t>5 </a:t>
-          </a:r>
-          <a:r>
-            <a:rPr lang="zh-CN" altLang="en-US" dirty="0" smtClean="0"/>
-            <a:t>二阶系统</a:t>
-          </a:r>
-          <a:endParaRPr lang="zh-CN" altLang="en-US" dirty="0"/>
-        </a:p>
-      </dgm:t>
-    </dgm:pt>
-    <dgm:pt modelId="{4B80FA84-8D38-4ED8-B516-68736E40A304}" type="parTrans" cxnId="{1DAAE917-7ED2-42E6-A4D1-EE5420332C49}">
-      <dgm:prSet/>
-      <dgm:spPr/>
-      <dgm:t>
-        <a:bodyPr/>
-        <a:lstStyle/>
-        <a:p>
-          <a:endParaRPr lang="zh-CN" altLang="en-US"/>
-        </a:p>
-      </dgm:t>
-    </dgm:pt>
-    <dgm:pt modelId="{71C7516F-003F-4488-A672-59CFC8545B9C}" type="sibTrans" cxnId="{1DAAE917-7ED2-42E6-A4D1-EE5420332C49}">
-      <dgm:prSet/>
-      <dgm:spPr/>
-      <dgm:t>
-        <a:bodyPr/>
-        <a:lstStyle/>
-        <a:p>
-          <a:endParaRPr lang="zh-CN" altLang="en-US"/>
-        </a:p>
-      </dgm:t>
-    </dgm:pt>
-    <dgm:pt modelId="{BF7922ED-8519-47E2-AAF7-ACA67921A813}">
-      <dgm:prSet/>
-      <dgm:spPr/>
-      <dgm:t>
-        <a:bodyPr/>
-        <a:lstStyle/>
-        <a:p>
-          <a:r>
-            <a:rPr lang="en-US" altLang="zh-CN" dirty="0" smtClean="0"/>
-            <a:t>6 </a:t>
-          </a:r>
-          <a:r>
-            <a:rPr lang="zh-CN" altLang="en-US" dirty="0" smtClean="0"/>
-            <a:t>延迟系统</a:t>
-          </a:r>
-          <a:endParaRPr lang="zh-CN" altLang="en-US" dirty="0"/>
-        </a:p>
-      </dgm:t>
-    </dgm:pt>
-    <dgm:pt modelId="{1B73B08D-3F38-4E80-8619-BDCC091F9919}" type="parTrans" cxnId="{779F48A4-2CC3-469A-BE1F-7DD026C0524A}">
-      <dgm:prSet/>
-      <dgm:spPr/>
-      <dgm:t>
-        <a:bodyPr/>
-        <a:lstStyle/>
-        <a:p>
-          <a:endParaRPr lang="zh-CN" altLang="en-US"/>
-        </a:p>
-      </dgm:t>
-    </dgm:pt>
-    <dgm:pt modelId="{EFA9B458-8F59-4BA4-948A-258D362CE43D}" type="sibTrans" cxnId="{779F48A4-2CC3-469A-BE1F-7DD026C0524A}">
-      <dgm:prSet/>
-      <dgm:spPr/>
-      <dgm:t>
-        <a:bodyPr/>
-        <a:lstStyle/>
-        <a:p>
-          <a:endParaRPr lang="zh-CN" altLang="en-US"/>
-        </a:p>
-      </dgm:t>
-    </dgm:pt>
-    <dgm:pt modelId="{82DA45AA-A16A-415D-9E2A-BB810BED8374}">
-      <dgm:prSet/>
-      <dgm:spPr/>
-      <dgm:t>
-        <a:bodyPr/>
-        <a:lstStyle/>
-        <a:p>
-          <a:r>
-            <a:rPr lang="en-US" altLang="zh-CN" dirty="0" smtClean="0"/>
-            <a:t>7 </a:t>
-          </a:r>
-          <a:r>
-            <a:rPr lang="zh-CN" altLang="en-US" dirty="0" smtClean="0"/>
-            <a:t>老化与协流</a:t>
-          </a:r>
-          <a:endParaRPr lang="zh-CN" altLang="en-US" dirty="0"/>
-        </a:p>
-      </dgm:t>
-    </dgm:pt>
-    <dgm:pt modelId="{98EE14F4-12A1-452D-B0C9-6259CCBFC6D5}" type="parTrans" cxnId="{88CB1C55-8774-46A8-828B-ACFD5821EE48}">
-      <dgm:prSet/>
-      <dgm:spPr/>
-      <dgm:t>
-        <a:bodyPr/>
-        <a:lstStyle/>
-        <a:p>
-          <a:endParaRPr lang="zh-CN" altLang="en-US"/>
-        </a:p>
-      </dgm:t>
-    </dgm:pt>
-    <dgm:pt modelId="{4FE8A5F2-AAA1-42A6-A4C0-EF90E9572DB1}" type="sibTrans" cxnId="{88CB1C55-8774-46A8-828B-ACFD5821EE48}">
-      <dgm:prSet/>
-      <dgm:spPr/>
-      <dgm:t>
-        <a:bodyPr/>
-        <a:lstStyle/>
-        <a:p>
-          <a:endParaRPr lang="zh-CN" altLang="en-US"/>
-        </a:p>
-      </dgm:t>
-    </dgm:pt>
-    <dgm:pt modelId="{791EAEA1-C3EB-4983-95FE-710FBB07D009}">
-      <dgm:prSet/>
-      <dgm:spPr/>
-      <dgm:t>
-        <a:bodyPr/>
-        <a:lstStyle/>
-        <a:p>
-          <a:r>
-            <a:rPr lang="en-US" altLang="zh-CN" dirty="0" smtClean="0"/>
-            <a:t>8 </a:t>
-          </a:r>
-          <a:r>
-            <a:rPr lang="zh-CN" altLang="en-US" dirty="0" smtClean="0"/>
-            <a:t>系统基模</a:t>
-          </a:r>
-          <a:endParaRPr lang="zh-CN" altLang="en-US" dirty="0"/>
-        </a:p>
-      </dgm:t>
-    </dgm:pt>
-    <dgm:pt modelId="{E20B2919-A4C1-4CC2-BE5D-40573C56B277}" type="parTrans" cxnId="{0160B69C-F81D-413E-9CE9-4F63292746EC}">
-      <dgm:prSet/>
-      <dgm:spPr/>
-      <dgm:t>
-        <a:bodyPr/>
-        <a:lstStyle/>
-        <a:p>
-          <a:endParaRPr lang="zh-CN" altLang="en-US"/>
-        </a:p>
-      </dgm:t>
-    </dgm:pt>
-    <dgm:pt modelId="{4475FCDC-130D-4940-B7D1-6FCCC88D8621}" type="sibTrans" cxnId="{0160B69C-F81D-413E-9CE9-4F63292746EC}">
-      <dgm:prSet/>
-      <dgm:spPr/>
-      <dgm:t>
-        <a:bodyPr/>
-        <a:lstStyle/>
-        <a:p>
-          <a:endParaRPr lang="zh-CN" altLang="en-US"/>
-        </a:p>
-      </dgm:t>
-    </dgm:pt>
-    <dgm:pt modelId="{1116D877-F5E5-4A79-A17F-61B4E9995F13}">
-      <dgm:prSet/>
-      <dgm:spPr/>
-      <dgm:t>
-        <a:bodyPr/>
-        <a:lstStyle/>
-        <a:p>
-          <a:r>
-            <a:rPr lang="zh-CN" altLang="en-US" dirty="0" smtClean="0"/>
-            <a:t>路径依赖（安排</a:t>
-          </a:r>
-          <a:r>
-            <a:rPr lang="zh-CN" altLang="en-US" dirty="0" smtClean="0"/>
-            <a:t>待定</a:t>
-          </a:r>
-          <a:r>
-            <a:rPr lang="zh-CN" altLang="en-US" dirty="0" smtClean="0"/>
-            <a:t>）</a:t>
-          </a:r>
-          <a:endParaRPr lang="zh-CN" altLang="en-US" dirty="0"/>
-        </a:p>
-      </dgm:t>
-    </dgm:pt>
-    <dgm:pt modelId="{0CB8B4EE-B3D6-49E2-BF90-68FB9D73A493}" type="parTrans" cxnId="{B28FDEC1-CC26-4EDE-9C36-9C1CA91A7FF0}">
-      <dgm:prSet/>
-      <dgm:spPr/>
-      <dgm:t>
-        <a:bodyPr/>
-        <a:lstStyle/>
-        <a:p>
-          <a:endParaRPr lang="zh-CN" altLang="en-US"/>
-        </a:p>
-      </dgm:t>
-    </dgm:pt>
-    <dgm:pt modelId="{378B88C9-E65E-4A6F-A60C-41FD0AB2676B}" type="sibTrans" cxnId="{B28FDEC1-CC26-4EDE-9C36-9C1CA91A7FF0}">
-      <dgm:prSet/>
-      <dgm:spPr/>
-      <dgm:t>
-        <a:bodyPr/>
-        <a:lstStyle/>
-        <a:p>
-          <a:endParaRPr lang="zh-CN" altLang="en-US"/>
-        </a:p>
-      </dgm:t>
-    </dgm:pt>
-    <dgm:pt modelId="{F7C1D979-85D7-4702-BA38-900E936AB698}" type="pres">
-      <dgm:prSet presAssocID="{54A4EA14-6130-4F20-84D9-A17D6CE2CA2F}" presName="vert0" presStyleCnt="0">
-        <dgm:presLayoutVars>
-          <dgm:dir/>
-          <dgm:animOne val="branch"/>
-          <dgm:animLvl val="lvl"/>
-        </dgm:presLayoutVars>
-      </dgm:prSet>
-      <dgm:spPr/>
-    </dgm:pt>
-    <dgm:pt modelId="{A915AF04-3A3F-4C11-AEE0-AEDD3C4408F7}" type="pres">
-      <dgm:prSet presAssocID="{C9038E44-37FD-435F-8E00-81DF112935D6}" presName="thickLine" presStyleLbl="alignNode1" presStyleIdx="0" presStyleCnt="1"/>
-      <dgm:spPr/>
-    </dgm:pt>
-    <dgm:pt modelId="{A59069FB-3345-476F-8850-C066C69F59C5}" type="pres">
-      <dgm:prSet presAssocID="{C9038E44-37FD-435F-8E00-81DF112935D6}" presName="horz1" presStyleCnt="0"/>
-      <dgm:spPr/>
-    </dgm:pt>
-    <dgm:pt modelId="{EB288330-9E4A-485C-A728-163C9450A1A2}" type="pres">
-      <dgm:prSet presAssocID="{C9038E44-37FD-435F-8E00-81DF112935D6}" presName="tx1" presStyleLbl="revTx" presStyleIdx="0" presStyleCnt="10"/>
-      <dgm:spPr/>
-      <dgm:t>
-        <a:bodyPr/>
-        <a:lstStyle/>
-        <a:p>
-          <a:endParaRPr lang="zh-CN" altLang="en-US"/>
-        </a:p>
-      </dgm:t>
-    </dgm:pt>
-    <dgm:pt modelId="{0E18C2FD-E1BC-446C-881F-040C139E577C}" type="pres">
-      <dgm:prSet presAssocID="{C9038E44-37FD-435F-8E00-81DF112935D6}" presName="vert1" presStyleCnt="0"/>
-      <dgm:spPr/>
-    </dgm:pt>
-    <dgm:pt modelId="{EF37D7E5-DC6A-43A6-B819-EF17A8E15A27}" type="pres">
-      <dgm:prSet presAssocID="{5B56582E-BD5E-4CA6-BDC0-BCEC8EBBE953}" presName="vertSpace2a" presStyleCnt="0"/>
-      <dgm:spPr/>
-    </dgm:pt>
-    <dgm:pt modelId="{4217B261-D562-4B07-9829-FD00991341C3}" type="pres">
-      <dgm:prSet presAssocID="{5B56582E-BD5E-4CA6-BDC0-BCEC8EBBE953}" presName="horz2" presStyleCnt="0"/>
-      <dgm:spPr/>
-    </dgm:pt>
-    <dgm:pt modelId="{371C899B-789A-4B13-A999-DF0DF7DD68DF}" type="pres">
-      <dgm:prSet presAssocID="{5B56582E-BD5E-4CA6-BDC0-BCEC8EBBE953}" presName="horzSpace2" presStyleCnt="0"/>
-      <dgm:spPr/>
-    </dgm:pt>
-    <dgm:pt modelId="{1162525E-0AE0-465C-B6BE-60252AC42FDF}" type="pres">
-      <dgm:prSet presAssocID="{5B56582E-BD5E-4CA6-BDC0-BCEC8EBBE953}" presName="tx2" presStyleLbl="revTx" presStyleIdx="1" presStyleCnt="10"/>
-      <dgm:spPr/>
-      <dgm:t>
-        <a:bodyPr/>
-        <a:lstStyle/>
-        <a:p>
-          <a:endParaRPr lang="zh-CN" altLang="en-US"/>
-        </a:p>
-      </dgm:t>
-    </dgm:pt>
-    <dgm:pt modelId="{71991B8C-F381-4802-9CCE-3F90B85AE265}" type="pres">
-      <dgm:prSet presAssocID="{5B56582E-BD5E-4CA6-BDC0-BCEC8EBBE953}" presName="vert2" presStyleCnt="0"/>
-      <dgm:spPr/>
-    </dgm:pt>
-    <dgm:pt modelId="{49C4DF29-C354-4925-BB74-DB956A176CD6}" type="pres">
-      <dgm:prSet presAssocID="{5B56582E-BD5E-4CA6-BDC0-BCEC8EBBE953}" presName="thinLine2b" presStyleLbl="callout" presStyleIdx="0" presStyleCnt="9"/>
-      <dgm:spPr/>
-    </dgm:pt>
-    <dgm:pt modelId="{17C7A8A5-4396-4BBB-8020-63DDA06D10DD}" type="pres">
-      <dgm:prSet presAssocID="{5B56582E-BD5E-4CA6-BDC0-BCEC8EBBE953}" presName="vertSpace2b" presStyleCnt="0"/>
-      <dgm:spPr/>
-    </dgm:pt>
-    <dgm:pt modelId="{075C6C45-B735-44E9-832B-8028EDBEF2EA}" type="pres">
-      <dgm:prSet presAssocID="{B683B98A-B215-4D6D-89EA-F789C1D936D6}" presName="horz2" presStyleCnt="0"/>
-      <dgm:spPr/>
-    </dgm:pt>
-    <dgm:pt modelId="{CBB59496-AA50-4207-9B3F-0436E127CF99}" type="pres">
-      <dgm:prSet presAssocID="{B683B98A-B215-4D6D-89EA-F789C1D936D6}" presName="horzSpace2" presStyleCnt="0"/>
-      <dgm:spPr/>
-    </dgm:pt>
-    <dgm:pt modelId="{468ADB43-81AE-4188-A862-0B0D1BD66A3B}" type="pres">
-      <dgm:prSet presAssocID="{B683B98A-B215-4D6D-89EA-F789C1D936D6}" presName="tx2" presStyleLbl="revTx" presStyleIdx="2" presStyleCnt="10"/>
-      <dgm:spPr/>
-      <dgm:t>
-        <a:bodyPr/>
-        <a:lstStyle/>
-        <a:p>
-          <a:endParaRPr lang="zh-CN" altLang="en-US"/>
-        </a:p>
-      </dgm:t>
-    </dgm:pt>
-    <dgm:pt modelId="{46AAB831-E201-4C43-A6E7-9FE047E5846F}" type="pres">
-      <dgm:prSet presAssocID="{B683B98A-B215-4D6D-89EA-F789C1D936D6}" presName="vert2" presStyleCnt="0"/>
-      <dgm:spPr/>
-    </dgm:pt>
-    <dgm:pt modelId="{09B28E32-6A1A-4759-91E6-CE04385E5451}" type="pres">
-      <dgm:prSet presAssocID="{B683B98A-B215-4D6D-89EA-F789C1D936D6}" presName="thinLine2b" presStyleLbl="callout" presStyleIdx="1" presStyleCnt="9"/>
-      <dgm:spPr/>
-    </dgm:pt>
-    <dgm:pt modelId="{21BBBAED-158F-4BCE-9DBF-2BF45E5092A9}" type="pres">
-      <dgm:prSet presAssocID="{B683B98A-B215-4D6D-89EA-F789C1D936D6}" presName="vertSpace2b" presStyleCnt="0"/>
-      <dgm:spPr/>
-    </dgm:pt>
-    <dgm:pt modelId="{5D7A1C8B-D46F-43BC-A971-110819BC98C9}" type="pres">
-      <dgm:prSet presAssocID="{596476C9-4CAA-49F5-A501-192F9593CC70}" presName="horz2" presStyleCnt="0"/>
-      <dgm:spPr/>
-    </dgm:pt>
-    <dgm:pt modelId="{9EBC70AB-69DE-4129-8E48-4EA287210B89}" type="pres">
-      <dgm:prSet presAssocID="{596476C9-4CAA-49F5-A501-192F9593CC70}" presName="horzSpace2" presStyleCnt="0"/>
-      <dgm:spPr/>
-    </dgm:pt>
-    <dgm:pt modelId="{1CCA1900-01BF-462D-95CB-1CED84F16F95}" type="pres">
-      <dgm:prSet presAssocID="{596476C9-4CAA-49F5-A501-192F9593CC70}" presName="tx2" presStyleLbl="revTx" presStyleIdx="3" presStyleCnt="10"/>
-      <dgm:spPr/>
-      <dgm:t>
-        <a:bodyPr/>
-        <a:lstStyle/>
-        <a:p>
-          <a:endParaRPr lang="zh-CN" altLang="en-US"/>
-        </a:p>
-      </dgm:t>
-    </dgm:pt>
-    <dgm:pt modelId="{AF3FA86D-1C36-4E02-AF99-314B815D464C}" type="pres">
-      <dgm:prSet presAssocID="{596476C9-4CAA-49F5-A501-192F9593CC70}" presName="vert2" presStyleCnt="0"/>
-      <dgm:spPr/>
-    </dgm:pt>
-    <dgm:pt modelId="{65C0776F-52FA-4BDB-98D4-DC2E546D322C}" type="pres">
-      <dgm:prSet presAssocID="{596476C9-4CAA-49F5-A501-192F9593CC70}" presName="thinLine2b" presStyleLbl="callout" presStyleIdx="2" presStyleCnt="9"/>
-      <dgm:spPr/>
-    </dgm:pt>
-    <dgm:pt modelId="{1551A13C-660C-4593-9115-7AC320304373}" type="pres">
-      <dgm:prSet presAssocID="{596476C9-4CAA-49F5-A501-192F9593CC70}" presName="vertSpace2b" presStyleCnt="0"/>
-      <dgm:spPr/>
-    </dgm:pt>
-    <dgm:pt modelId="{0D8E6034-4A5B-4A2D-9ECC-57CC56EE0D46}" type="pres">
-      <dgm:prSet presAssocID="{7A2DB394-FE5F-4333-ADF7-44D8C18B02CC}" presName="horz2" presStyleCnt="0"/>
-      <dgm:spPr/>
-    </dgm:pt>
-    <dgm:pt modelId="{04F3F066-FFE1-4B28-9B2F-0C2E816A1DC6}" type="pres">
-      <dgm:prSet presAssocID="{7A2DB394-FE5F-4333-ADF7-44D8C18B02CC}" presName="horzSpace2" presStyleCnt="0"/>
-      <dgm:spPr/>
-    </dgm:pt>
-    <dgm:pt modelId="{47B329C9-E131-4B25-8B42-259E33DF846A}" type="pres">
-      <dgm:prSet presAssocID="{7A2DB394-FE5F-4333-ADF7-44D8C18B02CC}" presName="tx2" presStyleLbl="revTx" presStyleIdx="4" presStyleCnt="10"/>
-      <dgm:spPr/>
-    </dgm:pt>
-    <dgm:pt modelId="{F3B631D2-DF78-4C01-B2CE-F86EA891194C}" type="pres">
-      <dgm:prSet presAssocID="{7A2DB394-FE5F-4333-ADF7-44D8C18B02CC}" presName="vert2" presStyleCnt="0"/>
-      <dgm:spPr/>
-    </dgm:pt>
-    <dgm:pt modelId="{C4E3626F-B8B8-400B-BE55-CA8C0BB8D8B4}" type="pres">
-      <dgm:prSet presAssocID="{7A2DB394-FE5F-4333-ADF7-44D8C18B02CC}" presName="thinLine2b" presStyleLbl="callout" presStyleIdx="3" presStyleCnt="9"/>
-      <dgm:spPr/>
-    </dgm:pt>
-    <dgm:pt modelId="{E8652008-3B5F-42E1-9587-82F08F77EC1A}" type="pres">
-      <dgm:prSet presAssocID="{7A2DB394-FE5F-4333-ADF7-44D8C18B02CC}" presName="vertSpace2b" presStyleCnt="0"/>
-      <dgm:spPr/>
-    </dgm:pt>
-    <dgm:pt modelId="{CFED3714-0893-456D-AA21-75A5A8150EE9}" type="pres">
-      <dgm:prSet presAssocID="{2B8CB3CB-3DA6-4071-848B-CFA60C841D31}" presName="horz2" presStyleCnt="0"/>
-      <dgm:spPr/>
-    </dgm:pt>
-    <dgm:pt modelId="{00AFBA4D-2367-4164-99C7-1BC3260FAD55}" type="pres">
-      <dgm:prSet presAssocID="{2B8CB3CB-3DA6-4071-848B-CFA60C841D31}" presName="horzSpace2" presStyleCnt="0"/>
-      <dgm:spPr/>
-    </dgm:pt>
-    <dgm:pt modelId="{AE72AB19-A60D-4860-B796-EDA466A2DF87}" type="pres">
-      <dgm:prSet presAssocID="{2B8CB3CB-3DA6-4071-848B-CFA60C841D31}" presName="tx2" presStyleLbl="revTx" presStyleIdx="5" presStyleCnt="10"/>
-      <dgm:spPr/>
-      <dgm:t>
-        <a:bodyPr/>
-        <a:lstStyle/>
-        <a:p>
-          <a:endParaRPr lang="zh-CN" altLang="en-US"/>
-        </a:p>
-      </dgm:t>
-    </dgm:pt>
-    <dgm:pt modelId="{DEEA8DC6-6AB1-4F6D-9864-FD7577221C16}" type="pres">
-      <dgm:prSet presAssocID="{2B8CB3CB-3DA6-4071-848B-CFA60C841D31}" presName="vert2" presStyleCnt="0"/>
-      <dgm:spPr/>
-    </dgm:pt>
-    <dgm:pt modelId="{A8BA1781-83CB-4493-BF6C-FD23F3921053}" type="pres">
-      <dgm:prSet presAssocID="{2B8CB3CB-3DA6-4071-848B-CFA60C841D31}" presName="thinLine2b" presStyleLbl="callout" presStyleIdx="4" presStyleCnt="9"/>
-      <dgm:spPr/>
-    </dgm:pt>
-    <dgm:pt modelId="{4F099C22-62D3-4D0A-93AD-F21C6738C4C4}" type="pres">
-      <dgm:prSet presAssocID="{2B8CB3CB-3DA6-4071-848B-CFA60C841D31}" presName="vertSpace2b" presStyleCnt="0"/>
-      <dgm:spPr/>
-    </dgm:pt>
-    <dgm:pt modelId="{882A5F4B-5390-4A57-8A8E-60E807159555}" type="pres">
-      <dgm:prSet presAssocID="{BF7922ED-8519-47E2-AAF7-ACA67921A813}" presName="horz2" presStyleCnt="0"/>
-      <dgm:spPr/>
-    </dgm:pt>
-    <dgm:pt modelId="{44BF03BA-670E-452E-A16F-53AE6D309EE3}" type="pres">
-      <dgm:prSet presAssocID="{BF7922ED-8519-47E2-AAF7-ACA67921A813}" presName="horzSpace2" presStyleCnt="0"/>
-      <dgm:spPr/>
-    </dgm:pt>
-    <dgm:pt modelId="{DAED73F3-B389-46C7-A5A1-02528FB4EF3A}" type="pres">
-      <dgm:prSet presAssocID="{BF7922ED-8519-47E2-AAF7-ACA67921A813}" presName="tx2" presStyleLbl="revTx" presStyleIdx="6" presStyleCnt="10"/>
-      <dgm:spPr/>
-    </dgm:pt>
-    <dgm:pt modelId="{CF116272-5EF1-4E15-BDDE-9F55FEB74624}" type="pres">
-      <dgm:prSet presAssocID="{BF7922ED-8519-47E2-AAF7-ACA67921A813}" presName="vert2" presStyleCnt="0"/>
-      <dgm:spPr/>
-    </dgm:pt>
-    <dgm:pt modelId="{18E4FF3C-98F4-45D9-829D-DE6883938FD7}" type="pres">
-      <dgm:prSet presAssocID="{BF7922ED-8519-47E2-AAF7-ACA67921A813}" presName="thinLine2b" presStyleLbl="callout" presStyleIdx="5" presStyleCnt="9"/>
-      <dgm:spPr/>
-    </dgm:pt>
-    <dgm:pt modelId="{5B2FA9E2-40F3-42AE-BCB7-C58CCF81077E}" type="pres">
-      <dgm:prSet presAssocID="{BF7922ED-8519-47E2-AAF7-ACA67921A813}" presName="vertSpace2b" presStyleCnt="0"/>
-      <dgm:spPr/>
-    </dgm:pt>
-    <dgm:pt modelId="{87F320A0-CD5F-436F-AC70-DC863C3891BA}" type="pres">
-      <dgm:prSet presAssocID="{82DA45AA-A16A-415D-9E2A-BB810BED8374}" presName="horz2" presStyleCnt="0"/>
-      <dgm:spPr/>
-    </dgm:pt>
-    <dgm:pt modelId="{7212C055-BD47-4446-A449-D01FE492C0F6}" type="pres">
-      <dgm:prSet presAssocID="{82DA45AA-A16A-415D-9E2A-BB810BED8374}" presName="horzSpace2" presStyleCnt="0"/>
-      <dgm:spPr/>
-    </dgm:pt>
-    <dgm:pt modelId="{EDA5C92A-B2FA-44DD-9D6B-B860107B806D}" type="pres">
-      <dgm:prSet presAssocID="{82DA45AA-A16A-415D-9E2A-BB810BED8374}" presName="tx2" presStyleLbl="revTx" presStyleIdx="7" presStyleCnt="10"/>
-      <dgm:spPr/>
-      <dgm:t>
-        <a:bodyPr/>
-        <a:lstStyle/>
-        <a:p>
-          <a:endParaRPr lang="zh-CN" altLang="en-US"/>
-        </a:p>
-      </dgm:t>
-    </dgm:pt>
-    <dgm:pt modelId="{4F42FE15-38A6-4208-BF0B-6DFB3DE15367}" type="pres">
-      <dgm:prSet presAssocID="{82DA45AA-A16A-415D-9E2A-BB810BED8374}" presName="vert2" presStyleCnt="0"/>
-      <dgm:spPr/>
-    </dgm:pt>
-    <dgm:pt modelId="{1EA5A7C6-19D3-4973-8E67-21959E64E6F6}" type="pres">
-      <dgm:prSet presAssocID="{82DA45AA-A16A-415D-9E2A-BB810BED8374}" presName="thinLine2b" presStyleLbl="callout" presStyleIdx="6" presStyleCnt="9"/>
-      <dgm:spPr/>
-    </dgm:pt>
-    <dgm:pt modelId="{B5BDBDAF-B943-4ADD-9092-2E2A81A9D2F3}" type="pres">
-      <dgm:prSet presAssocID="{82DA45AA-A16A-415D-9E2A-BB810BED8374}" presName="vertSpace2b" presStyleCnt="0"/>
-      <dgm:spPr/>
-    </dgm:pt>
-    <dgm:pt modelId="{AA68D470-F966-42B5-AF2E-97D195F9114F}" type="pres">
-      <dgm:prSet presAssocID="{791EAEA1-C3EB-4983-95FE-710FBB07D009}" presName="horz2" presStyleCnt="0"/>
-      <dgm:spPr/>
-    </dgm:pt>
-    <dgm:pt modelId="{23FC9055-5CAE-4101-A12B-9E2653F54454}" type="pres">
-      <dgm:prSet presAssocID="{791EAEA1-C3EB-4983-95FE-710FBB07D009}" presName="horzSpace2" presStyleCnt="0"/>
-      <dgm:spPr/>
-    </dgm:pt>
-    <dgm:pt modelId="{482DC934-4C95-4AAC-B743-C3995FB6BCBE}" type="pres">
-      <dgm:prSet presAssocID="{791EAEA1-C3EB-4983-95FE-710FBB07D009}" presName="tx2" presStyleLbl="revTx" presStyleIdx="8" presStyleCnt="10"/>
-      <dgm:spPr/>
-      <dgm:t>
-        <a:bodyPr/>
-        <a:lstStyle/>
-        <a:p>
-          <a:endParaRPr lang="zh-CN" altLang="en-US"/>
-        </a:p>
-      </dgm:t>
-    </dgm:pt>
-    <dgm:pt modelId="{CF9942FA-5790-4D91-AD04-ED1C66673033}" type="pres">
-      <dgm:prSet presAssocID="{791EAEA1-C3EB-4983-95FE-710FBB07D009}" presName="vert2" presStyleCnt="0"/>
-      <dgm:spPr/>
-    </dgm:pt>
-    <dgm:pt modelId="{3EA756C3-E16B-4A90-8602-1C2A5B0C79E3}" type="pres">
-      <dgm:prSet presAssocID="{791EAEA1-C3EB-4983-95FE-710FBB07D009}" presName="thinLine2b" presStyleLbl="callout" presStyleIdx="7" presStyleCnt="9"/>
-      <dgm:spPr/>
-    </dgm:pt>
-    <dgm:pt modelId="{B09BC083-1461-45B6-AB7C-01174EFE5F7B}" type="pres">
-      <dgm:prSet presAssocID="{791EAEA1-C3EB-4983-95FE-710FBB07D009}" presName="vertSpace2b" presStyleCnt="0"/>
-      <dgm:spPr/>
-    </dgm:pt>
-    <dgm:pt modelId="{DBFA3E4B-EA7D-4EDD-9C4B-8B8C0EA3EB38}" type="pres">
-      <dgm:prSet presAssocID="{1116D877-F5E5-4A79-A17F-61B4E9995F13}" presName="horz2" presStyleCnt="0"/>
-      <dgm:spPr/>
-    </dgm:pt>
-    <dgm:pt modelId="{C5EF0806-A528-46C8-B474-8C2490835FB8}" type="pres">
-      <dgm:prSet presAssocID="{1116D877-F5E5-4A79-A17F-61B4E9995F13}" presName="horzSpace2" presStyleCnt="0"/>
-      <dgm:spPr/>
-    </dgm:pt>
-    <dgm:pt modelId="{2812355F-EDDF-45CD-94ED-EB204B0F85BA}" type="pres">
-      <dgm:prSet presAssocID="{1116D877-F5E5-4A79-A17F-61B4E9995F13}" presName="tx2" presStyleLbl="revTx" presStyleIdx="9" presStyleCnt="10"/>
-      <dgm:spPr/>
-      <dgm:t>
-        <a:bodyPr/>
-        <a:lstStyle/>
-        <a:p>
-          <a:endParaRPr lang="zh-CN" altLang="en-US"/>
-        </a:p>
-      </dgm:t>
-    </dgm:pt>
-    <dgm:pt modelId="{B6963100-29F3-4A33-8B75-8AA794EA950F}" type="pres">
-      <dgm:prSet presAssocID="{1116D877-F5E5-4A79-A17F-61B4E9995F13}" presName="vert2" presStyleCnt="0"/>
-      <dgm:spPr/>
-    </dgm:pt>
-    <dgm:pt modelId="{509F1403-1D7B-4699-99AA-695C449E81BF}" type="pres">
-      <dgm:prSet presAssocID="{1116D877-F5E5-4A79-A17F-61B4E9995F13}" presName="thinLine2b" presStyleLbl="callout" presStyleIdx="8" presStyleCnt="9"/>
-      <dgm:spPr/>
-    </dgm:pt>
-    <dgm:pt modelId="{2A64459F-DD94-4C7C-9830-B7E8AB469876}" type="pres">
-      <dgm:prSet presAssocID="{1116D877-F5E5-4A79-A17F-61B4E9995F13}" presName="vertSpace2b" presStyleCnt="0"/>
-      <dgm:spPr/>
-    </dgm:pt>
-  </dgm:ptLst>
-  <dgm:cxnLst>
-    <dgm:cxn modelId="{9C1E4530-BDE9-427D-B3EA-6805773177A3}" type="presOf" srcId="{82DA45AA-A16A-415D-9E2A-BB810BED8374}" destId="{EDA5C92A-B2FA-44DD-9D6B-B860107B806D}" srcOrd="0" destOrd="0" presId="urn:microsoft.com/office/officeart/2008/layout/LinedList"/>
-    <dgm:cxn modelId="{9D9E34B3-EB82-4BA0-8B23-3D3AFE0CAB1A}" srcId="{C9038E44-37FD-435F-8E00-81DF112935D6}" destId="{596476C9-4CAA-49F5-A501-192F9593CC70}" srcOrd="2" destOrd="0" parTransId="{B9E3CE57-FBBE-4C59-B980-F138139D7EC9}" sibTransId="{24B15899-A304-4254-9504-EF685DDF1493}"/>
-    <dgm:cxn modelId="{716AD9FC-B9CC-4CB2-97F2-23B2967FBAAF}" srcId="{54A4EA14-6130-4F20-84D9-A17D6CE2CA2F}" destId="{C9038E44-37FD-435F-8E00-81DF112935D6}" srcOrd="0" destOrd="0" parTransId="{5BCE2FA7-9DD5-4E7C-9D83-C1385DBA5ECE}" sibTransId="{F3389DD4-2376-4CB0-9757-06FB205032A4}"/>
-    <dgm:cxn modelId="{70F68FCA-4D6C-4551-99B4-DA7A6839C3AF}" type="presOf" srcId="{2B8CB3CB-3DA6-4071-848B-CFA60C841D31}" destId="{AE72AB19-A60D-4860-B796-EDA466A2DF87}" srcOrd="0" destOrd="0" presId="urn:microsoft.com/office/officeart/2008/layout/LinedList"/>
-    <dgm:cxn modelId="{0160B69C-F81D-413E-9CE9-4F63292746EC}" srcId="{C9038E44-37FD-435F-8E00-81DF112935D6}" destId="{791EAEA1-C3EB-4983-95FE-710FBB07D009}" srcOrd="7" destOrd="0" parTransId="{E20B2919-A4C1-4CC2-BE5D-40573C56B277}" sibTransId="{4475FCDC-130D-4940-B7D1-6FCCC88D8621}"/>
-    <dgm:cxn modelId="{1DAAE917-7ED2-42E6-A4D1-EE5420332C49}" srcId="{C9038E44-37FD-435F-8E00-81DF112935D6}" destId="{2B8CB3CB-3DA6-4071-848B-CFA60C841D31}" srcOrd="4" destOrd="0" parTransId="{4B80FA84-8D38-4ED8-B516-68736E40A304}" sibTransId="{71C7516F-003F-4488-A672-59CFC8545B9C}"/>
-    <dgm:cxn modelId="{95B8C54F-C5E7-45F9-943E-A12DC76B4165}" type="presOf" srcId="{BF7922ED-8519-47E2-AAF7-ACA67921A813}" destId="{DAED73F3-B389-46C7-A5A1-02528FB4EF3A}" srcOrd="0" destOrd="0" presId="urn:microsoft.com/office/officeart/2008/layout/LinedList"/>
-    <dgm:cxn modelId="{EB6B83E0-30C9-41F8-947B-D245FDE31143}" type="presOf" srcId="{7A2DB394-FE5F-4333-ADF7-44D8C18B02CC}" destId="{47B329C9-E131-4B25-8B42-259E33DF846A}" srcOrd="0" destOrd="0" presId="urn:microsoft.com/office/officeart/2008/layout/LinedList"/>
-    <dgm:cxn modelId="{EE89136D-DC5B-4E85-908A-87DD2604FB99}" type="presOf" srcId="{596476C9-4CAA-49F5-A501-192F9593CC70}" destId="{1CCA1900-01BF-462D-95CB-1CED84F16F95}" srcOrd="0" destOrd="0" presId="urn:microsoft.com/office/officeart/2008/layout/LinedList"/>
-    <dgm:cxn modelId="{CBC1E894-D893-4A2D-B434-632DE814225A}" srcId="{C9038E44-37FD-435F-8E00-81DF112935D6}" destId="{5B56582E-BD5E-4CA6-BDC0-BCEC8EBBE953}" srcOrd="0" destOrd="0" parTransId="{85325260-17E3-4CF8-90B5-379FB3C13AE2}" sibTransId="{9AF50FF0-2210-492B-90A1-F0263DFE5D6C}"/>
-    <dgm:cxn modelId="{03EC64A9-17B5-4E48-BE81-28A008432D7E}" type="presOf" srcId="{5B56582E-BD5E-4CA6-BDC0-BCEC8EBBE953}" destId="{1162525E-0AE0-465C-B6BE-60252AC42FDF}" srcOrd="0" destOrd="0" presId="urn:microsoft.com/office/officeart/2008/layout/LinedList"/>
-    <dgm:cxn modelId="{B28FDEC1-CC26-4EDE-9C36-9C1CA91A7FF0}" srcId="{C9038E44-37FD-435F-8E00-81DF112935D6}" destId="{1116D877-F5E5-4A79-A17F-61B4E9995F13}" srcOrd="8" destOrd="0" parTransId="{0CB8B4EE-B3D6-49E2-BF90-68FB9D73A493}" sibTransId="{378B88C9-E65E-4A6F-A60C-41FD0AB2676B}"/>
-    <dgm:cxn modelId="{779F48A4-2CC3-469A-BE1F-7DD026C0524A}" srcId="{C9038E44-37FD-435F-8E00-81DF112935D6}" destId="{BF7922ED-8519-47E2-AAF7-ACA67921A813}" srcOrd="5" destOrd="0" parTransId="{1B73B08D-3F38-4E80-8619-BDCC091F9919}" sibTransId="{EFA9B458-8F59-4BA4-948A-258D362CE43D}"/>
-    <dgm:cxn modelId="{88CB1C55-8774-46A8-828B-ACFD5821EE48}" srcId="{C9038E44-37FD-435F-8E00-81DF112935D6}" destId="{82DA45AA-A16A-415D-9E2A-BB810BED8374}" srcOrd="6" destOrd="0" parTransId="{98EE14F4-12A1-452D-B0C9-6259CCBFC6D5}" sibTransId="{4FE8A5F2-AAA1-42A6-A4C0-EF90E9572DB1}"/>
-    <dgm:cxn modelId="{04A04ECA-89E3-4729-AFD3-C93BB5C2B4FE}" type="presOf" srcId="{54A4EA14-6130-4F20-84D9-A17D6CE2CA2F}" destId="{F7C1D979-85D7-4702-BA38-900E936AB698}" srcOrd="0" destOrd="0" presId="urn:microsoft.com/office/officeart/2008/layout/LinedList"/>
-    <dgm:cxn modelId="{8E11B3AA-7178-4805-9810-1673929D15AA}" srcId="{C9038E44-37FD-435F-8E00-81DF112935D6}" destId="{7A2DB394-FE5F-4333-ADF7-44D8C18B02CC}" srcOrd="3" destOrd="0" parTransId="{48131B7E-EEEC-4F92-B8B8-1704F201DDF2}" sibTransId="{5DC316C0-9068-4179-912C-29F0F605510A}"/>
-    <dgm:cxn modelId="{B428B438-0AFD-454F-A454-76302A9561EA}" type="presOf" srcId="{791EAEA1-C3EB-4983-95FE-710FBB07D009}" destId="{482DC934-4C95-4AAC-B743-C3995FB6BCBE}" srcOrd="0" destOrd="0" presId="urn:microsoft.com/office/officeart/2008/layout/LinedList"/>
-    <dgm:cxn modelId="{59D33DB4-446E-4D01-B2F0-0BE84C16A525}" type="presOf" srcId="{1116D877-F5E5-4A79-A17F-61B4E9995F13}" destId="{2812355F-EDDF-45CD-94ED-EB204B0F85BA}" srcOrd="0" destOrd="0" presId="urn:microsoft.com/office/officeart/2008/layout/LinedList"/>
-    <dgm:cxn modelId="{ADF14401-39AE-4C80-B3B7-669A6EE0343A}" type="presOf" srcId="{B683B98A-B215-4D6D-89EA-F789C1D936D6}" destId="{468ADB43-81AE-4188-A862-0B0D1BD66A3B}" srcOrd="0" destOrd="0" presId="urn:microsoft.com/office/officeart/2008/layout/LinedList"/>
-    <dgm:cxn modelId="{58B9AAC0-1514-489D-8CA4-3434A112E4A5}" srcId="{C9038E44-37FD-435F-8E00-81DF112935D6}" destId="{B683B98A-B215-4D6D-89EA-F789C1D936D6}" srcOrd="1" destOrd="0" parTransId="{93A82BF3-8D5B-47AD-A798-98F1D4DA4C2F}" sibTransId="{8FA692D0-9569-4BC4-945C-C15C8A87398F}"/>
-    <dgm:cxn modelId="{1296AA14-E737-4597-A332-CB975EDA2309}" type="presOf" srcId="{C9038E44-37FD-435F-8E00-81DF112935D6}" destId="{EB288330-9E4A-485C-A728-163C9450A1A2}" srcOrd="0" destOrd="0" presId="urn:microsoft.com/office/officeart/2008/layout/LinedList"/>
-    <dgm:cxn modelId="{DB5837B6-F6F8-42A7-95AC-50A99DA498BE}" type="presParOf" srcId="{F7C1D979-85D7-4702-BA38-900E936AB698}" destId="{A915AF04-3A3F-4C11-AEE0-AEDD3C4408F7}" srcOrd="0" destOrd="0" presId="urn:microsoft.com/office/officeart/2008/layout/LinedList"/>
-    <dgm:cxn modelId="{8D14223D-DBDF-458E-81A0-C7C2B4E35157}" type="presParOf" srcId="{F7C1D979-85D7-4702-BA38-900E936AB698}" destId="{A59069FB-3345-476F-8850-C066C69F59C5}" srcOrd="1" destOrd="0" presId="urn:microsoft.com/office/officeart/2008/layout/LinedList"/>
-    <dgm:cxn modelId="{AA954AAA-1549-41EA-ACC9-3A73E3193F7B}" type="presParOf" srcId="{A59069FB-3345-476F-8850-C066C69F59C5}" destId="{EB288330-9E4A-485C-A728-163C9450A1A2}" srcOrd="0" destOrd="0" presId="urn:microsoft.com/office/officeart/2008/layout/LinedList"/>
-    <dgm:cxn modelId="{6CBBF0C8-D261-4E22-9C05-29EAF3C46E7F}" type="presParOf" srcId="{A59069FB-3345-476F-8850-C066C69F59C5}" destId="{0E18C2FD-E1BC-446C-881F-040C139E577C}" srcOrd="1" destOrd="0" presId="urn:microsoft.com/office/officeart/2008/layout/LinedList"/>
-    <dgm:cxn modelId="{48ABB80A-408E-4913-8B52-DADE4EE6300F}" type="presParOf" srcId="{0E18C2FD-E1BC-446C-881F-040C139E577C}" destId="{EF37D7E5-DC6A-43A6-B819-EF17A8E15A27}" srcOrd="0" destOrd="0" presId="urn:microsoft.com/office/officeart/2008/layout/LinedList"/>
-    <dgm:cxn modelId="{09F97EBC-78FE-4365-A79D-2A83F18F47C4}" type="presParOf" srcId="{0E18C2FD-E1BC-446C-881F-040C139E577C}" destId="{4217B261-D562-4B07-9829-FD00991341C3}" srcOrd="1" destOrd="0" presId="urn:microsoft.com/office/officeart/2008/layout/LinedList"/>
-    <dgm:cxn modelId="{4481BE3C-B369-4282-B6AE-1BFC5FCAC609}" type="presParOf" srcId="{4217B261-D562-4B07-9829-FD00991341C3}" destId="{371C899B-789A-4B13-A999-DF0DF7DD68DF}" srcOrd="0" destOrd="0" presId="urn:microsoft.com/office/officeart/2008/layout/LinedList"/>
-    <dgm:cxn modelId="{29951353-6BDF-412B-829E-9BA47DDC35CF}" type="presParOf" srcId="{4217B261-D562-4B07-9829-FD00991341C3}" destId="{1162525E-0AE0-465C-B6BE-60252AC42FDF}" srcOrd="1" destOrd="0" presId="urn:microsoft.com/office/officeart/2008/layout/LinedList"/>
-    <dgm:cxn modelId="{A8BA82A7-9CD5-41C7-A2B5-4E4C6E6A33A5}" type="presParOf" srcId="{4217B261-D562-4B07-9829-FD00991341C3}" destId="{71991B8C-F381-4802-9CCE-3F90B85AE265}" srcOrd="2" destOrd="0" presId="urn:microsoft.com/office/officeart/2008/layout/LinedList"/>
-    <dgm:cxn modelId="{1BCB87B2-D1E4-4AC6-A51D-76A1F8CF03F2}" type="presParOf" srcId="{0E18C2FD-E1BC-446C-881F-040C139E577C}" destId="{49C4DF29-C354-4925-BB74-DB956A176CD6}" srcOrd="2" destOrd="0" presId="urn:microsoft.com/office/officeart/2008/layout/LinedList"/>
-    <dgm:cxn modelId="{033B9AF9-5886-4641-90BA-0D865A703A73}" type="presParOf" srcId="{0E18C2FD-E1BC-446C-881F-040C139E577C}" destId="{17C7A8A5-4396-4BBB-8020-63DDA06D10DD}" srcOrd="3" destOrd="0" presId="urn:microsoft.com/office/officeart/2008/layout/LinedList"/>
-    <dgm:cxn modelId="{920BCD6F-1B66-4106-866A-F1E1B93AD2D2}" type="presParOf" srcId="{0E18C2FD-E1BC-446C-881F-040C139E577C}" destId="{075C6C45-B735-44E9-832B-8028EDBEF2EA}" srcOrd="4" destOrd="0" presId="urn:microsoft.com/office/officeart/2008/layout/LinedList"/>
-    <dgm:cxn modelId="{D29D1CF1-911B-42D5-B3AA-DEFBC0F050CE}" type="presParOf" srcId="{075C6C45-B735-44E9-832B-8028EDBEF2EA}" destId="{CBB59496-AA50-4207-9B3F-0436E127CF99}" srcOrd="0" destOrd="0" presId="urn:microsoft.com/office/officeart/2008/layout/LinedList"/>
-    <dgm:cxn modelId="{5A6FCAD5-DD71-4F65-8C43-22709FD11564}" type="presParOf" srcId="{075C6C45-B735-44E9-832B-8028EDBEF2EA}" destId="{468ADB43-81AE-4188-A862-0B0D1BD66A3B}" srcOrd="1" destOrd="0" presId="urn:microsoft.com/office/officeart/2008/layout/LinedList"/>
-    <dgm:cxn modelId="{982BB540-73E7-4812-BE87-C42CF804CC71}" type="presParOf" srcId="{075C6C45-B735-44E9-832B-8028EDBEF2EA}" destId="{46AAB831-E201-4C43-A6E7-9FE047E5846F}" srcOrd="2" destOrd="0" presId="urn:microsoft.com/office/officeart/2008/layout/LinedList"/>
-    <dgm:cxn modelId="{4EDB39ED-92BF-4CF6-8D19-76583287DC41}" type="presParOf" srcId="{0E18C2FD-E1BC-446C-881F-040C139E577C}" destId="{09B28E32-6A1A-4759-91E6-CE04385E5451}" srcOrd="5" destOrd="0" presId="urn:microsoft.com/office/officeart/2008/layout/LinedList"/>
-    <dgm:cxn modelId="{8CF98A23-2630-4773-BE72-BA9107A9103B}" type="presParOf" srcId="{0E18C2FD-E1BC-446C-881F-040C139E577C}" destId="{21BBBAED-158F-4BCE-9DBF-2BF45E5092A9}" srcOrd="6" destOrd="0" presId="urn:microsoft.com/office/officeart/2008/layout/LinedList"/>
-    <dgm:cxn modelId="{0A6B524E-7904-4D8E-B344-4C688CE849FA}" type="presParOf" srcId="{0E18C2FD-E1BC-446C-881F-040C139E577C}" destId="{5D7A1C8B-D46F-43BC-A971-110819BC98C9}" srcOrd="7" destOrd="0" presId="urn:microsoft.com/office/officeart/2008/layout/LinedList"/>
-    <dgm:cxn modelId="{FB7493BC-3682-4682-B99F-8C753B3CC334}" type="presParOf" srcId="{5D7A1C8B-D46F-43BC-A971-110819BC98C9}" destId="{9EBC70AB-69DE-4129-8E48-4EA287210B89}" srcOrd="0" destOrd="0" presId="urn:microsoft.com/office/officeart/2008/layout/LinedList"/>
-    <dgm:cxn modelId="{8D98C5B9-1F24-4575-920A-551AE0928F1E}" type="presParOf" srcId="{5D7A1C8B-D46F-43BC-A971-110819BC98C9}" destId="{1CCA1900-01BF-462D-95CB-1CED84F16F95}" srcOrd="1" destOrd="0" presId="urn:microsoft.com/office/officeart/2008/layout/LinedList"/>
-    <dgm:cxn modelId="{3A4FA885-7ACB-4823-83EA-2EE8FDC235A3}" type="presParOf" srcId="{5D7A1C8B-D46F-43BC-A971-110819BC98C9}" destId="{AF3FA86D-1C36-4E02-AF99-314B815D464C}" srcOrd="2" destOrd="0" presId="urn:microsoft.com/office/officeart/2008/layout/LinedList"/>
-    <dgm:cxn modelId="{5A3181D3-0129-41EB-960D-C62EF67BF750}" type="presParOf" srcId="{0E18C2FD-E1BC-446C-881F-040C139E577C}" destId="{65C0776F-52FA-4BDB-98D4-DC2E546D322C}" srcOrd="8" destOrd="0" presId="urn:microsoft.com/office/officeart/2008/layout/LinedList"/>
-    <dgm:cxn modelId="{4012B1D8-10AD-4D69-8F8C-F4DAABF82248}" type="presParOf" srcId="{0E18C2FD-E1BC-446C-881F-040C139E577C}" destId="{1551A13C-660C-4593-9115-7AC320304373}" srcOrd="9" destOrd="0" presId="urn:microsoft.com/office/officeart/2008/layout/LinedList"/>
-    <dgm:cxn modelId="{F4E6BE21-7E37-4C78-AB6B-3624BA3CCAC8}" type="presParOf" srcId="{0E18C2FD-E1BC-446C-881F-040C139E577C}" destId="{0D8E6034-4A5B-4A2D-9ECC-57CC56EE0D46}" srcOrd="10" destOrd="0" presId="urn:microsoft.com/office/officeart/2008/layout/LinedList"/>
-    <dgm:cxn modelId="{78790A18-E5E2-4D06-BC7D-FE4C37DBFC6B}" type="presParOf" srcId="{0D8E6034-4A5B-4A2D-9ECC-57CC56EE0D46}" destId="{04F3F066-FFE1-4B28-9B2F-0C2E816A1DC6}" srcOrd="0" destOrd="0" presId="urn:microsoft.com/office/officeart/2008/layout/LinedList"/>
-    <dgm:cxn modelId="{45C9342A-CB80-41D1-A87A-FC099B31C81D}" type="presParOf" srcId="{0D8E6034-4A5B-4A2D-9ECC-57CC56EE0D46}" destId="{47B329C9-E131-4B25-8B42-259E33DF846A}" srcOrd="1" destOrd="0" presId="urn:microsoft.com/office/officeart/2008/layout/LinedList"/>
-    <dgm:cxn modelId="{9AB190D7-EFC0-4F47-9B8D-4612C4094103}" type="presParOf" srcId="{0D8E6034-4A5B-4A2D-9ECC-57CC56EE0D46}" destId="{F3B631D2-DF78-4C01-B2CE-F86EA891194C}" srcOrd="2" destOrd="0" presId="urn:microsoft.com/office/officeart/2008/layout/LinedList"/>
-    <dgm:cxn modelId="{ADF0542B-4A16-4CA5-9C8D-BB7BE01FECD6}" type="presParOf" srcId="{0E18C2FD-E1BC-446C-881F-040C139E577C}" destId="{C4E3626F-B8B8-400B-BE55-CA8C0BB8D8B4}" srcOrd="11" destOrd="0" presId="urn:microsoft.com/office/officeart/2008/layout/LinedList"/>
-    <dgm:cxn modelId="{72A1599F-9D8A-445A-8C86-802068F05F32}" type="presParOf" srcId="{0E18C2FD-E1BC-446C-881F-040C139E577C}" destId="{E8652008-3B5F-42E1-9587-82F08F77EC1A}" srcOrd="12" destOrd="0" presId="urn:microsoft.com/office/officeart/2008/layout/LinedList"/>
-    <dgm:cxn modelId="{7F275424-09C6-435C-9AAD-D9B3462B01BA}" type="presParOf" srcId="{0E18C2FD-E1BC-446C-881F-040C139E577C}" destId="{CFED3714-0893-456D-AA21-75A5A8150EE9}" srcOrd="13" destOrd="0" presId="urn:microsoft.com/office/officeart/2008/layout/LinedList"/>
-    <dgm:cxn modelId="{70539875-E9BF-4224-81FF-BAEC7D4C97D8}" type="presParOf" srcId="{CFED3714-0893-456D-AA21-75A5A8150EE9}" destId="{00AFBA4D-2367-4164-99C7-1BC3260FAD55}" srcOrd="0" destOrd="0" presId="urn:microsoft.com/office/officeart/2008/layout/LinedList"/>
-    <dgm:cxn modelId="{F6D946B5-40A9-4058-B177-01B1545D92E4}" type="presParOf" srcId="{CFED3714-0893-456D-AA21-75A5A8150EE9}" destId="{AE72AB19-A60D-4860-B796-EDA466A2DF87}" srcOrd="1" destOrd="0" presId="urn:microsoft.com/office/officeart/2008/layout/LinedList"/>
-    <dgm:cxn modelId="{63D3048E-9C88-4FAB-BF5E-4051B976D4A4}" type="presParOf" srcId="{CFED3714-0893-456D-AA21-75A5A8150EE9}" destId="{DEEA8DC6-6AB1-4F6D-9864-FD7577221C16}" srcOrd="2" destOrd="0" presId="urn:microsoft.com/office/officeart/2008/layout/LinedList"/>
-    <dgm:cxn modelId="{89861FA2-3405-4635-AF07-BD6C0FC6493A}" type="presParOf" srcId="{0E18C2FD-E1BC-446C-881F-040C139E577C}" destId="{A8BA1781-83CB-4493-BF6C-FD23F3921053}" srcOrd="14" destOrd="0" presId="urn:microsoft.com/office/officeart/2008/layout/LinedList"/>
-    <dgm:cxn modelId="{C0766C35-3C7F-4A1A-867C-EE8AE4E6FA10}" type="presParOf" srcId="{0E18C2FD-E1BC-446C-881F-040C139E577C}" destId="{4F099C22-62D3-4D0A-93AD-F21C6738C4C4}" srcOrd="15" destOrd="0" presId="urn:microsoft.com/office/officeart/2008/layout/LinedList"/>
-    <dgm:cxn modelId="{11BB0CF3-3E49-47D1-9017-10B2C6548816}" type="presParOf" srcId="{0E18C2FD-E1BC-446C-881F-040C139E577C}" destId="{882A5F4B-5390-4A57-8A8E-60E807159555}" srcOrd="16" destOrd="0" presId="urn:microsoft.com/office/officeart/2008/layout/LinedList"/>
-    <dgm:cxn modelId="{1B79399C-C78B-40B2-8FB7-EF0EF75E42AF}" type="presParOf" srcId="{882A5F4B-5390-4A57-8A8E-60E807159555}" destId="{44BF03BA-670E-452E-A16F-53AE6D309EE3}" srcOrd="0" destOrd="0" presId="urn:microsoft.com/office/officeart/2008/layout/LinedList"/>
-    <dgm:cxn modelId="{81E26A29-C47B-48E8-BE2B-B69DF48BEE7F}" type="presParOf" srcId="{882A5F4B-5390-4A57-8A8E-60E807159555}" destId="{DAED73F3-B389-46C7-A5A1-02528FB4EF3A}" srcOrd="1" destOrd="0" presId="urn:microsoft.com/office/officeart/2008/layout/LinedList"/>
-    <dgm:cxn modelId="{3F8DA30D-21D3-494C-A38C-7BDBE22D35C0}" type="presParOf" srcId="{882A5F4B-5390-4A57-8A8E-60E807159555}" destId="{CF116272-5EF1-4E15-BDDE-9F55FEB74624}" srcOrd="2" destOrd="0" presId="urn:microsoft.com/office/officeart/2008/layout/LinedList"/>
-    <dgm:cxn modelId="{82DB930E-A36B-4894-838A-E1A97D262CD9}" type="presParOf" srcId="{0E18C2FD-E1BC-446C-881F-040C139E577C}" destId="{18E4FF3C-98F4-45D9-829D-DE6883938FD7}" srcOrd="17" destOrd="0" presId="urn:microsoft.com/office/officeart/2008/layout/LinedList"/>
-    <dgm:cxn modelId="{A3C7B89D-4F8B-48EC-A5FC-E6AB47D8ABB9}" type="presParOf" srcId="{0E18C2FD-E1BC-446C-881F-040C139E577C}" destId="{5B2FA9E2-40F3-42AE-BCB7-C58CCF81077E}" srcOrd="18" destOrd="0" presId="urn:microsoft.com/office/officeart/2008/layout/LinedList"/>
-    <dgm:cxn modelId="{8FF2303A-2969-4C2A-8F0D-2FFBDAB35D44}" type="presParOf" srcId="{0E18C2FD-E1BC-446C-881F-040C139E577C}" destId="{87F320A0-CD5F-436F-AC70-DC863C3891BA}" srcOrd="19" destOrd="0" presId="urn:microsoft.com/office/officeart/2008/layout/LinedList"/>
-    <dgm:cxn modelId="{C6CCB96A-E7B5-4959-8DB3-CF816E4C1E5E}" type="presParOf" srcId="{87F320A0-CD5F-436F-AC70-DC863C3891BA}" destId="{7212C055-BD47-4446-A449-D01FE492C0F6}" srcOrd="0" destOrd="0" presId="urn:microsoft.com/office/officeart/2008/layout/LinedList"/>
-    <dgm:cxn modelId="{E3DFA717-46F4-4B23-BFCA-F87B821BD42C}" type="presParOf" srcId="{87F320A0-CD5F-436F-AC70-DC863C3891BA}" destId="{EDA5C92A-B2FA-44DD-9D6B-B860107B806D}" srcOrd="1" destOrd="0" presId="urn:microsoft.com/office/officeart/2008/layout/LinedList"/>
-    <dgm:cxn modelId="{32A55E8B-3B75-46C1-B233-AA5BC7F88FCE}" type="presParOf" srcId="{87F320A0-CD5F-436F-AC70-DC863C3891BA}" destId="{4F42FE15-38A6-4208-BF0B-6DFB3DE15367}" srcOrd="2" destOrd="0" presId="urn:microsoft.com/office/officeart/2008/layout/LinedList"/>
-    <dgm:cxn modelId="{9BCEB201-D65E-417A-B908-4035EE47352B}" type="presParOf" srcId="{0E18C2FD-E1BC-446C-881F-040C139E577C}" destId="{1EA5A7C6-19D3-4973-8E67-21959E64E6F6}" srcOrd="20" destOrd="0" presId="urn:microsoft.com/office/officeart/2008/layout/LinedList"/>
-    <dgm:cxn modelId="{D9B3E0E6-12F4-4E31-BAAC-CA873BB44C54}" type="presParOf" srcId="{0E18C2FD-E1BC-446C-881F-040C139E577C}" destId="{B5BDBDAF-B943-4ADD-9092-2E2A81A9D2F3}" srcOrd="21" destOrd="0" presId="urn:microsoft.com/office/officeart/2008/layout/LinedList"/>
-    <dgm:cxn modelId="{0FC8E784-496C-4CBE-AC6C-B6B891BEE7AF}" type="presParOf" srcId="{0E18C2FD-E1BC-446C-881F-040C139E577C}" destId="{AA68D470-F966-42B5-AF2E-97D195F9114F}" srcOrd="22" destOrd="0" presId="urn:microsoft.com/office/officeart/2008/layout/LinedList"/>
-    <dgm:cxn modelId="{28BC00CE-53DE-4242-8D0D-753C06AC07DE}" type="presParOf" srcId="{AA68D470-F966-42B5-AF2E-97D195F9114F}" destId="{23FC9055-5CAE-4101-A12B-9E2653F54454}" srcOrd="0" destOrd="0" presId="urn:microsoft.com/office/officeart/2008/layout/LinedList"/>
-    <dgm:cxn modelId="{C32D9D88-6AC5-4F16-AE76-F917224E486C}" type="presParOf" srcId="{AA68D470-F966-42B5-AF2E-97D195F9114F}" destId="{482DC934-4C95-4AAC-B743-C3995FB6BCBE}" srcOrd="1" destOrd="0" presId="urn:microsoft.com/office/officeart/2008/layout/LinedList"/>
-    <dgm:cxn modelId="{95F147A8-262D-493C-B730-6F5882E21D84}" type="presParOf" srcId="{AA68D470-F966-42B5-AF2E-97D195F9114F}" destId="{CF9942FA-5790-4D91-AD04-ED1C66673033}" srcOrd="2" destOrd="0" presId="urn:microsoft.com/office/officeart/2008/layout/LinedList"/>
-    <dgm:cxn modelId="{E36D8A4D-2B04-4DAC-A27B-8879FB4FE19E}" type="presParOf" srcId="{0E18C2FD-E1BC-446C-881F-040C139E577C}" destId="{3EA756C3-E16B-4A90-8602-1C2A5B0C79E3}" srcOrd="23" destOrd="0" presId="urn:microsoft.com/office/officeart/2008/layout/LinedList"/>
-    <dgm:cxn modelId="{5928063F-5A43-4D72-9E08-02807FF6413C}" type="presParOf" srcId="{0E18C2FD-E1BC-446C-881F-040C139E577C}" destId="{B09BC083-1461-45B6-AB7C-01174EFE5F7B}" srcOrd="24" destOrd="0" presId="urn:microsoft.com/office/officeart/2008/layout/LinedList"/>
-    <dgm:cxn modelId="{B36DBCCE-339C-4D16-9A48-E9F340958181}" type="presParOf" srcId="{0E18C2FD-E1BC-446C-881F-040C139E577C}" destId="{DBFA3E4B-EA7D-4EDD-9C4B-8B8C0EA3EB38}" srcOrd="25" destOrd="0" presId="urn:microsoft.com/office/officeart/2008/layout/LinedList"/>
-    <dgm:cxn modelId="{AAC43F77-8C22-48E8-B903-EB067506018D}" type="presParOf" srcId="{DBFA3E4B-EA7D-4EDD-9C4B-8B8C0EA3EB38}" destId="{C5EF0806-A528-46C8-B474-8C2490835FB8}" srcOrd="0" destOrd="0" presId="urn:microsoft.com/office/officeart/2008/layout/LinedList"/>
-    <dgm:cxn modelId="{F4E8EA9B-CD97-459F-BB46-FA4BF699EFE7}" type="presParOf" srcId="{DBFA3E4B-EA7D-4EDD-9C4B-8B8C0EA3EB38}" destId="{2812355F-EDDF-45CD-94ED-EB204B0F85BA}" srcOrd="1" destOrd="0" presId="urn:microsoft.com/office/officeart/2008/layout/LinedList"/>
-    <dgm:cxn modelId="{C300E884-B1D0-425F-B8D9-406F2B3BC6EB}" type="presParOf" srcId="{DBFA3E4B-EA7D-4EDD-9C4B-8B8C0EA3EB38}" destId="{B6963100-29F3-4A33-8B75-8AA794EA950F}" srcOrd="2" destOrd="0" presId="urn:microsoft.com/office/officeart/2008/layout/LinedList"/>
-    <dgm:cxn modelId="{49FED4E8-5C60-4BAF-9C53-118D0A435309}" type="presParOf" srcId="{0E18C2FD-E1BC-446C-881F-040C139E577C}" destId="{509F1403-1D7B-4699-99AA-695C449E81BF}" srcOrd="26" destOrd="0" presId="urn:microsoft.com/office/officeart/2008/layout/LinedList"/>
-    <dgm:cxn modelId="{5D120E38-3F4C-4C1C-8D13-A2374D0681CC}" type="presParOf" srcId="{0E18C2FD-E1BC-446C-881F-040C139E577C}" destId="{2A64459F-DD94-4C7C-9830-B7E8AB469876}" srcOrd="27" destOrd="0" presId="urn:microsoft.com/office/officeart/2008/layout/LinedList"/>
   </dgm:cxnLst>
   <dgm:bg/>
   <dgm:whole/>
@@ -2807,7 +1206,7 @@
         </a:bodyPr>
         <a:lstStyle/>
         <a:p>
-          <a:pPr lvl="0" algn="ctr" defTabSz="800100">
+          <a:pPr marL="0" lvl="0" indent="0" algn="ctr" defTabSz="800100">
             <a:lnSpc>
               <a:spcPct val="90000"/>
             </a:lnSpc>
@@ -2817,18 +1216,15 @@
             <a:spcAft>
               <a:spcPct val="35000"/>
             </a:spcAft>
+            <a:buNone/>
           </a:pPr>
           <a:r>
-            <a:rPr lang="zh-CN" altLang="en-US" sz="1800" kern="1200" dirty="0" smtClean="0">
+            <a:rPr lang="zh-CN" altLang="en-US" sz="1800" kern="1200" dirty="0">
               <a:latin typeface="华文行楷" panose="02010800040101010101" pitchFamily="2" charset="-122"/>
               <a:ea typeface="华文行楷" panose="02010800040101010101" pitchFamily="2" charset="-122"/>
             </a:rPr>
             <a:t>正反馈回路</a:t>
           </a:r>
-          <a:endParaRPr lang="zh-CN" altLang="en-US" sz="1800" kern="1200" dirty="0">
-            <a:latin typeface="华文行楷" panose="02010800040101010101" pitchFamily="2" charset="-122"/>
-            <a:ea typeface="华文行楷" panose="02010800040101010101" pitchFamily="2" charset="-122"/>
-          </a:endParaRPr>
         </a:p>
       </dsp:txBody>
       <dsp:txXfrm>
@@ -2923,7 +1319,7 @@
         </a:bodyPr>
         <a:lstStyle/>
         <a:p>
-          <a:pPr lvl="0" algn="ctr" defTabSz="800100">
+          <a:pPr marL="0" lvl="0" indent="0" algn="ctr" defTabSz="800100">
             <a:lnSpc>
               <a:spcPct val="90000"/>
             </a:lnSpc>
@@ -2933,1171 +1329,21 @@
             <a:spcAft>
               <a:spcPct val="35000"/>
             </a:spcAft>
+            <a:buNone/>
           </a:pPr>
           <a:r>
-            <a:rPr lang="zh-CN" altLang="en-US" sz="1800" kern="1200" dirty="0" smtClean="0">
+            <a:rPr lang="zh-CN" altLang="en-US" sz="1800" kern="1200" dirty="0">
               <a:latin typeface="华文行楷" panose="02010800040101010101" pitchFamily="2" charset="-122"/>
               <a:ea typeface="华文行楷" panose="02010800040101010101" pitchFamily="2" charset="-122"/>
             </a:rPr>
             <a:t>负反馈回路</a:t>
           </a:r>
-          <a:endParaRPr lang="zh-CN" altLang="en-US" sz="1800" kern="1200" dirty="0">
-            <a:latin typeface="华文行楷" panose="02010800040101010101" pitchFamily="2" charset="-122"/>
-            <a:ea typeface="华文行楷" panose="02010800040101010101" pitchFamily="2" charset="-122"/>
-          </a:endParaRPr>
         </a:p>
       </dsp:txBody>
       <dsp:txXfrm>
         <a:off x="911026" y="1211174"/>
         <a:ext cx="1943523" cy="877057"/>
       </dsp:txXfrm>
-    </dsp:sp>
-  </dsp:spTree>
-</dsp:drawing>
-</file>
-
-<file path=ppt/diagrams/drawing2.xml><?xml version="1.0" encoding="utf-8"?>
-<dsp:drawing xmlns:dgm="http://schemas.openxmlformats.org/drawingml/2006/diagram" xmlns:dsp="http://schemas.microsoft.com/office/drawing/2008/diagram" xmlns:a="http://schemas.openxmlformats.org/drawingml/2006/main">
-  <dsp:spTree>
-    <dsp:nvGrpSpPr>
-      <dsp:cNvPr id="0" name=""/>
-      <dsp:cNvGrpSpPr/>
-    </dsp:nvGrpSpPr>
-    <dsp:grpSpPr/>
-    <dsp:sp modelId="{A915AF04-3A3F-4C11-AEE0-AEDD3C4408F7}">
-      <dsp:nvSpPr>
-        <dsp:cNvPr id="0" name=""/>
-        <dsp:cNvSpPr/>
-      </dsp:nvSpPr>
-      <dsp:spPr>
-        <a:xfrm>
-          <a:off x="0" y="0"/>
-          <a:ext cx="9792935" cy="0"/>
-        </a:xfrm>
-        <a:prstGeom prst="line">
-          <a:avLst/>
-        </a:prstGeom>
-        <a:solidFill>
-          <a:schemeClr val="accent1">
-            <a:hueOff val="0"/>
-            <a:satOff val="0"/>
-            <a:lumOff val="0"/>
-            <a:alphaOff val="0"/>
-          </a:schemeClr>
-        </a:solidFill>
-        <a:ln w="12700" cap="flat" cmpd="sng" algn="ctr">
-          <a:solidFill>
-            <a:schemeClr val="accent1">
-              <a:hueOff val="0"/>
-              <a:satOff val="0"/>
-              <a:lumOff val="0"/>
-              <a:alphaOff val="0"/>
-            </a:schemeClr>
-          </a:solidFill>
-          <a:prstDash val="solid"/>
-          <a:miter lim="800000"/>
-        </a:ln>
-        <a:effectLst/>
-      </dsp:spPr>
-      <dsp:style>
-        <a:lnRef idx="2">
-          <a:scrgbClr r="0" g="0" b="0"/>
-        </a:lnRef>
-        <a:fillRef idx="1">
-          <a:scrgbClr r="0" g="0" b="0"/>
-        </a:fillRef>
-        <a:effectRef idx="0">
-          <a:scrgbClr r="0" g="0" b="0"/>
-        </a:effectRef>
-        <a:fontRef idx="minor">
-          <a:schemeClr val="lt1"/>
-        </a:fontRef>
-      </dsp:style>
-    </dsp:sp>
-    <dsp:sp modelId="{EB288330-9E4A-485C-A728-163C9450A1A2}">
-      <dsp:nvSpPr>
-        <dsp:cNvPr id="0" name=""/>
-        <dsp:cNvSpPr/>
-      </dsp:nvSpPr>
-      <dsp:spPr>
-        <a:xfrm>
-          <a:off x="0" y="0"/>
-          <a:ext cx="1958587" cy="5388050"/>
-        </a:xfrm>
-        <a:prstGeom prst="rect">
-          <a:avLst/>
-        </a:prstGeom>
-        <a:noFill/>
-        <a:ln>
-          <a:noFill/>
-        </a:ln>
-        <a:effectLst/>
-      </dsp:spPr>
-      <dsp:style>
-        <a:lnRef idx="0">
-          <a:scrgbClr r="0" g="0" b="0"/>
-        </a:lnRef>
-        <a:fillRef idx="0">
-          <a:scrgbClr r="0" g="0" b="0"/>
-        </a:fillRef>
-        <a:effectRef idx="0">
-          <a:scrgbClr r="0" g="0" b="0"/>
-        </a:effectRef>
-        <a:fontRef idx="minor"/>
-      </dsp:style>
-      <dsp:txBody>
-        <a:bodyPr spcFirstLastPara="0" vert="horz" wrap="square" lIns="160020" tIns="160020" rIns="160020" bIns="160020" numCol="1" spcCol="1270" anchor="t" anchorCtr="0">
-          <a:noAutofit/>
-        </a:bodyPr>
-        <a:lstStyle/>
-        <a:p>
-          <a:pPr lvl="0" algn="l" defTabSz="1866900">
-            <a:lnSpc>
-              <a:spcPct val="90000"/>
-            </a:lnSpc>
-            <a:spcBef>
-              <a:spcPct val="0"/>
-            </a:spcBef>
-            <a:spcAft>
-              <a:spcPct val="35000"/>
-            </a:spcAft>
-          </a:pPr>
-          <a:r>
-            <a:rPr lang="zh-CN" altLang="en-US" sz="4200" kern="1200" dirty="0" smtClean="0"/>
-            <a:t>课程内容计划</a:t>
-          </a:r>
-          <a:r>
-            <a:rPr lang="zh-CN" altLang="en-US" sz="1800" kern="1200" dirty="0" smtClean="0"/>
-            <a:t>（两周一个单元）</a:t>
-          </a:r>
-          <a:endParaRPr lang="zh-CN" altLang="en-US" sz="1800" kern="1200" dirty="0"/>
-        </a:p>
-      </dsp:txBody>
-      <dsp:txXfrm>
-        <a:off x="0" y="0"/>
-        <a:ext cx="1958587" cy="5388050"/>
-      </dsp:txXfrm>
-    </dsp:sp>
-    <dsp:sp modelId="{1162525E-0AE0-465C-B6BE-60252AC42FDF}">
-      <dsp:nvSpPr>
-        <dsp:cNvPr id="0" name=""/>
-        <dsp:cNvSpPr/>
-      </dsp:nvSpPr>
-      <dsp:spPr>
-        <a:xfrm>
-          <a:off x="2105481" y="28347"/>
-          <a:ext cx="7687453" cy="566955"/>
-        </a:xfrm>
-        <a:prstGeom prst="rect">
-          <a:avLst/>
-        </a:prstGeom>
-        <a:noFill/>
-        <a:ln>
-          <a:noFill/>
-        </a:ln>
-        <a:effectLst/>
-      </dsp:spPr>
-      <dsp:style>
-        <a:lnRef idx="0">
-          <a:scrgbClr r="0" g="0" b="0"/>
-        </a:lnRef>
-        <a:fillRef idx="0">
-          <a:scrgbClr r="0" g="0" b="0"/>
-        </a:fillRef>
-        <a:effectRef idx="0">
-          <a:scrgbClr r="0" g="0" b="0"/>
-        </a:effectRef>
-        <a:fontRef idx="minor"/>
-      </dsp:style>
-      <dsp:txBody>
-        <a:bodyPr spcFirstLastPara="0" vert="horz" wrap="square" lIns="76200" tIns="76200" rIns="76200" bIns="76200" numCol="1" spcCol="1270" anchor="t" anchorCtr="0">
-          <a:noAutofit/>
-        </a:bodyPr>
-        <a:lstStyle/>
-        <a:p>
-          <a:pPr lvl="0" algn="l" defTabSz="889000">
-            <a:lnSpc>
-              <a:spcPct val="90000"/>
-            </a:lnSpc>
-            <a:spcBef>
-              <a:spcPct val="0"/>
-            </a:spcBef>
-            <a:spcAft>
-              <a:spcPct val="35000"/>
-            </a:spcAft>
-          </a:pPr>
-          <a:r>
-            <a:rPr lang="en-US" altLang="zh-CN" sz="2000" kern="1200" dirty="0" smtClean="0"/>
-            <a:t>1 </a:t>
-          </a:r>
-          <a:r>
-            <a:rPr lang="zh-CN" altLang="en-US" sz="2000" kern="1200" dirty="0" smtClean="0"/>
-            <a:t>概述           工具 流量存量</a:t>
-          </a:r>
-          <a:endParaRPr lang="zh-CN" altLang="en-US" sz="2000" kern="1200" dirty="0"/>
-        </a:p>
-      </dsp:txBody>
-      <dsp:txXfrm>
-        <a:off x="2105481" y="28347"/>
-        <a:ext cx="7687453" cy="566955"/>
-      </dsp:txXfrm>
-    </dsp:sp>
-    <dsp:sp modelId="{49C4DF29-C354-4925-BB74-DB956A176CD6}">
-      <dsp:nvSpPr>
-        <dsp:cNvPr id="0" name=""/>
-        <dsp:cNvSpPr/>
-      </dsp:nvSpPr>
-      <dsp:spPr>
-        <a:xfrm>
-          <a:off x="1958587" y="595303"/>
-          <a:ext cx="7834348" cy="0"/>
-        </a:xfrm>
-        <a:prstGeom prst="line">
-          <a:avLst/>
-        </a:prstGeom>
-        <a:solidFill>
-          <a:schemeClr val="accent1">
-            <a:hueOff val="0"/>
-            <a:satOff val="0"/>
-            <a:lumOff val="0"/>
-            <a:alphaOff val="0"/>
-          </a:schemeClr>
-        </a:solidFill>
-        <a:ln w="12700" cap="flat" cmpd="sng" algn="ctr">
-          <a:solidFill>
-            <a:schemeClr val="accent1">
-              <a:tint val="50000"/>
-              <a:hueOff val="0"/>
-              <a:satOff val="0"/>
-              <a:lumOff val="0"/>
-              <a:alphaOff val="0"/>
-            </a:schemeClr>
-          </a:solidFill>
-          <a:prstDash val="solid"/>
-          <a:miter lim="800000"/>
-        </a:ln>
-        <a:effectLst/>
-      </dsp:spPr>
-      <dsp:style>
-        <a:lnRef idx="2">
-          <a:scrgbClr r="0" g="0" b="0"/>
-        </a:lnRef>
-        <a:fillRef idx="1">
-          <a:scrgbClr r="0" g="0" b="0"/>
-        </a:fillRef>
-        <a:effectRef idx="0">
-          <a:scrgbClr r="0" g="0" b="0"/>
-        </a:effectRef>
-        <a:fontRef idx="minor"/>
-      </dsp:style>
-    </dsp:sp>
-    <dsp:sp modelId="{468ADB43-81AE-4188-A862-0B0D1BD66A3B}">
-      <dsp:nvSpPr>
-        <dsp:cNvPr id="0" name=""/>
-        <dsp:cNvSpPr/>
-      </dsp:nvSpPr>
-      <dsp:spPr>
-        <a:xfrm>
-          <a:off x="2105481" y="623651"/>
-          <a:ext cx="7687453" cy="566955"/>
-        </a:xfrm>
-        <a:prstGeom prst="rect">
-          <a:avLst/>
-        </a:prstGeom>
-        <a:noFill/>
-        <a:ln>
-          <a:noFill/>
-        </a:ln>
-        <a:effectLst/>
-      </dsp:spPr>
-      <dsp:style>
-        <a:lnRef idx="0">
-          <a:scrgbClr r="0" g="0" b="0"/>
-        </a:lnRef>
-        <a:fillRef idx="0">
-          <a:scrgbClr r="0" g="0" b="0"/>
-        </a:fillRef>
-        <a:effectRef idx="0">
-          <a:scrgbClr r="0" g="0" b="0"/>
-        </a:effectRef>
-        <a:fontRef idx="minor"/>
-      </dsp:style>
-      <dsp:txBody>
-        <a:bodyPr spcFirstLastPara="0" vert="horz" wrap="square" lIns="76200" tIns="76200" rIns="76200" bIns="76200" numCol="1" spcCol="1270" anchor="t" anchorCtr="0">
-          <a:noAutofit/>
-        </a:bodyPr>
-        <a:lstStyle/>
-        <a:p>
-          <a:pPr lvl="0" algn="l" defTabSz="889000">
-            <a:lnSpc>
-              <a:spcPct val="90000"/>
-            </a:lnSpc>
-            <a:spcBef>
-              <a:spcPct val="0"/>
-            </a:spcBef>
-            <a:spcAft>
-              <a:spcPct val="35000"/>
-            </a:spcAft>
-          </a:pPr>
-          <a:r>
-            <a:rPr lang="en-US" altLang="zh-CN" sz="2000" kern="1200" dirty="0" smtClean="0"/>
-            <a:t>2 </a:t>
-          </a:r>
-          <a:r>
-            <a:rPr lang="zh-CN" altLang="en-US" sz="2000" kern="1200" dirty="0" smtClean="0"/>
-            <a:t>函数           基础函数 动态函数</a:t>
-          </a:r>
-          <a:endParaRPr lang="zh-CN" altLang="en-US" sz="2000" kern="1200" dirty="0"/>
-        </a:p>
-      </dsp:txBody>
-      <dsp:txXfrm>
-        <a:off x="2105481" y="623651"/>
-        <a:ext cx="7687453" cy="566955"/>
-      </dsp:txXfrm>
-    </dsp:sp>
-    <dsp:sp modelId="{09B28E32-6A1A-4759-91E6-CE04385E5451}">
-      <dsp:nvSpPr>
-        <dsp:cNvPr id="0" name=""/>
-        <dsp:cNvSpPr/>
-      </dsp:nvSpPr>
-      <dsp:spPr>
-        <a:xfrm>
-          <a:off x="1958587" y="1190606"/>
-          <a:ext cx="7834348" cy="0"/>
-        </a:xfrm>
-        <a:prstGeom prst="line">
-          <a:avLst/>
-        </a:prstGeom>
-        <a:solidFill>
-          <a:schemeClr val="accent1">
-            <a:hueOff val="0"/>
-            <a:satOff val="0"/>
-            <a:lumOff val="0"/>
-            <a:alphaOff val="0"/>
-          </a:schemeClr>
-        </a:solidFill>
-        <a:ln w="12700" cap="flat" cmpd="sng" algn="ctr">
-          <a:solidFill>
-            <a:schemeClr val="accent1">
-              <a:tint val="50000"/>
-              <a:hueOff val="0"/>
-              <a:satOff val="0"/>
-              <a:lumOff val="0"/>
-              <a:alphaOff val="0"/>
-            </a:schemeClr>
-          </a:solidFill>
-          <a:prstDash val="solid"/>
-          <a:miter lim="800000"/>
-        </a:ln>
-        <a:effectLst/>
-      </dsp:spPr>
-      <dsp:style>
-        <a:lnRef idx="2">
-          <a:scrgbClr r="0" g="0" b="0"/>
-        </a:lnRef>
-        <a:fillRef idx="1">
-          <a:scrgbClr r="0" g="0" b="0"/>
-        </a:fillRef>
-        <a:effectRef idx="0">
-          <a:scrgbClr r="0" g="0" b="0"/>
-        </a:effectRef>
-        <a:fontRef idx="minor"/>
-      </dsp:style>
-    </dsp:sp>
-    <dsp:sp modelId="{1CCA1900-01BF-462D-95CB-1CED84F16F95}">
-      <dsp:nvSpPr>
-        <dsp:cNvPr id="0" name=""/>
-        <dsp:cNvSpPr/>
-      </dsp:nvSpPr>
-      <dsp:spPr>
-        <a:xfrm>
-          <a:off x="2105481" y="1218954"/>
-          <a:ext cx="7687453" cy="566955"/>
-        </a:xfrm>
-        <a:prstGeom prst="rect">
-          <a:avLst/>
-        </a:prstGeom>
-        <a:noFill/>
-        <a:ln>
-          <a:noFill/>
-        </a:ln>
-        <a:effectLst/>
-      </dsp:spPr>
-      <dsp:style>
-        <a:lnRef idx="0">
-          <a:scrgbClr r="0" g="0" b="0"/>
-        </a:lnRef>
-        <a:fillRef idx="0">
-          <a:scrgbClr r="0" g="0" b="0"/>
-        </a:fillRef>
-        <a:effectRef idx="0">
-          <a:scrgbClr r="0" g="0" b="0"/>
-        </a:effectRef>
-        <a:fontRef idx="minor"/>
-      </dsp:style>
-      <dsp:txBody>
-        <a:bodyPr spcFirstLastPara="0" vert="horz" wrap="square" lIns="76200" tIns="76200" rIns="76200" bIns="76200" numCol="1" spcCol="1270" anchor="t" anchorCtr="0">
-          <a:noAutofit/>
-        </a:bodyPr>
-        <a:lstStyle/>
-        <a:p>
-          <a:pPr lvl="0" algn="l" defTabSz="889000">
-            <a:lnSpc>
-              <a:spcPct val="90000"/>
-            </a:lnSpc>
-            <a:spcBef>
-              <a:spcPct val="0"/>
-            </a:spcBef>
-            <a:spcAft>
-              <a:spcPct val="35000"/>
-            </a:spcAft>
-          </a:pPr>
-          <a:r>
-            <a:rPr lang="en-US" altLang="zh-CN" sz="2000" kern="1200" dirty="0" smtClean="0"/>
-            <a:t>3 </a:t>
-          </a:r>
-          <a:r>
-            <a:rPr lang="zh-CN" altLang="en-US" sz="2000" kern="1200" dirty="0" smtClean="0"/>
-            <a:t>因果分析       因果链 反馈回路</a:t>
-          </a:r>
-          <a:endParaRPr lang="zh-CN" altLang="en-US" sz="2000" kern="1200" dirty="0"/>
-        </a:p>
-      </dsp:txBody>
-      <dsp:txXfrm>
-        <a:off x="2105481" y="1218954"/>
-        <a:ext cx="7687453" cy="566955"/>
-      </dsp:txXfrm>
-    </dsp:sp>
-    <dsp:sp modelId="{65C0776F-52FA-4BDB-98D4-DC2E546D322C}">
-      <dsp:nvSpPr>
-        <dsp:cNvPr id="0" name=""/>
-        <dsp:cNvSpPr/>
-      </dsp:nvSpPr>
-      <dsp:spPr>
-        <a:xfrm>
-          <a:off x="1958587" y="1785909"/>
-          <a:ext cx="7834348" cy="0"/>
-        </a:xfrm>
-        <a:prstGeom prst="line">
-          <a:avLst/>
-        </a:prstGeom>
-        <a:solidFill>
-          <a:schemeClr val="accent1">
-            <a:hueOff val="0"/>
-            <a:satOff val="0"/>
-            <a:lumOff val="0"/>
-            <a:alphaOff val="0"/>
-          </a:schemeClr>
-        </a:solidFill>
-        <a:ln w="12700" cap="flat" cmpd="sng" algn="ctr">
-          <a:solidFill>
-            <a:schemeClr val="accent1">
-              <a:tint val="50000"/>
-              <a:hueOff val="0"/>
-              <a:satOff val="0"/>
-              <a:lumOff val="0"/>
-              <a:alphaOff val="0"/>
-            </a:schemeClr>
-          </a:solidFill>
-          <a:prstDash val="solid"/>
-          <a:miter lim="800000"/>
-        </a:ln>
-        <a:effectLst/>
-      </dsp:spPr>
-      <dsp:style>
-        <a:lnRef idx="2">
-          <a:scrgbClr r="0" g="0" b="0"/>
-        </a:lnRef>
-        <a:fillRef idx="1">
-          <a:scrgbClr r="0" g="0" b="0"/>
-        </a:fillRef>
-        <a:effectRef idx="0">
-          <a:scrgbClr r="0" g="0" b="0"/>
-        </a:effectRef>
-        <a:fontRef idx="minor"/>
-      </dsp:style>
-    </dsp:sp>
-    <dsp:sp modelId="{47B329C9-E131-4B25-8B42-259E33DF846A}">
-      <dsp:nvSpPr>
-        <dsp:cNvPr id="0" name=""/>
-        <dsp:cNvSpPr/>
-      </dsp:nvSpPr>
-      <dsp:spPr>
-        <a:xfrm>
-          <a:off x="2105481" y="1814257"/>
-          <a:ext cx="7687453" cy="566955"/>
-        </a:xfrm>
-        <a:prstGeom prst="rect">
-          <a:avLst/>
-        </a:prstGeom>
-        <a:noFill/>
-        <a:ln>
-          <a:noFill/>
-        </a:ln>
-        <a:effectLst/>
-      </dsp:spPr>
-      <dsp:style>
-        <a:lnRef idx="0">
-          <a:scrgbClr r="0" g="0" b="0"/>
-        </a:lnRef>
-        <a:fillRef idx="0">
-          <a:scrgbClr r="0" g="0" b="0"/>
-        </a:fillRef>
-        <a:effectRef idx="0">
-          <a:scrgbClr r="0" g="0" b="0"/>
-        </a:effectRef>
-        <a:fontRef idx="minor"/>
-      </dsp:style>
-      <dsp:txBody>
-        <a:bodyPr spcFirstLastPara="0" vert="horz" wrap="square" lIns="76200" tIns="76200" rIns="76200" bIns="76200" numCol="1" spcCol="1270" anchor="t" anchorCtr="0">
-          <a:noAutofit/>
-        </a:bodyPr>
-        <a:lstStyle/>
-        <a:p>
-          <a:pPr lvl="0" algn="l" defTabSz="889000">
-            <a:lnSpc>
-              <a:spcPct val="90000"/>
-            </a:lnSpc>
-            <a:spcBef>
-              <a:spcPct val="0"/>
-            </a:spcBef>
-            <a:spcAft>
-              <a:spcPct val="35000"/>
-            </a:spcAft>
-          </a:pPr>
-          <a:r>
-            <a:rPr lang="en-US" altLang="zh-CN" sz="2000" kern="1200" dirty="0" smtClean="0"/>
-            <a:t>4 </a:t>
-          </a:r>
-          <a:r>
-            <a:rPr lang="zh-CN" altLang="en-US" sz="2000" kern="1200" dirty="0" smtClean="0"/>
-            <a:t>一阶系统</a:t>
-          </a:r>
-          <a:endParaRPr lang="zh-CN" altLang="en-US" sz="2000" kern="1200" dirty="0"/>
-        </a:p>
-      </dsp:txBody>
-      <dsp:txXfrm>
-        <a:off x="2105481" y="1814257"/>
-        <a:ext cx="7687453" cy="566955"/>
-      </dsp:txXfrm>
-    </dsp:sp>
-    <dsp:sp modelId="{C4E3626F-B8B8-400B-BE55-CA8C0BB8D8B4}">
-      <dsp:nvSpPr>
-        <dsp:cNvPr id="0" name=""/>
-        <dsp:cNvSpPr/>
-      </dsp:nvSpPr>
-      <dsp:spPr>
-        <a:xfrm>
-          <a:off x="1958587" y="2381212"/>
-          <a:ext cx="7834348" cy="0"/>
-        </a:xfrm>
-        <a:prstGeom prst="line">
-          <a:avLst/>
-        </a:prstGeom>
-        <a:solidFill>
-          <a:schemeClr val="accent1">
-            <a:hueOff val="0"/>
-            <a:satOff val="0"/>
-            <a:lumOff val="0"/>
-            <a:alphaOff val="0"/>
-          </a:schemeClr>
-        </a:solidFill>
-        <a:ln w="12700" cap="flat" cmpd="sng" algn="ctr">
-          <a:solidFill>
-            <a:schemeClr val="accent1">
-              <a:tint val="50000"/>
-              <a:hueOff val="0"/>
-              <a:satOff val="0"/>
-              <a:lumOff val="0"/>
-              <a:alphaOff val="0"/>
-            </a:schemeClr>
-          </a:solidFill>
-          <a:prstDash val="solid"/>
-          <a:miter lim="800000"/>
-        </a:ln>
-        <a:effectLst/>
-      </dsp:spPr>
-      <dsp:style>
-        <a:lnRef idx="2">
-          <a:scrgbClr r="0" g="0" b="0"/>
-        </a:lnRef>
-        <a:fillRef idx="1">
-          <a:scrgbClr r="0" g="0" b="0"/>
-        </a:fillRef>
-        <a:effectRef idx="0">
-          <a:scrgbClr r="0" g="0" b="0"/>
-        </a:effectRef>
-        <a:fontRef idx="minor"/>
-      </dsp:style>
-    </dsp:sp>
-    <dsp:sp modelId="{AE72AB19-A60D-4860-B796-EDA466A2DF87}">
-      <dsp:nvSpPr>
-        <dsp:cNvPr id="0" name=""/>
-        <dsp:cNvSpPr/>
-      </dsp:nvSpPr>
-      <dsp:spPr>
-        <a:xfrm>
-          <a:off x="2105481" y="2409560"/>
-          <a:ext cx="7687453" cy="566955"/>
-        </a:xfrm>
-        <a:prstGeom prst="rect">
-          <a:avLst/>
-        </a:prstGeom>
-        <a:noFill/>
-        <a:ln>
-          <a:noFill/>
-        </a:ln>
-        <a:effectLst/>
-      </dsp:spPr>
-      <dsp:style>
-        <a:lnRef idx="0">
-          <a:scrgbClr r="0" g="0" b="0"/>
-        </a:lnRef>
-        <a:fillRef idx="0">
-          <a:scrgbClr r="0" g="0" b="0"/>
-        </a:fillRef>
-        <a:effectRef idx="0">
-          <a:scrgbClr r="0" g="0" b="0"/>
-        </a:effectRef>
-        <a:fontRef idx="minor"/>
-      </dsp:style>
-      <dsp:txBody>
-        <a:bodyPr spcFirstLastPara="0" vert="horz" wrap="square" lIns="76200" tIns="76200" rIns="76200" bIns="76200" numCol="1" spcCol="1270" anchor="t" anchorCtr="0">
-          <a:noAutofit/>
-        </a:bodyPr>
-        <a:lstStyle/>
-        <a:p>
-          <a:pPr lvl="0" algn="l" defTabSz="889000">
-            <a:lnSpc>
-              <a:spcPct val="90000"/>
-            </a:lnSpc>
-            <a:spcBef>
-              <a:spcPct val="0"/>
-            </a:spcBef>
-            <a:spcAft>
-              <a:spcPct val="35000"/>
-            </a:spcAft>
-          </a:pPr>
-          <a:r>
-            <a:rPr lang="en-US" altLang="zh-CN" sz="2000" kern="1200" dirty="0" smtClean="0"/>
-            <a:t>5 </a:t>
-          </a:r>
-          <a:r>
-            <a:rPr lang="zh-CN" altLang="en-US" sz="2000" kern="1200" dirty="0" smtClean="0"/>
-            <a:t>二阶系统</a:t>
-          </a:r>
-          <a:endParaRPr lang="zh-CN" altLang="en-US" sz="2000" kern="1200" dirty="0"/>
-        </a:p>
-      </dsp:txBody>
-      <dsp:txXfrm>
-        <a:off x="2105481" y="2409560"/>
-        <a:ext cx="7687453" cy="566955"/>
-      </dsp:txXfrm>
-    </dsp:sp>
-    <dsp:sp modelId="{A8BA1781-83CB-4493-BF6C-FD23F3921053}">
-      <dsp:nvSpPr>
-        <dsp:cNvPr id="0" name=""/>
-        <dsp:cNvSpPr/>
-      </dsp:nvSpPr>
-      <dsp:spPr>
-        <a:xfrm>
-          <a:off x="1958587" y="2976516"/>
-          <a:ext cx="7834348" cy="0"/>
-        </a:xfrm>
-        <a:prstGeom prst="line">
-          <a:avLst/>
-        </a:prstGeom>
-        <a:solidFill>
-          <a:schemeClr val="accent1">
-            <a:hueOff val="0"/>
-            <a:satOff val="0"/>
-            <a:lumOff val="0"/>
-            <a:alphaOff val="0"/>
-          </a:schemeClr>
-        </a:solidFill>
-        <a:ln w="12700" cap="flat" cmpd="sng" algn="ctr">
-          <a:solidFill>
-            <a:schemeClr val="accent1">
-              <a:tint val="50000"/>
-              <a:hueOff val="0"/>
-              <a:satOff val="0"/>
-              <a:lumOff val="0"/>
-              <a:alphaOff val="0"/>
-            </a:schemeClr>
-          </a:solidFill>
-          <a:prstDash val="solid"/>
-          <a:miter lim="800000"/>
-        </a:ln>
-        <a:effectLst/>
-      </dsp:spPr>
-      <dsp:style>
-        <a:lnRef idx="2">
-          <a:scrgbClr r="0" g="0" b="0"/>
-        </a:lnRef>
-        <a:fillRef idx="1">
-          <a:scrgbClr r="0" g="0" b="0"/>
-        </a:fillRef>
-        <a:effectRef idx="0">
-          <a:scrgbClr r="0" g="0" b="0"/>
-        </a:effectRef>
-        <a:fontRef idx="minor"/>
-      </dsp:style>
-    </dsp:sp>
-    <dsp:sp modelId="{DAED73F3-B389-46C7-A5A1-02528FB4EF3A}">
-      <dsp:nvSpPr>
-        <dsp:cNvPr id="0" name=""/>
-        <dsp:cNvSpPr/>
-      </dsp:nvSpPr>
-      <dsp:spPr>
-        <a:xfrm>
-          <a:off x="2105481" y="3004863"/>
-          <a:ext cx="7687453" cy="566955"/>
-        </a:xfrm>
-        <a:prstGeom prst="rect">
-          <a:avLst/>
-        </a:prstGeom>
-        <a:noFill/>
-        <a:ln>
-          <a:noFill/>
-        </a:ln>
-        <a:effectLst/>
-      </dsp:spPr>
-      <dsp:style>
-        <a:lnRef idx="0">
-          <a:scrgbClr r="0" g="0" b="0"/>
-        </a:lnRef>
-        <a:fillRef idx="0">
-          <a:scrgbClr r="0" g="0" b="0"/>
-        </a:fillRef>
-        <a:effectRef idx="0">
-          <a:scrgbClr r="0" g="0" b="0"/>
-        </a:effectRef>
-        <a:fontRef idx="minor"/>
-      </dsp:style>
-      <dsp:txBody>
-        <a:bodyPr spcFirstLastPara="0" vert="horz" wrap="square" lIns="76200" tIns="76200" rIns="76200" bIns="76200" numCol="1" spcCol="1270" anchor="t" anchorCtr="0">
-          <a:noAutofit/>
-        </a:bodyPr>
-        <a:lstStyle/>
-        <a:p>
-          <a:pPr lvl="0" algn="l" defTabSz="889000">
-            <a:lnSpc>
-              <a:spcPct val="90000"/>
-            </a:lnSpc>
-            <a:spcBef>
-              <a:spcPct val="0"/>
-            </a:spcBef>
-            <a:spcAft>
-              <a:spcPct val="35000"/>
-            </a:spcAft>
-          </a:pPr>
-          <a:r>
-            <a:rPr lang="en-US" altLang="zh-CN" sz="2000" kern="1200" dirty="0" smtClean="0"/>
-            <a:t>6 </a:t>
-          </a:r>
-          <a:r>
-            <a:rPr lang="zh-CN" altLang="en-US" sz="2000" kern="1200" dirty="0" smtClean="0"/>
-            <a:t>延迟系统</a:t>
-          </a:r>
-          <a:endParaRPr lang="zh-CN" altLang="en-US" sz="2000" kern="1200" dirty="0"/>
-        </a:p>
-      </dsp:txBody>
-      <dsp:txXfrm>
-        <a:off x="2105481" y="3004863"/>
-        <a:ext cx="7687453" cy="566955"/>
-      </dsp:txXfrm>
-    </dsp:sp>
-    <dsp:sp modelId="{18E4FF3C-98F4-45D9-829D-DE6883938FD7}">
-      <dsp:nvSpPr>
-        <dsp:cNvPr id="0" name=""/>
-        <dsp:cNvSpPr/>
-      </dsp:nvSpPr>
-      <dsp:spPr>
-        <a:xfrm>
-          <a:off x="1958587" y="3571819"/>
-          <a:ext cx="7834348" cy="0"/>
-        </a:xfrm>
-        <a:prstGeom prst="line">
-          <a:avLst/>
-        </a:prstGeom>
-        <a:solidFill>
-          <a:schemeClr val="accent1">
-            <a:hueOff val="0"/>
-            <a:satOff val="0"/>
-            <a:lumOff val="0"/>
-            <a:alphaOff val="0"/>
-          </a:schemeClr>
-        </a:solidFill>
-        <a:ln w="12700" cap="flat" cmpd="sng" algn="ctr">
-          <a:solidFill>
-            <a:schemeClr val="accent1">
-              <a:tint val="50000"/>
-              <a:hueOff val="0"/>
-              <a:satOff val="0"/>
-              <a:lumOff val="0"/>
-              <a:alphaOff val="0"/>
-            </a:schemeClr>
-          </a:solidFill>
-          <a:prstDash val="solid"/>
-          <a:miter lim="800000"/>
-        </a:ln>
-        <a:effectLst/>
-      </dsp:spPr>
-      <dsp:style>
-        <a:lnRef idx="2">
-          <a:scrgbClr r="0" g="0" b="0"/>
-        </a:lnRef>
-        <a:fillRef idx="1">
-          <a:scrgbClr r="0" g="0" b="0"/>
-        </a:fillRef>
-        <a:effectRef idx="0">
-          <a:scrgbClr r="0" g="0" b="0"/>
-        </a:effectRef>
-        <a:fontRef idx="minor"/>
-      </dsp:style>
-    </dsp:sp>
-    <dsp:sp modelId="{EDA5C92A-B2FA-44DD-9D6B-B860107B806D}">
-      <dsp:nvSpPr>
-        <dsp:cNvPr id="0" name=""/>
-        <dsp:cNvSpPr/>
-      </dsp:nvSpPr>
-      <dsp:spPr>
-        <a:xfrm>
-          <a:off x="2105481" y="3600167"/>
-          <a:ext cx="7687453" cy="566955"/>
-        </a:xfrm>
-        <a:prstGeom prst="rect">
-          <a:avLst/>
-        </a:prstGeom>
-        <a:noFill/>
-        <a:ln>
-          <a:noFill/>
-        </a:ln>
-        <a:effectLst/>
-      </dsp:spPr>
-      <dsp:style>
-        <a:lnRef idx="0">
-          <a:scrgbClr r="0" g="0" b="0"/>
-        </a:lnRef>
-        <a:fillRef idx="0">
-          <a:scrgbClr r="0" g="0" b="0"/>
-        </a:fillRef>
-        <a:effectRef idx="0">
-          <a:scrgbClr r="0" g="0" b="0"/>
-        </a:effectRef>
-        <a:fontRef idx="minor"/>
-      </dsp:style>
-      <dsp:txBody>
-        <a:bodyPr spcFirstLastPara="0" vert="horz" wrap="square" lIns="76200" tIns="76200" rIns="76200" bIns="76200" numCol="1" spcCol="1270" anchor="t" anchorCtr="0">
-          <a:noAutofit/>
-        </a:bodyPr>
-        <a:lstStyle/>
-        <a:p>
-          <a:pPr lvl="0" algn="l" defTabSz="889000">
-            <a:lnSpc>
-              <a:spcPct val="90000"/>
-            </a:lnSpc>
-            <a:spcBef>
-              <a:spcPct val="0"/>
-            </a:spcBef>
-            <a:spcAft>
-              <a:spcPct val="35000"/>
-            </a:spcAft>
-          </a:pPr>
-          <a:r>
-            <a:rPr lang="en-US" altLang="zh-CN" sz="2000" kern="1200" dirty="0" smtClean="0"/>
-            <a:t>7 </a:t>
-          </a:r>
-          <a:r>
-            <a:rPr lang="zh-CN" altLang="en-US" sz="2000" kern="1200" dirty="0" smtClean="0"/>
-            <a:t>老化与协流</a:t>
-          </a:r>
-          <a:endParaRPr lang="zh-CN" altLang="en-US" sz="2000" kern="1200" dirty="0"/>
-        </a:p>
-      </dsp:txBody>
-      <dsp:txXfrm>
-        <a:off x="2105481" y="3600167"/>
-        <a:ext cx="7687453" cy="566955"/>
-      </dsp:txXfrm>
-    </dsp:sp>
-    <dsp:sp modelId="{1EA5A7C6-19D3-4973-8E67-21959E64E6F6}">
-      <dsp:nvSpPr>
-        <dsp:cNvPr id="0" name=""/>
-        <dsp:cNvSpPr/>
-      </dsp:nvSpPr>
-      <dsp:spPr>
-        <a:xfrm>
-          <a:off x="1958587" y="4167122"/>
-          <a:ext cx="7834348" cy="0"/>
-        </a:xfrm>
-        <a:prstGeom prst="line">
-          <a:avLst/>
-        </a:prstGeom>
-        <a:solidFill>
-          <a:schemeClr val="accent1">
-            <a:hueOff val="0"/>
-            <a:satOff val="0"/>
-            <a:lumOff val="0"/>
-            <a:alphaOff val="0"/>
-          </a:schemeClr>
-        </a:solidFill>
-        <a:ln w="12700" cap="flat" cmpd="sng" algn="ctr">
-          <a:solidFill>
-            <a:schemeClr val="accent1">
-              <a:tint val="50000"/>
-              <a:hueOff val="0"/>
-              <a:satOff val="0"/>
-              <a:lumOff val="0"/>
-              <a:alphaOff val="0"/>
-            </a:schemeClr>
-          </a:solidFill>
-          <a:prstDash val="solid"/>
-          <a:miter lim="800000"/>
-        </a:ln>
-        <a:effectLst/>
-      </dsp:spPr>
-      <dsp:style>
-        <a:lnRef idx="2">
-          <a:scrgbClr r="0" g="0" b="0"/>
-        </a:lnRef>
-        <a:fillRef idx="1">
-          <a:scrgbClr r="0" g="0" b="0"/>
-        </a:fillRef>
-        <a:effectRef idx="0">
-          <a:scrgbClr r="0" g="0" b="0"/>
-        </a:effectRef>
-        <a:fontRef idx="minor"/>
-      </dsp:style>
-    </dsp:sp>
-    <dsp:sp modelId="{482DC934-4C95-4AAC-B743-C3995FB6BCBE}">
-      <dsp:nvSpPr>
-        <dsp:cNvPr id="0" name=""/>
-        <dsp:cNvSpPr/>
-      </dsp:nvSpPr>
-      <dsp:spPr>
-        <a:xfrm>
-          <a:off x="2105481" y="4195470"/>
-          <a:ext cx="7687453" cy="566955"/>
-        </a:xfrm>
-        <a:prstGeom prst="rect">
-          <a:avLst/>
-        </a:prstGeom>
-        <a:noFill/>
-        <a:ln>
-          <a:noFill/>
-        </a:ln>
-        <a:effectLst/>
-      </dsp:spPr>
-      <dsp:style>
-        <a:lnRef idx="0">
-          <a:scrgbClr r="0" g="0" b="0"/>
-        </a:lnRef>
-        <a:fillRef idx="0">
-          <a:scrgbClr r="0" g="0" b="0"/>
-        </a:fillRef>
-        <a:effectRef idx="0">
-          <a:scrgbClr r="0" g="0" b="0"/>
-        </a:effectRef>
-        <a:fontRef idx="minor"/>
-      </dsp:style>
-      <dsp:txBody>
-        <a:bodyPr spcFirstLastPara="0" vert="horz" wrap="square" lIns="76200" tIns="76200" rIns="76200" bIns="76200" numCol="1" spcCol="1270" anchor="t" anchorCtr="0">
-          <a:noAutofit/>
-        </a:bodyPr>
-        <a:lstStyle/>
-        <a:p>
-          <a:pPr lvl="0" algn="l" defTabSz="889000">
-            <a:lnSpc>
-              <a:spcPct val="90000"/>
-            </a:lnSpc>
-            <a:spcBef>
-              <a:spcPct val="0"/>
-            </a:spcBef>
-            <a:spcAft>
-              <a:spcPct val="35000"/>
-            </a:spcAft>
-          </a:pPr>
-          <a:r>
-            <a:rPr lang="en-US" altLang="zh-CN" sz="2000" kern="1200" dirty="0" smtClean="0"/>
-            <a:t>8 </a:t>
-          </a:r>
-          <a:r>
-            <a:rPr lang="zh-CN" altLang="en-US" sz="2000" kern="1200" dirty="0" smtClean="0"/>
-            <a:t>系统基模</a:t>
-          </a:r>
-          <a:endParaRPr lang="zh-CN" altLang="en-US" sz="2000" kern="1200" dirty="0"/>
-        </a:p>
-      </dsp:txBody>
-      <dsp:txXfrm>
-        <a:off x="2105481" y="4195470"/>
-        <a:ext cx="7687453" cy="566955"/>
-      </dsp:txXfrm>
-    </dsp:sp>
-    <dsp:sp modelId="{3EA756C3-E16B-4A90-8602-1C2A5B0C79E3}">
-      <dsp:nvSpPr>
-        <dsp:cNvPr id="0" name=""/>
-        <dsp:cNvSpPr/>
-      </dsp:nvSpPr>
-      <dsp:spPr>
-        <a:xfrm>
-          <a:off x="1958587" y="4762425"/>
-          <a:ext cx="7834348" cy="0"/>
-        </a:xfrm>
-        <a:prstGeom prst="line">
-          <a:avLst/>
-        </a:prstGeom>
-        <a:solidFill>
-          <a:schemeClr val="accent1">
-            <a:hueOff val="0"/>
-            <a:satOff val="0"/>
-            <a:lumOff val="0"/>
-            <a:alphaOff val="0"/>
-          </a:schemeClr>
-        </a:solidFill>
-        <a:ln w="12700" cap="flat" cmpd="sng" algn="ctr">
-          <a:solidFill>
-            <a:schemeClr val="accent1">
-              <a:tint val="50000"/>
-              <a:hueOff val="0"/>
-              <a:satOff val="0"/>
-              <a:lumOff val="0"/>
-              <a:alphaOff val="0"/>
-            </a:schemeClr>
-          </a:solidFill>
-          <a:prstDash val="solid"/>
-          <a:miter lim="800000"/>
-        </a:ln>
-        <a:effectLst/>
-      </dsp:spPr>
-      <dsp:style>
-        <a:lnRef idx="2">
-          <a:scrgbClr r="0" g="0" b="0"/>
-        </a:lnRef>
-        <a:fillRef idx="1">
-          <a:scrgbClr r="0" g="0" b="0"/>
-        </a:fillRef>
-        <a:effectRef idx="0">
-          <a:scrgbClr r="0" g="0" b="0"/>
-        </a:effectRef>
-        <a:fontRef idx="minor"/>
-      </dsp:style>
-    </dsp:sp>
-    <dsp:sp modelId="{2812355F-EDDF-45CD-94ED-EB204B0F85BA}">
-      <dsp:nvSpPr>
-        <dsp:cNvPr id="0" name=""/>
-        <dsp:cNvSpPr/>
-      </dsp:nvSpPr>
-      <dsp:spPr>
-        <a:xfrm>
-          <a:off x="2105481" y="4790773"/>
-          <a:ext cx="7687453" cy="566955"/>
-        </a:xfrm>
-        <a:prstGeom prst="rect">
-          <a:avLst/>
-        </a:prstGeom>
-        <a:noFill/>
-        <a:ln>
-          <a:noFill/>
-        </a:ln>
-        <a:effectLst/>
-      </dsp:spPr>
-      <dsp:style>
-        <a:lnRef idx="0">
-          <a:scrgbClr r="0" g="0" b="0"/>
-        </a:lnRef>
-        <a:fillRef idx="0">
-          <a:scrgbClr r="0" g="0" b="0"/>
-        </a:fillRef>
-        <a:effectRef idx="0">
-          <a:scrgbClr r="0" g="0" b="0"/>
-        </a:effectRef>
-        <a:fontRef idx="minor"/>
-      </dsp:style>
-      <dsp:txBody>
-        <a:bodyPr spcFirstLastPara="0" vert="horz" wrap="square" lIns="76200" tIns="76200" rIns="76200" bIns="76200" numCol="1" spcCol="1270" anchor="t" anchorCtr="0">
-          <a:noAutofit/>
-        </a:bodyPr>
-        <a:lstStyle/>
-        <a:p>
-          <a:pPr lvl="0" algn="l" defTabSz="889000">
-            <a:lnSpc>
-              <a:spcPct val="90000"/>
-            </a:lnSpc>
-            <a:spcBef>
-              <a:spcPct val="0"/>
-            </a:spcBef>
-            <a:spcAft>
-              <a:spcPct val="35000"/>
-            </a:spcAft>
-          </a:pPr>
-          <a:r>
-            <a:rPr lang="zh-CN" altLang="en-US" sz="2000" kern="1200" dirty="0" smtClean="0"/>
-            <a:t>路径依赖（安排</a:t>
-          </a:r>
-          <a:r>
-            <a:rPr lang="zh-CN" altLang="en-US" sz="2000" kern="1200" dirty="0" smtClean="0"/>
-            <a:t>待定</a:t>
-          </a:r>
-          <a:r>
-            <a:rPr lang="zh-CN" altLang="en-US" sz="2000" kern="1200" dirty="0" smtClean="0"/>
-            <a:t>）</a:t>
-          </a:r>
-          <a:endParaRPr lang="zh-CN" altLang="en-US" sz="2000" kern="1200" dirty="0"/>
-        </a:p>
-      </dsp:txBody>
-      <dsp:txXfrm>
-        <a:off x="2105481" y="4790773"/>
-        <a:ext cx="7687453" cy="566955"/>
-      </dsp:txXfrm>
-    </dsp:sp>
-    <dsp:sp modelId="{509F1403-1D7B-4699-99AA-695C449E81BF}">
-      <dsp:nvSpPr>
-        <dsp:cNvPr id="0" name=""/>
-        <dsp:cNvSpPr/>
-      </dsp:nvSpPr>
-      <dsp:spPr>
-        <a:xfrm>
-          <a:off x="1958587" y="5357729"/>
-          <a:ext cx="7834348" cy="0"/>
-        </a:xfrm>
-        <a:prstGeom prst="line">
-          <a:avLst/>
-        </a:prstGeom>
-        <a:solidFill>
-          <a:schemeClr val="accent1">
-            <a:hueOff val="0"/>
-            <a:satOff val="0"/>
-            <a:lumOff val="0"/>
-            <a:alphaOff val="0"/>
-          </a:schemeClr>
-        </a:solidFill>
-        <a:ln w="12700" cap="flat" cmpd="sng" algn="ctr">
-          <a:solidFill>
-            <a:schemeClr val="accent1">
-              <a:tint val="50000"/>
-              <a:hueOff val="0"/>
-              <a:satOff val="0"/>
-              <a:lumOff val="0"/>
-              <a:alphaOff val="0"/>
-            </a:schemeClr>
-          </a:solidFill>
-          <a:prstDash val="solid"/>
-          <a:miter lim="800000"/>
-        </a:ln>
-        <a:effectLst/>
-      </dsp:spPr>
-      <dsp:style>
-        <a:lnRef idx="2">
-          <a:scrgbClr r="0" g="0" b="0"/>
-        </a:lnRef>
-        <a:fillRef idx="1">
-          <a:scrgbClr r="0" g="0" b="0"/>
-        </a:fillRef>
-        <a:effectRef idx="0">
-          <a:scrgbClr r="0" g="0" b="0"/>
-        </a:effectRef>
-        <a:fontRef idx="minor"/>
-      </dsp:style>
     </dsp:sp>
   </dsp:spTree>
 </dsp:drawing>
@@ -4351,1507 +1597,7 @@
 </dgm:layoutDef>
 </file>
 
-<file path=ppt/diagrams/layout2.xml><?xml version="1.0" encoding="utf-8"?>
-<dgm:layoutDef xmlns:dgm="http://schemas.openxmlformats.org/drawingml/2006/diagram" xmlns:a="http://schemas.openxmlformats.org/drawingml/2006/main" uniqueId="urn:microsoft.com/office/officeart/2008/layout/LinedList">
-  <dgm:title val=""/>
-  <dgm:desc val=""/>
-  <dgm:catLst>
-    <dgm:cat type="hierarchy" pri="8000"/>
-    <dgm:cat type="list" pri="2500"/>
-  </dgm:catLst>
-  <dgm:sampData>
-    <dgm:dataModel>
-      <dgm:ptLst>
-        <dgm:pt modelId="0" type="doc"/>
-        <dgm:pt modelId="1">
-          <dgm:prSet phldr="1"/>
-        </dgm:pt>
-        <dgm:pt modelId="11">
-          <dgm:prSet phldr="1"/>
-        </dgm:pt>
-        <dgm:pt modelId="12">
-          <dgm:prSet phldr="1"/>
-        </dgm:pt>
-        <dgm:pt modelId="13">
-          <dgm:prSet phldr="1"/>
-        </dgm:pt>
-      </dgm:ptLst>
-      <dgm:cxnLst>
-        <dgm:cxn modelId="2" srcId="0" destId="1" srcOrd="0" destOrd="0"/>
-        <dgm:cxn modelId="3" srcId="1" destId="11" srcOrd="0" destOrd="0"/>
-        <dgm:cxn modelId="4" srcId="1" destId="12" srcOrd="1" destOrd="0"/>
-        <dgm:cxn modelId="5" srcId="1" destId="13" srcOrd="2" destOrd="0"/>
-      </dgm:cxnLst>
-      <dgm:bg/>
-      <dgm:whole/>
-    </dgm:dataModel>
-  </dgm:sampData>
-  <dgm:styleData>
-    <dgm:dataModel>
-      <dgm:ptLst>
-        <dgm:pt modelId="0" type="doc"/>
-        <dgm:pt modelId="1">
-          <dgm:prSet phldr="1"/>
-        </dgm:pt>
-        <dgm:pt modelId="11">
-          <dgm:prSet phldr="1"/>
-        </dgm:pt>
-        <dgm:pt modelId="12">
-          <dgm:prSet phldr="1"/>
-        </dgm:pt>
-      </dgm:ptLst>
-      <dgm:cxnLst>
-        <dgm:cxn modelId="2" srcId="0" destId="1" srcOrd="0" destOrd="0"/>
-        <dgm:cxn modelId="3" srcId="1" destId="11" srcOrd="0" destOrd="0"/>
-        <dgm:cxn modelId="4" srcId="1" destId="12" srcOrd="1" destOrd="0"/>
-      </dgm:cxnLst>
-      <dgm:bg/>
-      <dgm:whole/>
-    </dgm:dataModel>
-  </dgm:styleData>
-  <dgm:clrData>
-    <dgm:dataModel>
-      <dgm:ptLst>
-        <dgm:pt modelId="0" type="doc"/>
-        <dgm:pt modelId="1">
-          <dgm:prSet phldr="1"/>
-        </dgm:pt>
-        <dgm:pt modelId="11">
-          <dgm:prSet phldr="1"/>
-        </dgm:pt>
-        <dgm:pt modelId="12">
-          <dgm:prSet phldr="1"/>
-        </dgm:pt>
-      </dgm:ptLst>
-      <dgm:cxnLst>
-        <dgm:cxn modelId="2" srcId="0" destId="1" srcOrd="0" destOrd="0"/>
-        <dgm:cxn modelId="3" srcId="1" destId="11" srcOrd="0" destOrd="0"/>
-        <dgm:cxn modelId="4" srcId="1" destId="12" srcOrd="1" destOrd="0"/>
-      </dgm:cxnLst>
-      <dgm:bg/>
-      <dgm:whole/>
-    </dgm:dataModel>
-  </dgm:clrData>
-  <dgm:layoutNode name="vert0">
-    <dgm:varLst>
-      <dgm:dir/>
-      <dgm:animOne val="branch"/>
-      <dgm:animLvl val="lvl"/>
-    </dgm:varLst>
-    <dgm:choose name="Name0">
-      <dgm:if name="Name1" func="var" arg="dir" op="equ" val="norm">
-        <dgm:alg type="lin">
-          <dgm:param type="linDir" val="fromT"/>
-          <dgm:param type="nodeHorzAlign" val="l"/>
-        </dgm:alg>
-      </dgm:if>
-      <dgm:else name="Name2">
-        <dgm:alg type="lin">
-          <dgm:param type="linDir" val="fromT"/>
-          <dgm:param type="nodeHorzAlign" val="r"/>
-        </dgm:alg>
-      </dgm:else>
-    </dgm:choose>
-    <dgm:shape xmlns:r="http://schemas.openxmlformats.org/officeDocument/2006/relationships" r:blip="">
-      <dgm:adjLst/>
-    </dgm:shape>
-    <dgm:presOf/>
-    <dgm:constrLst>
-      <dgm:constr type="w" for="ch" forName="horz1" refType="w"/>
-      <dgm:constr type="h" for="ch" forName="horz1" refType="h"/>
-      <dgm:constr type="h" for="des" forName="vert1" refType="h"/>
-      <dgm:constr type="h" for="des" forName="tx1" refType="h"/>
-      <dgm:constr type="h" for="des" forName="horz2" refType="h"/>
-      <dgm:constr type="h" for="des" forName="vert2" refType="h"/>
-      <dgm:constr type="h" for="des" forName="horz3" refType="h"/>
-      <dgm:constr type="h" for="des" forName="vert3" refType="h"/>
-      <dgm:constr type="h" for="des" forName="horz4" refType="h"/>
-      <dgm:constr type="h" for="des" ptType="node" refType="h"/>
-      <dgm:constr type="primFontSz" for="des" forName="tx1" op="equ" val="65"/>
-      <dgm:constr type="primFontSz" for="des" forName="tx2" op="equ" val="65"/>
-      <dgm:constr type="primFontSz" for="des" forName="tx3" op="equ" val="65"/>
-      <dgm:constr type="primFontSz" for="des" forName="tx4" op="equ" val="65"/>
-      <dgm:constr type="w" for="des" forName="thickLine" refType="w"/>
-      <dgm:constr type="h" for="des" forName="thickLine"/>
-      <dgm:constr type="h" for="des" forName="thinLine1"/>
-      <dgm:constr type="h" for="des" forName="thinLine2b"/>
-      <dgm:constr type="h" for="des" forName="thinLine3"/>
-      <dgm:constr type="h" for="des" forName="vertSpace2a" refType="h" fact="0.05"/>
-      <dgm:constr type="h" for="des" forName="vertSpace2b" refType="h" refFor="des" refForName="vertSpace2a"/>
-    </dgm:constrLst>
-    <dgm:forEach name="Name3" axis="ch" ptType="node">
-      <dgm:layoutNode name="thickLine" styleLbl="alignNode1">
-        <dgm:alg type="sp"/>
-        <dgm:shape xmlns:r="http://schemas.openxmlformats.org/officeDocument/2006/relationships" type="line" r:blip="">
-          <dgm:adjLst/>
-        </dgm:shape>
-        <dgm:presOf/>
-      </dgm:layoutNode>
-      <dgm:layoutNode name="horz1">
-        <dgm:choose name="Name4">
-          <dgm:if name="Name5" func="var" arg="dir" op="equ" val="norm">
-            <dgm:alg type="lin">
-              <dgm:param type="linDir" val="fromL"/>
-              <dgm:param type="nodeVertAlign" val="t"/>
-            </dgm:alg>
-          </dgm:if>
-          <dgm:else name="Name6">
-            <dgm:alg type="lin">
-              <dgm:param type="linDir" val="fromR"/>
-              <dgm:param type="nodeVertAlign" val="t"/>
-            </dgm:alg>
-          </dgm:else>
-        </dgm:choose>
-        <dgm:shape xmlns:r="http://schemas.openxmlformats.org/officeDocument/2006/relationships" r:blip="">
-          <dgm:adjLst/>
-        </dgm:shape>
-        <dgm:presOf/>
-        <dgm:choose name="Name7">
-          <dgm:if name="Name8" axis="root des" func="maxDepth" op="equ" val="1">
-            <dgm:constrLst>
-              <dgm:constr type="w" for="ch" forName="tx1" refType="w"/>
-            </dgm:constrLst>
-          </dgm:if>
-          <dgm:if name="Name9" axis="root des" func="maxDepth" op="equ" val="2">
-            <dgm:constrLst>
-              <dgm:constr type="w" for="ch" forName="tx1" refType="w" fact="0.2"/>
-              <dgm:constr type="w" for="des" forName="tx2" refType="w" fact="0.785"/>
-              <dgm:constr type="w" for="des" forName="horzSpace2" refType="w" fact="0.015"/>
-              <dgm:constr type="w" for="des" forName="thinLine2b" refType="w" fact="0.8"/>
-            </dgm:constrLst>
-          </dgm:if>
-          <dgm:if name="Name10" axis="root des" func="maxDepth" op="equ" val="3">
-            <dgm:constrLst>
-              <dgm:constr type="w" for="ch" forName="tx1" refType="w" fact="0.2"/>
-              <dgm:constr type="w" for="des" forName="tx2" refType="w" fact="0.385"/>
-              <dgm:constr type="w" for="des" forName="tx3" refType="w" fact="0.385"/>
-              <dgm:constr type="w" for="des" forName="horzSpace2" refType="w" fact="0.015"/>
-              <dgm:constr type="w" for="des" forName="horzSpace3" refType="w" fact="0.015"/>
-              <dgm:constr type="w" for="des" forName="thinLine2b" refType="w" fact="0.8"/>
-              <dgm:constr type="w" for="des" forName="thinLine3" refType="w" fact="0.385"/>
-            </dgm:constrLst>
-          </dgm:if>
-          <dgm:if name="Name11" axis="root des" func="maxDepth" op="gte" val="4">
-            <dgm:constrLst>
-              <dgm:constr type="w" for="ch" forName="tx1" refType="w" fact="0.2"/>
-              <dgm:constr type="w" for="des" forName="tx2" refType="w" fact="0.2516"/>
-              <dgm:constr type="w" for="des" forName="tx3" refType="w" fact="0.2516"/>
-              <dgm:constr type="w" for="des" forName="tx4" refType="w" fact="0.2516"/>
-              <dgm:constr type="w" for="des" forName="horzSpace2" refType="w" fact="0.015"/>
-              <dgm:constr type="w" for="des" forName="horzSpace3" refType="w" fact="0.015"/>
-              <dgm:constr type="w" for="des" forName="horzSpace4" refType="w" fact="0.015"/>
-              <dgm:constr type="w" for="des" forName="thinLine2b" refType="w" fact="0.8"/>
-              <dgm:constr type="w" for="des" forName="thinLine3" refType="w" fact="0.5332"/>
-            </dgm:constrLst>
-          </dgm:if>
-          <dgm:else name="Name12"/>
-        </dgm:choose>
-        <dgm:layoutNode name="tx1" styleLbl="revTx">
-          <dgm:alg type="tx">
-            <dgm:param type="parTxLTRAlign" val="l"/>
-            <dgm:param type="parTxRTLAlign" val="r"/>
-            <dgm:param type="txAnchorVert" val="t"/>
-          </dgm:alg>
-          <dgm:shape xmlns:r="http://schemas.openxmlformats.org/officeDocument/2006/relationships" type="rect" r:blip="">
-            <dgm:adjLst/>
-          </dgm:shape>
-          <dgm:presOf axis="self"/>
-          <dgm:constrLst>
-            <dgm:constr type="tMarg" refType="primFontSz" fact="0.3"/>
-            <dgm:constr type="bMarg" refType="primFontSz" fact="0.3"/>
-            <dgm:constr type="lMarg" refType="primFontSz" fact="0.3"/>
-            <dgm:constr type="rMarg" refType="primFontSz" fact="0.3"/>
-          </dgm:constrLst>
-          <dgm:ruleLst>
-            <dgm:rule type="primFontSz" val="5" fact="NaN" max="NaN"/>
-          </dgm:ruleLst>
-        </dgm:layoutNode>
-        <dgm:layoutNode name="vert1">
-          <dgm:choose name="Name13">
-            <dgm:if name="Name14" func="var" arg="dir" op="equ" val="norm">
-              <dgm:alg type="lin">
-                <dgm:param type="linDir" val="fromT"/>
-                <dgm:param type="nodeHorzAlign" val="l"/>
-              </dgm:alg>
-            </dgm:if>
-            <dgm:else name="Name15">
-              <dgm:alg type="lin">
-                <dgm:param type="linDir" val="fromT"/>
-                <dgm:param type="nodeHorzAlign" val="r"/>
-              </dgm:alg>
-            </dgm:else>
-          </dgm:choose>
-          <dgm:shape xmlns:r="http://schemas.openxmlformats.org/officeDocument/2006/relationships" r:blip="">
-            <dgm:adjLst/>
-          </dgm:shape>
-          <dgm:presOf/>
-          <dgm:forEach name="Name16" axis="ch" ptType="node">
-            <dgm:choose name="Name17">
-              <dgm:if name="Name18" axis="self" ptType="node" func="pos" op="equ" val="1">
-                <dgm:layoutNode name="vertSpace2a">
-                  <dgm:alg type="sp"/>
-                  <dgm:shape xmlns:r="http://schemas.openxmlformats.org/officeDocument/2006/relationships" r:blip="">
-                    <dgm:adjLst/>
-                  </dgm:shape>
-                  <dgm:presOf/>
-                </dgm:layoutNode>
-              </dgm:if>
-              <dgm:else name="Name19"/>
-            </dgm:choose>
-            <dgm:layoutNode name="horz2">
-              <dgm:choose name="Name20">
-                <dgm:if name="Name21" func="var" arg="dir" op="equ" val="norm">
-                  <dgm:alg type="lin">
-                    <dgm:param type="linDir" val="fromL"/>
-                    <dgm:param type="nodeVertAlign" val="t"/>
-                  </dgm:alg>
-                </dgm:if>
-                <dgm:else name="Name22">
-                  <dgm:alg type="lin">
-                    <dgm:param type="linDir" val="fromR"/>
-                    <dgm:param type="nodeVertAlign" val="t"/>
-                  </dgm:alg>
-                </dgm:else>
-              </dgm:choose>
-              <dgm:shape xmlns:r="http://schemas.openxmlformats.org/officeDocument/2006/relationships" r:blip="">
-                <dgm:adjLst/>
-              </dgm:shape>
-              <dgm:presOf/>
-              <dgm:layoutNode name="horzSpace2">
-                <dgm:alg type="sp"/>
-                <dgm:shape xmlns:r="http://schemas.openxmlformats.org/officeDocument/2006/relationships" r:blip="">
-                  <dgm:adjLst/>
-                </dgm:shape>
-                <dgm:presOf/>
-              </dgm:layoutNode>
-              <dgm:layoutNode name="tx2" styleLbl="revTx">
-                <dgm:alg type="tx">
-                  <dgm:param type="parTxLTRAlign" val="l"/>
-                  <dgm:param type="parTxRTLAlign" val="r"/>
-                  <dgm:param type="txAnchorVert" val="t"/>
-                </dgm:alg>
-                <dgm:shape xmlns:r="http://schemas.openxmlformats.org/officeDocument/2006/relationships" type="rect" r:blip="">
-                  <dgm:adjLst/>
-                </dgm:shape>
-                <dgm:presOf axis="self"/>
-                <dgm:constrLst>
-                  <dgm:constr type="tMarg" refType="primFontSz" fact="0.3"/>
-                  <dgm:constr type="bMarg" refType="primFontSz" fact="0.3"/>
-                  <dgm:constr type="lMarg" refType="primFontSz" fact="0.3"/>
-                  <dgm:constr type="rMarg" refType="primFontSz" fact="0.3"/>
-                </dgm:constrLst>
-                <dgm:ruleLst>
-                  <dgm:rule type="primFontSz" val="5" fact="NaN" max="NaN"/>
-                </dgm:ruleLst>
-              </dgm:layoutNode>
-              <dgm:layoutNode name="vert2">
-                <dgm:choose name="Name23">
-                  <dgm:if name="Name24" func="var" arg="dir" op="equ" val="norm">
-                    <dgm:alg type="lin">
-                      <dgm:param type="linDir" val="fromT"/>
-                      <dgm:param type="nodeHorzAlign" val="l"/>
-                    </dgm:alg>
-                  </dgm:if>
-                  <dgm:else name="Name25">
-                    <dgm:alg type="lin">
-                      <dgm:param type="linDir" val="fromT"/>
-                      <dgm:param type="nodeHorzAlign" val="r"/>
-                    </dgm:alg>
-                  </dgm:else>
-                </dgm:choose>
-                <dgm:shape xmlns:r="http://schemas.openxmlformats.org/officeDocument/2006/relationships" r:blip="">
-                  <dgm:adjLst/>
-                </dgm:shape>
-                <dgm:presOf/>
-                <dgm:forEach name="Name26" axis="ch" ptType="node">
-                  <dgm:layoutNode name="horz3">
-                    <dgm:choose name="Name27">
-                      <dgm:if name="Name28" func="var" arg="dir" op="equ" val="norm">
-                        <dgm:alg type="lin">
-                          <dgm:param type="linDir" val="fromL"/>
-                          <dgm:param type="nodeVertAlign" val="t"/>
-                        </dgm:alg>
-                      </dgm:if>
-                      <dgm:else name="Name29">
-                        <dgm:alg type="lin">
-                          <dgm:param type="linDir" val="fromR"/>
-                          <dgm:param type="nodeVertAlign" val="t"/>
-                        </dgm:alg>
-                      </dgm:else>
-                    </dgm:choose>
-                    <dgm:shape xmlns:r="http://schemas.openxmlformats.org/officeDocument/2006/relationships" r:blip="">
-                      <dgm:adjLst/>
-                    </dgm:shape>
-                    <dgm:presOf/>
-                    <dgm:layoutNode name="horzSpace3">
-                      <dgm:alg type="sp"/>
-                      <dgm:shape xmlns:r="http://schemas.openxmlformats.org/officeDocument/2006/relationships" r:blip="">
-                        <dgm:adjLst/>
-                      </dgm:shape>
-                      <dgm:presOf/>
-                    </dgm:layoutNode>
-                    <dgm:layoutNode name="tx3" styleLbl="revTx">
-                      <dgm:alg type="tx">
-                        <dgm:param type="parTxLTRAlign" val="l"/>
-                        <dgm:param type="parTxRTLAlign" val="r"/>
-                        <dgm:param type="txAnchorVert" val="t"/>
-                      </dgm:alg>
-                      <dgm:shape xmlns:r="http://schemas.openxmlformats.org/officeDocument/2006/relationships" type="rect" r:blip="">
-                        <dgm:adjLst/>
-                      </dgm:shape>
-                      <dgm:presOf axis="self"/>
-                      <dgm:constrLst>
-                        <dgm:constr type="tMarg" refType="primFontSz" fact="0.3"/>
-                        <dgm:constr type="bMarg" refType="primFontSz" fact="0.3"/>
-                        <dgm:constr type="lMarg" refType="primFontSz" fact="0.3"/>
-                        <dgm:constr type="rMarg" refType="primFontSz" fact="0.3"/>
-                      </dgm:constrLst>
-                      <dgm:ruleLst>
-                        <dgm:rule type="primFontSz" val="5" fact="NaN" max="NaN"/>
-                      </dgm:ruleLst>
-                    </dgm:layoutNode>
-                    <dgm:layoutNode name="vert3">
-                      <dgm:choose name="Name30">
-                        <dgm:if name="Name31" func="var" arg="dir" op="equ" val="norm">
-                          <dgm:alg type="lin">
-                            <dgm:param type="linDir" val="fromT"/>
-                            <dgm:param type="nodeHorzAlign" val="l"/>
-                          </dgm:alg>
-                        </dgm:if>
-                        <dgm:else name="Name32">
-                          <dgm:alg type="lin">
-                            <dgm:param type="linDir" val="fromT"/>
-                            <dgm:param type="nodeHorzAlign" val="r"/>
-                          </dgm:alg>
-                        </dgm:else>
-                      </dgm:choose>
-                      <dgm:shape xmlns:r="http://schemas.openxmlformats.org/officeDocument/2006/relationships" r:blip="">
-                        <dgm:adjLst/>
-                      </dgm:shape>
-                      <dgm:presOf/>
-                      <dgm:forEach name="Name33" axis="ch" ptType="node">
-                        <dgm:layoutNode name="horz4">
-                          <dgm:choose name="Name34">
-                            <dgm:if name="Name35" func="var" arg="dir" op="equ" val="norm">
-                              <dgm:alg type="lin">
-                                <dgm:param type="linDir" val="fromL"/>
-                                <dgm:param type="nodeVertAlign" val="t"/>
-                              </dgm:alg>
-                            </dgm:if>
-                            <dgm:else name="Name36">
-                              <dgm:alg type="lin">
-                                <dgm:param type="linDir" val="fromR"/>
-                                <dgm:param type="nodeVertAlign" val="t"/>
-                              </dgm:alg>
-                            </dgm:else>
-                          </dgm:choose>
-                          <dgm:shape xmlns:r="http://schemas.openxmlformats.org/officeDocument/2006/relationships" r:blip="">
-                            <dgm:adjLst/>
-                          </dgm:shape>
-                          <dgm:presOf/>
-                          <dgm:layoutNode name="horzSpace4">
-                            <dgm:alg type="sp"/>
-                            <dgm:shape xmlns:r="http://schemas.openxmlformats.org/officeDocument/2006/relationships" r:blip="">
-                              <dgm:adjLst/>
-                            </dgm:shape>
-                            <dgm:presOf/>
-                          </dgm:layoutNode>
-                          <dgm:layoutNode name="tx4" styleLbl="revTx">
-                            <dgm:varLst>
-                              <dgm:bulletEnabled val="1"/>
-                            </dgm:varLst>
-                            <dgm:alg type="tx">
-                              <dgm:param type="parTxLTRAlign" val="l"/>
-                              <dgm:param type="parTxRTLAlign" val="r"/>
-                              <dgm:param type="txAnchorVert" val="t"/>
-                            </dgm:alg>
-                            <dgm:shape xmlns:r="http://schemas.openxmlformats.org/officeDocument/2006/relationships" type="rect" r:blip="">
-                              <dgm:adjLst/>
-                            </dgm:shape>
-                            <dgm:presOf axis="desOrSelf" ptType="node"/>
-                            <dgm:constrLst>
-                              <dgm:constr type="tMarg" refType="primFontSz" fact="0.3"/>
-                              <dgm:constr type="bMarg" refType="primFontSz" fact="0.3"/>
-                              <dgm:constr type="lMarg" refType="primFontSz" fact="0.3"/>
-                              <dgm:constr type="rMarg" refType="primFontSz" fact="0.3"/>
-                            </dgm:constrLst>
-                            <dgm:ruleLst>
-                              <dgm:rule type="primFontSz" val="5" fact="NaN" max="NaN"/>
-                            </dgm:ruleLst>
-                          </dgm:layoutNode>
-                        </dgm:layoutNode>
-                      </dgm:forEach>
-                    </dgm:layoutNode>
-                  </dgm:layoutNode>
-                  <dgm:forEach name="Name37" axis="followSib" ptType="sibTrans" cnt="1">
-                    <dgm:layoutNode name="thinLine3" styleLbl="callout">
-                      <dgm:alg type="sp"/>
-                      <dgm:shape xmlns:r="http://schemas.openxmlformats.org/officeDocument/2006/relationships" type="line" r:blip="">
-                        <dgm:adjLst/>
-                      </dgm:shape>
-                      <dgm:presOf/>
-                    </dgm:layoutNode>
-                  </dgm:forEach>
-                </dgm:forEach>
-              </dgm:layoutNode>
-            </dgm:layoutNode>
-            <dgm:layoutNode name="thinLine2b" styleLbl="callout">
-              <dgm:alg type="sp"/>
-              <dgm:shape xmlns:r="http://schemas.openxmlformats.org/officeDocument/2006/relationships" type="line" r:blip="">
-                <dgm:adjLst/>
-              </dgm:shape>
-              <dgm:presOf/>
-            </dgm:layoutNode>
-            <dgm:layoutNode name="vertSpace2b">
-              <dgm:alg type="sp"/>
-              <dgm:shape xmlns:r="http://schemas.openxmlformats.org/officeDocument/2006/relationships" r:blip="">
-                <dgm:adjLst/>
-              </dgm:shape>
-              <dgm:presOf/>
-            </dgm:layoutNode>
-          </dgm:forEach>
-        </dgm:layoutNode>
-      </dgm:layoutNode>
-    </dgm:forEach>
-  </dgm:layoutNode>
-</dgm:layoutDef>
-</file>
-
 <file path=ppt/diagrams/quickStyle1.xml><?xml version="1.0" encoding="utf-8"?>
-<dgm:styleDef xmlns:dgm="http://schemas.openxmlformats.org/drawingml/2006/diagram" xmlns:a="http://schemas.openxmlformats.org/drawingml/2006/main" uniqueId="urn:microsoft.com/office/officeart/2005/8/quickstyle/simple1">
-  <dgm:title val=""/>
-  <dgm:desc val=""/>
-  <dgm:catLst>
-    <dgm:cat type="simple" pri="10100"/>
-  </dgm:catLst>
-  <dgm:scene3d>
-    <a:camera prst="orthographicFront"/>
-    <a:lightRig rig="threePt" dir="t"/>
-  </dgm:scene3d>
-  <dgm:styleLbl name="node0">
-    <dgm:scene3d>
-      <a:camera prst="orthographicFront"/>
-      <a:lightRig rig="threePt" dir="t"/>
-    </dgm:scene3d>
-    <dgm:sp3d/>
-    <dgm:txPr/>
-    <dgm:style>
-      <a:lnRef idx="2">
-        <a:scrgbClr r="0" g="0" b="0"/>
-      </a:lnRef>
-      <a:fillRef idx="1">
-        <a:scrgbClr r="0" g="0" b="0"/>
-      </a:fillRef>
-      <a:effectRef idx="0">
-        <a:scrgbClr r="0" g="0" b="0"/>
-      </a:effectRef>
-      <a:fontRef idx="minor">
-        <a:schemeClr val="lt1"/>
-      </a:fontRef>
-    </dgm:style>
-  </dgm:styleLbl>
-  <dgm:styleLbl name="lnNode1">
-    <dgm:scene3d>
-      <a:camera prst="orthographicFront"/>
-      <a:lightRig rig="threePt" dir="t"/>
-    </dgm:scene3d>
-    <dgm:sp3d/>
-    <dgm:txPr/>
-    <dgm:style>
-      <a:lnRef idx="2">
-        <a:scrgbClr r="0" g="0" b="0"/>
-      </a:lnRef>
-      <a:fillRef idx="1">
-        <a:scrgbClr r="0" g="0" b="0"/>
-      </a:fillRef>
-      <a:effectRef idx="0">
-        <a:scrgbClr r="0" g="0" b="0"/>
-      </a:effectRef>
-      <a:fontRef idx="minor">
-        <a:schemeClr val="lt1"/>
-      </a:fontRef>
-    </dgm:style>
-  </dgm:styleLbl>
-  <dgm:styleLbl name="vennNode1">
-    <dgm:scene3d>
-      <a:camera prst="orthographicFront"/>
-      <a:lightRig rig="threePt" dir="t"/>
-    </dgm:scene3d>
-    <dgm:sp3d/>
-    <dgm:txPr/>
-    <dgm:style>
-      <a:lnRef idx="2">
-        <a:scrgbClr r="0" g="0" b="0"/>
-      </a:lnRef>
-      <a:fillRef idx="1">
-        <a:scrgbClr r="0" g="0" b="0"/>
-      </a:fillRef>
-      <a:effectRef idx="0">
-        <a:scrgbClr r="0" g="0" b="0"/>
-      </a:effectRef>
-      <a:fontRef idx="minor">
-        <a:schemeClr val="tx1"/>
-      </a:fontRef>
-    </dgm:style>
-  </dgm:styleLbl>
-  <dgm:styleLbl name="alignNode1">
-    <dgm:scene3d>
-      <a:camera prst="orthographicFront"/>
-      <a:lightRig rig="threePt" dir="t"/>
-    </dgm:scene3d>
-    <dgm:sp3d/>
-    <dgm:txPr/>
-    <dgm:style>
-      <a:lnRef idx="2">
-        <a:scrgbClr r="0" g="0" b="0"/>
-      </a:lnRef>
-      <a:fillRef idx="1">
-        <a:scrgbClr r="0" g="0" b="0"/>
-      </a:fillRef>
-      <a:effectRef idx="0">
-        <a:scrgbClr r="0" g="0" b="0"/>
-      </a:effectRef>
-      <a:fontRef idx="minor">
-        <a:schemeClr val="lt1"/>
-      </a:fontRef>
-    </dgm:style>
-  </dgm:styleLbl>
-  <dgm:styleLbl name="node1">
-    <dgm:scene3d>
-      <a:camera prst="orthographicFront"/>
-      <a:lightRig rig="threePt" dir="t"/>
-    </dgm:scene3d>
-    <dgm:sp3d/>
-    <dgm:txPr/>
-    <dgm:style>
-      <a:lnRef idx="2">
-        <a:scrgbClr r="0" g="0" b="0"/>
-      </a:lnRef>
-      <a:fillRef idx="1">
-        <a:scrgbClr r="0" g="0" b="0"/>
-      </a:fillRef>
-      <a:effectRef idx="0">
-        <a:scrgbClr r="0" g="0" b="0"/>
-      </a:effectRef>
-      <a:fontRef idx="minor">
-        <a:schemeClr val="lt1"/>
-      </a:fontRef>
-    </dgm:style>
-  </dgm:styleLbl>
-  <dgm:styleLbl name="node2">
-    <dgm:scene3d>
-      <a:camera prst="orthographicFront"/>
-      <a:lightRig rig="threePt" dir="t"/>
-    </dgm:scene3d>
-    <dgm:sp3d/>
-    <dgm:txPr/>
-    <dgm:style>
-      <a:lnRef idx="2">
-        <a:scrgbClr r="0" g="0" b="0"/>
-      </a:lnRef>
-      <a:fillRef idx="1">
-        <a:scrgbClr r="0" g="0" b="0"/>
-      </a:fillRef>
-      <a:effectRef idx="0">
-        <a:scrgbClr r="0" g="0" b="0"/>
-      </a:effectRef>
-      <a:fontRef idx="minor">
-        <a:schemeClr val="lt1"/>
-      </a:fontRef>
-    </dgm:style>
-  </dgm:styleLbl>
-  <dgm:styleLbl name="node3">
-    <dgm:scene3d>
-      <a:camera prst="orthographicFront"/>
-      <a:lightRig rig="threePt" dir="t"/>
-    </dgm:scene3d>
-    <dgm:sp3d/>
-    <dgm:txPr/>
-    <dgm:style>
-      <a:lnRef idx="2">
-        <a:scrgbClr r="0" g="0" b="0"/>
-      </a:lnRef>
-      <a:fillRef idx="1">
-        <a:scrgbClr r="0" g="0" b="0"/>
-      </a:fillRef>
-      <a:effectRef idx="0">
-        <a:scrgbClr r="0" g="0" b="0"/>
-      </a:effectRef>
-      <a:fontRef idx="minor">
-        <a:schemeClr val="lt1"/>
-      </a:fontRef>
-    </dgm:style>
-  </dgm:styleLbl>
-  <dgm:styleLbl name="node4">
-    <dgm:scene3d>
-      <a:camera prst="orthographicFront"/>
-      <a:lightRig rig="threePt" dir="t"/>
-    </dgm:scene3d>
-    <dgm:sp3d/>
-    <dgm:txPr/>
-    <dgm:style>
-      <a:lnRef idx="2">
-        <a:scrgbClr r="0" g="0" b="0"/>
-      </a:lnRef>
-      <a:fillRef idx="1">
-        <a:scrgbClr r="0" g="0" b="0"/>
-      </a:fillRef>
-      <a:effectRef idx="0">
-        <a:scrgbClr r="0" g="0" b="0"/>
-      </a:effectRef>
-      <a:fontRef idx="minor">
-        <a:schemeClr val="lt1"/>
-      </a:fontRef>
-    </dgm:style>
-  </dgm:styleLbl>
-  <dgm:styleLbl name="fgImgPlace1">
-    <dgm:scene3d>
-      <a:camera prst="orthographicFront"/>
-      <a:lightRig rig="threePt" dir="t"/>
-    </dgm:scene3d>
-    <dgm:sp3d/>
-    <dgm:txPr/>
-    <dgm:style>
-      <a:lnRef idx="2">
-        <a:scrgbClr r="0" g="0" b="0"/>
-      </a:lnRef>
-      <a:fillRef idx="1">
-        <a:scrgbClr r="0" g="0" b="0"/>
-      </a:fillRef>
-      <a:effectRef idx="0">
-        <a:scrgbClr r="0" g="0" b="0"/>
-      </a:effectRef>
-      <a:fontRef idx="minor"/>
-    </dgm:style>
-  </dgm:styleLbl>
-  <dgm:styleLbl name="alignImgPlace1">
-    <dgm:scene3d>
-      <a:camera prst="orthographicFront"/>
-      <a:lightRig rig="threePt" dir="t"/>
-    </dgm:scene3d>
-    <dgm:sp3d/>
-    <dgm:txPr/>
-    <dgm:style>
-      <a:lnRef idx="2">
-        <a:scrgbClr r="0" g="0" b="0"/>
-      </a:lnRef>
-      <a:fillRef idx="1">
-        <a:scrgbClr r="0" g="0" b="0"/>
-      </a:fillRef>
-      <a:effectRef idx="0">
-        <a:scrgbClr r="0" g="0" b="0"/>
-      </a:effectRef>
-      <a:fontRef idx="minor"/>
-    </dgm:style>
-  </dgm:styleLbl>
-  <dgm:styleLbl name="bgImgPlace1">
-    <dgm:scene3d>
-      <a:camera prst="orthographicFront"/>
-      <a:lightRig rig="threePt" dir="t"/>
-    </dgm:scene3d>
-    <dgm:sp3d/>
-    <dgm:txPr/>
-    <dgm:style>
-      <a:lnRef idx="2">
-        <a:scrgbClr r="0" g="0" b="0"/>
-      </a:lnRef>
-      <a:fillRef idx="1">
-        <a:scrgbClr r="0" g="0" b="0"/>
-      </a:fillRef>
-      <a:effectRef idx="0">
-        <a:scrgbClr r="0" g="0" b="0"/>
-      </a:effectRef>
-      <a:fontRef idx="minor"/>
-    </dgm:style>
-  </dgm:styleLbl>
-  <dgm:styleLbl name="sibTrans2D1">
-    <dgm:scene3d>
-      <a:camera prst="orthographicFront"/>
-      <a:lightRig rig="threePt" dir="t"/>
-    </dgm:scene3d>
-    <dgm:sp3d/>
-    <dgm:txPr/>
-    <dgm:style>
-      <a:lnRef idx="0">
-        <a:scrgbClr r="0" g="0" b="0"/>
-      </a:lnRef>
-      <a:fillRef idx="1">
-        <a:scrgbClr r="0" g="0" b="0"/>
-      </a:fillRef>
-      <a:effectRef idx="0">
-        <a:scrgbClr r="0" g="0" b="0"/>
-      </a:effectRef>
-      <a:fontRef idx="minor">
-        <a:schemeClr val="lt1"/>
-      </a:fontRef>
-    </dgm:style>
-  </dgm:styleLbl>
-  <dgm:styleLbl name="fgSibTrans2D1">
-    <dgm:scene3d>
-      <a:camera prst="orthographicFront"/>
-      <a:lightRig rig="threePt" dir="t"/>
-    </dgm:scene3d>
-    <dgm:sp3d/>
-    <dgm:txPr/>
-    <dgm:style>
-      <a:lnRef idx="0">
-        <a:scrgbClr r="0" g="0" b="0"/>
-      </a:lnRef>
-      <a:fillRef idx="1">
-        <a:scrgbClr r="0" g="0" b="0"/>
-      </a:fillRef>
-      <a:effectRef idx="0">
-        <a:scrgbClr r="0" g="0" b="0"/>
-      </a:effectRef>
-      <a:fontRef idx="minor">
-        <a:schemeClr val="lt1"/>
-      </a:fontRef>
-    </dgm:style>
-  </dgm:styleLbl>
-  <dgm:styleLbl name="bgSibTrans2D1">
-    <dgm:scene3d>
-      <a:camera prst="orthographicFront"/>
-      <a:lightRig rig="threePt" dir="t"/>
-    </dgm:scene3d>
-    <dgm:sp3d/>
-    <dgm:txPr/>
-    <dgm:style>
-      <a:lnRef idx="0">
-        <a:scrgbClr r="0" g="0" b="0"/>
-      </a:lnRef>
-      <a:fillRef idx="1">
-        <a:scrgbClr r="0" g="0" b="0"/>
-      </a:fillRef>
-      <a:effectRef idx="0">
-        <a:scrgbClr r="0" g="0" b="0"/>
-      </a:effectRef>
-      <a:fontRef idx="minor">
-        <a:schemeClr val="lt1"/>
-      </a:fontRef>
-    </dgm:style>
-  </dgm:styleLbl>
-  <dgm:styleLbl name="sibTrans1D1">
-    <dgm:scene3d>
-      <a:camera prst="orthographicFront"/>
-      <a:lightRig rig="threePt" dir="t"/>
-    </dgm:scene3d>
-    <dgm:sp3d/>
-    <dgm:txPr/>
-    <dgm:style>
-      <a:lnRef idx="1">
-        <a:scrgbClr r="0" g="0" b="0"/>
-      </a:lnRef>
-      <a:fillRef idx="0">
-        <a:scrgbClr r="0" g="0" b="0"/>
-      </a:fillRef>
-      <a:effectRef idx="0">
-        <a:scrgbClr r="0" g="0" b="0"/>
-      </a:effectRef>
-      <a:fontRef idx="minor"/>
-    </dgm:style>
-  </dgm:styleLbl>
-  <dgm:styleLbl name="callout">
-    <dgm:scene3d>
-      <a:camera prst="orthographicFront"/>
-      <a:lightRig rig="threePt" dir="t"/>
-    </dgm:scene3d>
-    <dgm:sp3d/>
-    <dgm:txPr/>
-    <dgm:style>
-      <a:lnRef idx="2">
-        <a:scrgbClr r="0" g="0" b="0"/>
-      </a:lnRef>
-      <a:fillRef idx="1">
-        <a:scrgbClr r="0" g="0" b="0"/>
-      </a:fillRef>
-      <a:effectRef idx="0">
-        <a:scrgbClr r="0" g="0" b="0"/>
-      </a:effectRef>
-      <a:fontRef idx="minor"/>
-    </dgm:style>
-  </dgm:styleLbl>
-  <dgm:styleLbl name="asst0">
-    <dgm:scene3d>
-      <a:camera prst="orthographicFront"/>
-      <a:lightRig rig="threePt" dir="t"/>
-    </dgm:scene3d>
-    <dgm:sp3d/>
-    <dgm:txPr/>
-    <dgm:style>
-      <a:lnRef idx="2">
-        <a:scrgbClr r="0" g="0" b="0"/>
-      </a:lnRef>
-      <a:fillRef idx="1">
-        <a:scrgbClr r="0" g="0" b="0"/>
-      </a:fillRef>
-      <a:effectRef idx="0">
-        <a:scrgbClr r="0" g="0" b="0"/>
-      </a:effectRef>
-      <a:fontRef idx="minor">
-        <a:schemeClr val="lt1"/>
-      </a:fontRef>
-    </dgm:style>
-  </dgm:styleLbl>
-  <dgm:styleLbl name="asst1">
-    <dgm:scene3d>
-      <a:camera prst="orthographicFront"/>
-      <a:lightRig rig="threePt" dir="t"/>
-    </dgm:scene3d>
-    <dgm:sp3d/>
-    <dgm:txPr/>
-    <dgm:style>
-      <a:lnRef idx="2">
-        <a:scrgbClr r="0" g="0" b="0"/>
-      </a:lnRef>
-      <a:fillRef idx="1">
-        <a:scrgbClr r="0" g="0" b="0"/>
-      </a:fillRef>
-      <a:effectRef idx="0">
-        <a:scrgbClr r="0" g="0" b="0"/>
-      </a:effectRef>
-      <a:fontRef idx="minor">
-        <a:schemeClr val="lt1"/>
-      </a:fontRef>
-    </dgm:style>
-  </dgm:styleLbl>
-  <dgm:styleLbl name="asst2">
-    <dgm:scene3d>
-      <a:camera prst="orthographicFront"/>
-      <a:lightRig rig="threePt" dir="t"/>
-    </dgm:scene3d>
-    <dgm:sp3d/>
-    <dgm:txPr/>
-    <dgm:style>
-      <a:lnRef idx="2">
-        <a:scrgbClr r="0" g="0" b="0"/>
-      </a:lnRef>
-      <a:fillRef idx="1">
-        <a:scrgbClr r="0" g="0" b="0"/>
-      </a:fillRef>
-      <a:effectRef idx="0">
-        <a:scrgbClr r="0" g="0" b="0"/>
-      </a:effectRef>
-      <a:fontRef idx="minor">
-        <a:schemeClr val="lt1"/>
-      </a:fontRef>
-    </dgm:style>
-  </dgm:styleLbl>
-  <dgm:styleLbl name="asst3">
-    <dgm:scene3d>
-      <a:camera prst="orthographicFront"/>
-      <a:lightRig rig="threePt" dir="t"/>
-    </dgm:scene3d>
-    <dgm:sp3d/>
-    <dgm:txPr/>
-    <dgm:style>
-      <a:lnRef idx="2">
-        <a:scrgbClr r="0" g="0" b="0"/>
-      </a:lnRef>
-      <a:fillRef idx="1">
-        <a:scrgbClr r="0" g="0" b="0"/>
-      </a:fillRef>
-      <a:effectRef idx="0">
-        <a:scrgbClr r="0" g="0" b="0"/>
-      </a:effectRef>
-      <a:fontRef idx="minor">
-        <a:schemeClr val="lt1"/>
-      </a:fontRef>
-    </dgm:style>
-  </dgm:styleLbl>
-  <dgm:styleLbl name="asst4">
-    <dgm:scene3d>
-      <a:camera prst="orthographicFront"/>
-      <a:lightRig rig="threePt" dir="t"/>
-    </dgm:scene3d>
-    <dgm:sp3d/>
-    <dgm:txPr/>
-    <dgm:style>
-      <a:lnRef idx="2">
-        <a:scrgbClr r="0" g="0" b="0"/>
-      </a:lnRef>
-      <a:fillRef idx="1">
-        <a:scrgbClr r="0" g="0" b="0"/>
-      </a:fillRef>
-      <a:effectRef idx="0">
-        <a:scrgbClr r="0" g="0" b="0"/>
-      </a:effectRef>
-      <a:fontRef idx="minor">
-        <a:schemeClr val="lt1"/>
-      </a:fontRef>
-    </dgm:style>
-  </dgm:styleLbl>
-  <dgm:styleLbl name="parChTrans2D1">
-    <dgm:scene3d>
-      <a:camera prst="orthographicFront"/>
-      <a:lightRig rig="threePt" dir="t"/>
-    </dgm:scene3d>
-    <dgm:sp3d/>
-    <dgm:txPr/>
-    <dgm:style>
-      <a:lnRef idx="2">
-        <a:scrgbClr r="0" g="0" b="0"/>
-      </a:lnRef>
-      <a:fillRef idx="1">
-        <a:scrgbClr r="0" g="0" b="0"/>
-      </a:fillRef>
-      <a:effectRef idx="0">
-        <a:scrgbClr r="0" g="0" b="0"/>
-      </a:effectRef>
-      <a:fontRef idx="minor">
-        <a:schemeClr val="lt1"/>
-      </a:fontRef>
-    </dgm:style>
-  </dgm:styleLbl>
-  <dgm:styleLbl name="parChTrans2D2">
-    <dgm:scene3d>
-      <a:camera prst="orthographicFront"/>
-      <a:lightRig rig="threePt" dir="t"/>
-    </dgm:scene3d>
-    <dgm:sp3d/>
-    <dgm:txPr/>
-    <dgm:style>
-      <a:lnRef idx="2">
-        <a:scrgbClr r="0" g="0" b="0"/>
-      </a:lnRef>
-      <a:fillRef idx="1">
-        <a:scrgbClr r="0" g="0" b="0"/>
-      </a:fillRef>
-      <a:effectRef idx="0">
-        <a:scrgbClr r="0" g="0" b="0"/>
-      </a:effectRef>
-      <a:fontRef idx="minor">
-        <a:schemeClr val="lt1"/>
-      </a:fontRef>
-    </dgm:style>
-  </dgm:styleLbl>
-  <dgm:styleLbl name="parChTrans2D3">
-    <dgm:scene3d>
-      <a:camera prst="orthographicFront"/>
-      <a:lightRig rig="threePt" dir="t"/>
-    </dgm:scene3d>
-    <dgm:sp3d/>
-    <dgm:txPr/>
-    <dgm:style>
-      <a:lnRef idx="2">
-        <a:scrgbClr r="0" g="0" b="0"/>
-      </a:lnRef>
-      <a:fillRef idx="1">
-        <a:scrgbClr r="0" g="0" b="0"/>
-      </a:fillRef>
-      <a:effectRef idx="0">
-        <a:scrgbClr r="0" g="0" b="0"/>
-      </a:effectRef>
-      <a:fontRef idx="minor">
-        <a:schemeClr val="lt1"/>
-      </a:fontRef>
-    </dgm:style>
-  </dgm:styleLbl>
-  <dgm:styleLbl name="parChTrans2D4">
-    <dgm:scene3d>
-      <a:camera prst="orthographicFront"/>
-      <a:lightRig rig="threePt" dir="t"/>
-    </dgm:scene3d>
-    <dgm:sp3d/>
-    <dgm:txPr/>
-    <dgm:style>
-      <a:lnRef idx="2">
-        <a:scrgbClr r="0" g="0" b="0"/>
-      </a:lnRef>
-      <a:fillRef idx="1">
-        <a:scrgbClr r="0" g="0" b="0"/>
-      </a:fillRef>
-      <a:effectRef idx="0">
-        <a:scrgbClr r="0" g="0" b="0"/>
-      </a:effectRef>
-      <a:fontRef idx="minor">
-        <a:schemeClr val="lt1"/>
-      </a:fontRef>
-    </dgm:style>
-  </dgm:styleLbl>
-  <dgm:styleLbl name="parChTrans1D1">
-    <dgm:scene3d>
-      <a:camera prst="orthographicFront"/>
-      <a:lightRig rig="threePt" dir="t"/>
-    </dgm:scene3d>
-    <dgm:sp3d/>
-    <dgm:txPr/>
-    <dgm:style>
-      <a:lnRef idx="2">
-        <a:scrgbClr r="0" g="0" b="0"/>
-      </a:lnRef>
-      <a:fillRef idx="0">
-        <a:scrgbClr r="0" g="0" b="0"/>
-      </a:fillRef>
-      <a:effectRef idx="0">
-        <a:scrgbClr r="0" g="0" b="0"/>
-      </a:effectRef>
-      <a:fontRef idx="minor"/>
-    </dgm:style>
-  </dgm:styleLbl>
-  <dgm:styleLbl name="parChTrans1D2">
-    <dgm:scene3d>
-      <a:camera prst="orthographicFront"/>
-      <a:lightRig rig="threePt" dir="t"/>
-    </dgm:scene3d>
-    <dgm:sp3d/>
-    <dgm:txPr/>
-    <dgm:style>
-      <a:lnRef idx="2">
-        <a:scrgbClr r="0" g="0" b="0"/>
-      </a:lnRef>
-      <a:fillRef idx="0">
-        <a:scrgbClr r="0" g="0" b="0"/>
-      </a:fillRef>
-      <a:effectRef idx="0">
-        <a:scrgbClr r="0" g="0" b="0"/>
-      </a:effectRef>
-      <a:fontRef idx="minor"/>
-    </dgm:style>
-  </dgm:styleLbl>
-  <dgm:styleLbl name="parChTrans1D3">
-    <dgm:scene3d>
-      <a:camera prst="orthographicFront"/>
-      <a:lightRig rig="threePt" dir="t"/>
-    </dgm:scene3d>
-    <dgm:sp3d/>
-    <dgm:txPr/>
-    <dgm:style>
-      <a:lnRef idx="2">
-        <a:scrgbClr r="0" g="0" b="0"/>
-      </a:lnRef>
-      <a:fillRef idx="0">
-        <a:scrgbClr r="0" g="0" b="0"/>
-      </a:fillRef>
-      <a:effectRef idx="0">
-        <a:scrgbClr r="0" g="0" b="0"/>
-      </a:effectRef>
-      <a:fontRef idx="minor"/>
-    </dgm:style>
-  </dgm:styleLbl>
-  <dgm:styleLbl name="parChTrans1D4">
-    <dgm:scene3d>
-      <a:camera prst="orthographicFront"/>
-      <a:lightRig rig="threePt" dir="t"/>
-    </dgm:scene3d>
-    <dgm:sp3d/>
-    <dgm:txPr/>
-    <dgm:style>
-      <a:lnRef idx="2">
-        <a:scrgbClr r="0" g="0" b="0"/>
-      </a:lnRef>
-      <a:fillRef idx="0">
-        <a:scrgbClr r="0" g="0" b="0"/>
-      </a:fillRef>
-      <a:effectRef idx="0">
-        <a:scrgbClr r="0" g="0" b="0"/>
-      </a:effectRef>
-      <a:fontRef idx="minor"/>
-    </dgm:style>
-  </dgm:styleLbl>
-  <dgm:styleLbl name="fgAcc1">
-    <dgm:scene3d>
-      <a:camera prst="orthographicFront"/>
-      <a:lightRig rig="threePt" dir="t"/>
-    </dgm:scene3d>
-    <dgm:sp3d/>
-    <dgm:txPr/>
-    <dgm:style>
-      <a:lnRef idx="2">
-        <a:scrgbClr r="0" g="0" b="0"/>
-      </a:lnRef>
-      <a:fillRef idx="1">
-        <a:scrgbClr r="0" g="0" b="0"/>
-      </a:fillRef>
-      <a:effectRef idx="0">
-        <a:scrgbClr r="0" g="0" b="0"/>
-      </a:effectRef>
-      <a:fontRef idx="minor"/>
-    </dgm:style>
-  </dgm:styleLbl>
-  <dgm:styleLbl name="conFgAcc1">
-    <dgm:scene3d>
-      <a:camera prst="orthographicFront"/>
-      <a:lightRig rig="threePt" dir="t"/>
-    </dgm:scene3d>
-    <dgm:sp3d/>
-    <dgm:txPr/>
-    <dgm:style>
-      <a:lnRef idx="2">
-        <a:scrgbClr r="0" g="0" b="0"/>
-      </a:lnRef>
-      <a:fillRef idx="1">
-        <a:scrgbClr r="0" g="0" b="0"/>
-      </a:fillRef>
-      <a:effectRef idx="0">
-        <a:scrgbClr r="0" g="0" b="0"/>
-      </a:effectRef>
-      <a:fontRef idx="minor"/>
-    </dgm:style>
-  </dgm:styleLbl>
-  <dgm:styleLbl name="alignAcc1">
-    <dgm:scene3d>
-      <a:camera prst="orthographicFront"/>
-      <a:lightRig rig="threePt" dir="t"/>
-    </dgm:scene3d>
-    <dgm:sp3d/>
-    <dgm:txPr/>
-    <dgm:style>
-      <a:lnRef idx="2">
-        <a:scrgbClr r="0" g="0" b="0"/>
-      </a:lnRef>
-      <a:fillRef idx="1">
-        <a:scrgbClr r="0" g="0" b="0"/>
-      </a:fillRef>
-      <a:effectRef idx="0">
-        <a:scrgbClr r="0" g="0" b="0"/>
-      </a:effectRef>
-      <a:fontRef idx="minor"/>
-    </dgm:style>
-  </dgm:styleLbl>
-  <dgm:styleLbl name="trAlignAcc1">
-    <dgm:scene3d>
-      <a:camera prst="orthographicFront"/>
-      <a:lightRig rig="threePt" dir="t"/>
-    </dgm:scene3d>
-    <dgm:sp3d/>
-    <dgm:txPr/>
-    <dgm:style>
-      <a:lnRef idx="1">
-        <a:scrgbClr r="0" g="0" b="0"/>
-      </a:lnRef>
-      <a:fillRef idx="1">
-        <a:scrgbClr r="0" g="0" b="0"/>
-      </a:fillRef>
-      <a:effectRef idx="0">
-        <a:scrgbClr r="0" g="0" b="0"/>
-      </a:effectRef>
-      <a:fontRef idx="minor"/>
-    </dgm:style>
-  </dgm:styleLbl>
-  <dgm:styleLbl name="bgAcc1">
-    <dgm:scene3d>
-      <a:camera prst="orthographicFront"/>
-      <a:lightRig rig="threePt" dir="t"/>
-    </dgm:scene3d>
-    <dgm:sp3d/>
-    <dgm:txPr/>
-    <dgm:style>
-      <a:lnRef idx="2">
-        <a:scrgbClr r="0" g="0" b="0"/>
-      </a:lnRef>
-      <a:fillRef idx="1">
-        <a:scrgbClr r="0" g="0" b="0"/>
-      </a:fillRef>
-      <a:effectRef idx="0">
-        <a:scrgbClr r="0" g="0" b="0"/>
-      </a:effectRef>
-      <a:fontRef idx="minor"/>
-    </dgm:style>
-  </dgm:styleLbl>
-  <dgm:styleLbl name="solidFgAcc1">
-    <dgm:scene3d>
-      <a:camera prst="orthographicFront"/>
-      <a:lightRig rig="threePt" dir="t"/>
-    </dgm:scene3d>
-    <dgm:sp3d/>
-    <dgm:txPr/>
-    <dgm:style>
-      <a:lnRef idx="2">
-        <a:scrgbClr r="0" g="0" b="0"/>
-      </a:lnRef>
-      <a:fillRef idx="1">
-        <a:scrgbClr r="0" g="0" b="0"/>
-      </a:fillRef>
-      <a:effectRef idx="0">
-        <a:scrgbClr r="0" g="0" b="0"/>
-      </a:effectRef>
-      <a:fontRef idx="minor"/>
-    </dgm:style>
-  </dgm:styleLbl>
-  <dgm:styleLbl name="solidAlignAcc1">
-    <dgm:scene3d>
-      <a:camera prst="orthographicFront"/>
-      <a:lightRig rig="threePt" dir="t"/>
-    </dgm:scene3d>
-    <dgm:sp3d/>
-    <dgm:txPr/>
-    <dgm:style>
-      <a:lnRef idx="2">
-        <a:scrgbClr r="0" g="0" b="0"/>
-      </a:lnRef>
-      <a:fillRef idx="1">
-        <a:scrgbClr r="0" g="0" b="0"/>
-      </a:fillRef>
-      <a:effectRef idx="0">
-        <a:scrgbClr r="0" g="0" b="0"/>
-      </a:effectRef>
-      <a:fontRef idx="minor"/>
-    </dgm:style>
-  </dgm:styleLbl>
-  <dgm:styleLbl name="solidBgAcc1">
-    <dgm:scene3d>
-      <a:camera prst="orthographicFront"/>
-      <a:lightRig rig="threePt" dir="t"/>
-    </dgm:scene3d>
-    <dgm:sp3d/>
-    <dgm:txPr/>
-    <dgm:style>
-      <a:lnRef idx="2">
-        <a:scrgbClr r="0" g="0" b="0"/>
-      </a:lnRef>
-      <a:fillRef idx="1">
-        <a:scrgbClr r="0" g="0" b="0"/>
-      </a:fillRef>
-      <a:effectRef idx="0">
-        <a:scrgbClr r="0" g="0" b="0"/>
-      </a:effectRef>
-      <a:fontRef idx="minor"/>
-    </dgm:style>
-  </dgm:styleLbl>
-  <dgm:styleLbl name="fgAccFollowNode1">
-    <dgm:scene3d>
-      <a:camera prst="orthographicFront"/>
-      <a:lightRig rig="threePt" dir="t"/>
-    </dgm:scene3d>
-    <dgm:sp3d/>
-    <dgm:txPr/>
-    <dgm:style>
-      <a:lnRef idx="2">
-        <a:scrgbClr r="0" g="0" b="0"/>
-      </a:lnRef>
-      <a:fillRef idx="1">
-        <a:scrgbClr r="0" g="0" b="0"/>
-      </a:fillRef>
-      <a:effectRef idx="0">
-        <a:scrgbClr r="0" g="0" b="0"/>
-      </a:effectRef>
-      <a:fontRef idx="minor"/>
-    </dgm:style>
-  </dgm:styleLbl>
-  <dgm:styleLbl name="alignAccFollowNode1">
-    <dgm:scene3d>
-      <a:camera prst="orthographicFront"/>
-      <a:lightRig rig="threePt" dir="t"/>
-    </dgm:scene3d>
-    <dgm:sp3d/>
-    <dgm:txPr/>
-    <dgm:style>
-      <a:lnRef idx="2">
-        <a:scrgbClr r="0" g="0" b="0"/>
-      </a:lnRef>
-      <a:fillRef idx="1">
-        <a:scrgbClr r="0" g="0" b="0"/>
-      </a:fillRef>
-      <a:effectRef idx="0">
-        <a:scrgbClr r="0" g="0" b="0"/>
-      </a:effectRef>
-      <a:fontRef idx="minor"/>
-    </dgm:style>
-  </dgm:styleLbl>
-  <dgm:styleLbl name="bgAccFollowNode1">
-    <dgm:scene3d>
-      <a:camera prst="orthographicFront"/>
-      <a:lightRig rig="threePt" dir="t"/>
-    </dgm:scene3d>
-    <dgm:sp3d/>
-    <dgm:txPr/>
-    <dgm:style>
-      <a:lnRef idx="2">
-        <a:scrgbClr r="0" g="0" b="0"/>
-      </a:lnRef>
-      <a:fillRef idx="1">
-        <a:scrgbClr r="0" g="0" b="0"/>
-      </a:fillRef>
-      <a:effectRef idx="0">
-        <a:scrgbClr r="0" g="0" b="0"/>
-      </a:effectRef>
-      <a:fontRef idx="minor"/>
-    </dgm:style>
-  </dgm:styleLbl>
-  <dgm:styleLbl name="fgAcc0">
-    <dgm:scene3d>
-      <a:camera prst="orthographicFront"/>
-      <a:lightRig rig="threePt" dir="t"/>
-    </dgm:scene3d>
-    <dgm:sp3d/>
-    <dgm:txPr/>
-    <dgm:style>
-      <a:lnRef idx="2">
-        <a:scrgbClr r="0" g="0" b="0"/>
-      </a:lnRef>
-      <a:fillRef idx="1">
-        <a:scrgbClr r="0" g="0" b="0"/>
-      </a:fillRef>
-      <a:effectRef idx="0">
-        <a:scrgbClr r="0" g="0" b="0"/>
-      </a:effectRef>
-      <a:fontRef idx="minor"/>
-    </dgm:style>
-  </dgm:styleLbl>
-  <dgm:styleLbl name="fgAcc2">
-    <dgm:scene3d>
-      <a:camera prst="orthographicFront"/>
-      <a:lightRig rig="threePt" dir="t"/>
-    </dgm:scene3d>
-    <dgm:sp3d/>
-    <dgm:txPr/>
-    <dgm:style>
-      <a:lnRef idx="2">
-        <a:scrgbClr r="0" g="0" b="0"/>
-      </a:lnRef>
-      <a:fillRef idx="1">
-        <a:scrgbClr r="0" g="0" b="0"/>
-      </a:fillRef>
-      <a:effectRef idx="0">
-        <a:scrgbClr r="0" g="0" b="0"/>
-      </a:effectRef>
-      <a:fontRef idx="minor"/>
-    </dgm:style>
-  </dgm:styleLbl>
-  <dgm:styleLbl name="fgAcc3">
-    <dgm:scene3d>
-      <a:camera prst="orthographicFront"/>
-      <a:lightRig rig="threePt" dir="t"/>
-    </dgm:scene3d>
-    <dgm:sp3d/>
-    <dgm:txPr/>
-    <dgm:style>
-      <a:lnRef idx="2">
-        <a:scrgbClr r="0" g="0" b="0"/>
-      </a:lnRef>
-      <a:fillRef idx="1">
-        <a:scrgbClr r="0" g="0" b="0"/>
-      </a:fillRef>
-      <a:effectRef idx="0">
-        <a:scrgbClr r="0" g="0" b="0"/>
-      </a:effectRef>
-      <a:fontRef idx="minor"/>
-    </dgm:style>
-  </dgm:styleLbl>
-  <dgm:styleLbl name="fgAcc4">
-    <dgm:scene3d>
-      <a:camera prst="orthographicFront"/>
-      <a:lightRig rig="threePt" dir="t"/>
-    </dgm:scene3d>
-    <dgm:sp3d/>
-    <dgm:txPr/>
-    <dgm:style>
-      <a:lnRef idx="2">
-        <a:scrgbClr r="0" g="0" b="0"/>
-      </a:lnRef>
-      <a:fillRef idx="1">
-        <a:scrgbClr r="0" g="0" b="0"/>
-      </a:fillRef>
-      <a:effectRef idx="0">
-        <a:scrgbClr r="0" g="0" b="0"/>
-      </a:effectRef>
-      <a:fontRef idx="minor"/>
-    </dgm:style>
-  </dgm:styleLbl>
-  <dgm:styleLbl name="bgShp">
-    <dgm:scene3d>
-      <a:camera prst="orthographicFront"/>
-      <a:lightRig rig="threePt" dir="t"/>
-    </dgm:scene3d>
-    <dgm:sp3d/>
-    <dgm:txPr/>
-    <dgm:style>
-      <a:lnRef idx="0">
-        <a:scrgbClr r="0" g="0" b="0"/>
-      </a:lnRef>
-      <a:fillRef idx="1">
-        <a:scrgbClr r="0" g="0" b="0"/>
-      </a:fillRef>
-      <a:effectRef idx="0">
-        <a:scrgbClr r="0" g="0" b="0"/>
-      </a:effectRef>
-      <a:fontRef idx="minor"/>
-    </dgm:style>
-  </dgm:styleLbl>
-  <dgm:styleLbl name="dkBgShp">
-    <dgm:scene3d>
-      <a:camera prst="orthographicFront"/>
-      <a:lightRig rig="threePt" dir="t"/>
-    </dgm:scene3d>
-    <dgm:sp3d/>
-    <dgm:txPr/>
-    <dgm:style>
-      <a:lnRef idx="0">
-        <a:scrgbClr r="0" g="0" b="0"/>
-      </a:lnRef>
-      <a:fillRef idx="1">
-        <a:scrgbClr r="0" g="0" b="0"/>
-      </a:fillRef>
-      <a:effectRef idx="0">
-        <a:scrgbClr r="0" g="0" b="0"/>
-      </a:effectRef>
-      <a:fontRef idx="minor"/>
-    </dgm:style>
-  </dgm:styleLbl>
-  <dgm:styleLbl name="trBgShp">
-    <dgm:scene3d>
-      <a:camera prst="orthographicFront"/>
-      <a:lightRig rig="threePt" dir="t"/>
-    </dgm:scene3d>
-    <dgm:sp3d/>
-    <dgm:txPr/>
-    <dgm:style>
-      <a:lnRef idx="0">
-        <a:scrgbClr r="0" g="0" b="0"/>
-      </a:lnRef>
-      <a:fillRef idx="1">
-        <a:scrgbClr r="0" g="0" b="0"/>
-      </a:fillRef>
-      <a:effectRef idx="0">
-        <a:scrgbClr r="0" g="0" b="0"/>
-      </a:effectRef>
-      <a:fontRef idx="minor"/>
-    </dgm:style>
-  </dgm:styleLbl>
-  <dgm:styleLbl name="fgShp">
-    <dgm:scene3d>
-      <a:camera prst="orthographicFront"/>
-      <a:lightRig rig="threePt" dir="t"/>
-    </dgm:scene3d>
-    <dgm:sp3d/>
-    <dgm:txPr/>
-    <dgm:style>
-      <a:lnRef idx="2">
-        <a:scrgbClr r="0" g="0" b="0"/>
-      </a:lnRef>
-      <a:fillRef idx="1">
-        <a:scrgbClr r="0" g="0" b="0"/>
-      </a:fillRef>
-      <a:effectRef idx="0">
-        <a:scrgbClr r="0" g="0" b="0"/>
-      </a:effectRef>
-      <a:fontRef idx="minor"/>
-    </dgm:style>
-  </dgm:styleLbl>
-  <dgm:styleLbl name="revTx">
-    <dgm:scene3d>
-      <a:camera prst="orthographicFront"/>
-      <a:lightRig rig="threePt" dir="t"/>
-    </dgm:scene3d>
-    <dgm:sp3d/>
-    <dgm:txPr/>
-    <dgm:style>
-      <a:lnRef idx="0">
-        <a:scrgbClr r="0" g="0" b="0"/>
-      </a:lnRef>
-      <a:fillRef idx="0">
-        <a:scrgbClr r="0" g="0" b="0"/>
-      </a:fillRef>
-      <a:effectRef idx="0">
-        <a:scrgbClr r="0" g="0" b="0"/>
-      </a:effectRef>
-      <a:fontRef idx="minor"/>
-    </dgm:style>
-  </dgm:styleLbl>
-</dgm:styleDef>
-</file>
-
-<file path=ppt/diagrams/quickStyle2.xml><?xml version="1.0" encoding="utf-8"?>
 <dgm:styleDef xmlns:dgm="http://schemas.openxmlformats.org/drawingml/2006/diagram" xmlns:a="http://schemas.openxmlformats.org/drawingml/2006/main" uniqueId="urn:microsoft.com/office/officeart/2005/8/quickstyle/simple1">
   <dgm:title val=""/>
   <dgm:desc val=""/>
@@ -6975,7 +2721,7 @@
                 <a:latin typeface="微软雅黑" panose="020B0503020204020204" pitchFamily="34" charset="-122"/>
                 <a:ea typeface="微软雅黑" panose="020B0503020204020204" pitchFamily="34" charset="-122"/>
               </a:rPr>
-              <a:t>2018年4月22日</a:t>
+              <a:t>2019年4月13日 Saturday</a:t>
             </a:fld>
             <a:endParaRPr lang="zh-CN" altLang="en-US" dirty="0">
               <a:latin typeface="微软雅黑" panose="020B0503020204020204" pitchFamily="34" charset="-122"/>
@@ -7167,7 +2913,7 @@
             <a:fld id="{07D6BDDC-F39A-4E16-93D6-E40B88AA6D58}" type="datetime2">
               <a:rPr lang="zh-CN" altLang="en-US" smtClean="0"/>
               <a:pPr/>
-              <a:t>2018年4月22日</a:t>
+              <a:t>2019年4月13日 Saturday</a:t>
             </a:fld>
             <a:endParaRPr lang="zh-CN" altLang="en-US" dirty="0"/>
           </a:p>
@@ -8325,7 +4071,7 @@
           <a:p>
             <a:pPr rtl="0"/>
             <a:r>
-              <a:rPr lang="zh-CN" altLang="en-US" noProof="0" smtClean="0"/>
+              <a:rPr lang="zh-CN" altLang="en-US" noProof="0"/>
               <a:t>单击此处编辑母版标题样式</a:t>
             </a:r>
             <a:endParaRPr lang="zh-CN" altLang="en-US" noProof="0" dirty="0"/>
@@ -8450,7 +4196,7 @@
           <a:p>
             <a:pPr rtl="0"/>
             <a:r>
-              <a:rPr lang="zh-CN" altLang="en-US" noProof="0" smtClean="0"/>
+              <a:rPr lang="zh-CN" altLang="en-US" noProof="0"/>
               <a:t>单击以编辑母版副标题样式</a:t>
             </a:r>
             <a:endParaRPr lang="zh-CN" altLang="en-US" noProof="0" dirty="0"/>
@@ -8485,7 +4231,7 @@
             <a:fld id="{4947C3F0-2957-4D41-9FB7-182757A04D67}" type="datetime2">
               <a:rPr lang="zh-CN" altLang="en-US" smtClean="0"/>
               <a:pPr/>
-              <a:t>2018年4月22日</a:t>
+              <a:t>2019年4月13日 Saturday</a:t>
             </a:fld>
             <a:endParaRPr lang="zh-CN" altLang="en-US" dirty="0"/>
           </a:p>
@@ -8621,7 +4367,7 @@
           <a:p>
             <a:pPr rtl="0"/>
             <a:r>
-              <a:rPr lang="zh-CN" altLang="en-US" noProof="0" smtClean="0"/>
+              <a:rPr lang="zh-CN" altLang="en-US" noProof="0"/>
               <a:t>单击此处编辑母版标题样式</a:t>
             </a:r>
             <a:endParaRPr lang="zh-CN" altLang="en-US" noProof="0" dirty="0"/>
@@ -8661,35 +4407,35 @@
           <a:p>
             <a:pPr lvl="0" rtl="0"/>
             <a:r>
-              <a:rPr lang="zh-CN" altLang="en-US" noProof="0" smtClean="0"/>
+              <a:rPr lang="zh-CN" altLang="en-US" noProof="0"/>
               <a:t>编辑母版文本样式</a:t>
             </a:r>
           </a:p>
           <a:p>
             <a:pPr lvl="1" rtl="0"/>
             <a:r>
-              <a:rPr lang="zh-CN" altLang="en-US" noProof="0" smtClean="0"/>
+              <a:rPr lang="zh-CN" altLang="en-US" noProof="0"/>
               <a:t>第二级</a:t>
             </a:r>
           </a:p>
           <a:p>
             <a:pPr lvl="2" rtl="0"/>
             <a:r>
-              <a:rPr lang="zh-CN" altLang="en-US" noProof="0" smtClean="0"/>
+              <a:rPr lang="zh-CN" altLang="en-US" noProof="0"/>
               <a:t>第三级</a:t>
             </a:r>
           </a:p>
           <a:p>
             <a:pPr lvl="3" rtl="0"/>
             <a:r>
-              <a:rPr lang="zh-CN" altLang="en-US" noProof="0" smtClean="0"/>
+              <a:rPr lang="zh-CN" altLang="en-US" noProof="0"/>
               <a:t>第四级</a:t>
             </a:r>
           </a:p>
           <a:p>
             <a:pPr lvl="4" rtl="0"/>
             <a:r>
-              <a:rPr lang="zh-CN" altLang="en-US" noProof="0" smtClean="0"/>
+              <a:rPr lang="zh-CN" altLang="en-US" noProof="0"/>
               <a:t>第五级</a:t>
             </a:r>
             <a:endParaRPr lang="zh-CN" altLang="en-US" noProof="0" dirty="0"/>
@@ -8718,7 +4464,7 @@
             <a:fld id="{8DF8E148-EC1F-43A2-8C9E-1F57F6D08A76}" type="datetime2">
               <a:rPr lang="zh-CN" altLang="en-US" smtClean="0"/>
               <a:pPr/>
-              <a:t>2018年4月22日</a:t>
+              <a:t>2019年4月13日 Saturday</a:t>
             </a:fld>
             <a:endParaRPr lang="zh-CN" altLang="en-US" dirty="0"/>
           </a:p>
@@ -9481,7 +5227,7 @@
           <a:p>
             <a:pPr rtl="0"/>
             <a:r>
-              <a:rPr lang="zh-CN" altLang="en-US" noProof="0" smtClean="0"/>
+              <a:rPr lang="zh-CN" altLang="en-US" noProof="0"/>
               <a:t>单击此处编辑母版标题样式</a:t>
             </a:r>
             <a:endParaRPr lang="zh-CN" altLang="en-US" noProof="0" dirty="0"/>
@@ -9541,35 +5287,35 @@
           <a:p>
             <a:pPr lvl="0" rtl="0"/>
             <a:r>
-              <a:rPr lang="zh-CN" altLang="en-US" noProof="0" smtClean="0"/>
+              <a:rPr lang="zh-CN" altLang="en-US" noProof="0"/>
               <a:t>编辑母版文本样式</a:t>
             </a:r>
           </a:p>
           <a:p>
             <a:pPr lvl="1" rtl="0"/>
             <a:r>
-              <a:rPr lang="zh-CN" altLang="en-US" noProof="0" smtClean="0"/>
+              <a:rPr lang="zh-CN" altLang="en-US" noProof="0"/>
               <a:t>第二级</a:t>
             </a:r>
           </a:p>
           <a:p>
             <a:pPr lvl="2" rtl="0"/>
             <a:r>
-              <a:rPr lang="zh-CN" altLang="en-US" noProof="0" smtClean="0"/>
+              <a:rPr lang="zh-CN" altLang="en-US" noProof="0"/>
               <a:t>第三级</a:t>
             </a:r>
           </a:p>
           <a:p>
             <a:pPr lvl="3" rtl="0"/>
             <a:r>
-              <a:rPr lang="zh-CN" altLang="en-US" noProof="0" smtClean="0"/>
+              <a:rPr lang="zh-CN" altLang="en-US" noProof="0"/>
               <a:t>第四级</a:t>
             </a:r>
           </a:p>
           <a:p>
             <a:pPr lvl="4" rtl="0"/>
             <a:r>
-              <a:rPr lang="zh-CN" altLang="en-US" noProof="0" smtClean="0"/>
+              <a:rPr lang="zh-CN" altLang="en-US" noProof="0"/>
               <a:t>第五级</a:t>
             </a:r>
             <a:endParaRPr lang="zh-CN" altLang="en-US" noProof="0" dirty="0"/>
@@ -9601,7 +5347,7 @@
             <a:fld id="{FB7B4C11-1E14-4887-9E78-A9346EC068F1}" type="datetime2">
               <a:rPr lang="zh-CN" altLang="en-US" smtClean="0"/>
               <a:pPr/>
-              <a:t>2018年4月22日</a:t>
+              <a:t>2019年4月13日 Saturday</a:t>
             </a:fld>
             <a:endParaRPr lang="zh-CN" altLang="en-US" dirty="0"/>
           </a:p>
@@ -9733,7 +5479,7 @@
           <a:p>
             <a:pPr rtl="0"/>
             <a:r>
-              <a:rPr lang="zh-CN" altLang="en-US" smtClean="0"/>
+              <a:rPr lang="zh-CN" altLang="en-US"/>
               <a:t>单击此处编辑母版标题样式</a:t>
             </a:r>
             <a:endParaRPr lang="zh-CN" altLang="en-US" dirty="0"/>
@@ -9800,35 +5546,35 @@
           <a:p>
             <a:pPr lvl="0" rtl="0"/>
             <a:r>
-              <a:rPr lang="zh-CN" altLang="en-US" smtClean="0"/>
+              <a:rPr lang="zh-CN" altLang="en-US"/>
               <a:t>编辑母版文本样式</a:t>
             </a:r>
           </a:p>
           <a:p>
             <a:pPr lvl="1" rtl="0"/>
             <a:r>
-              <a:rPr lang="zh-CN" altLang="en-US" smtClean="0"/>
+              <a:rPr lang="zh-CN" altLang="en-US"/>
               <a:t>第二级</a:t>
             </a:r>
           </a:p>
           <a:p>
             <a:pPr lvl="2" rtl="0"/>
             <a:r>
-              <a:rPr lang="zh-CN" altLang="en-US" smtClean="0"/>
+              <a:rPr lang="zh-CN" altLang="en-US"/>
               <a:t>第三级</a:t>
             </a:r>
           </a:p>
           <a:p>
             <a:pPr lvl="3" rtl="0"/>
             <a:r>
-              <a:rPr lang="zh-CN" altLang="en-US" smtClean="0"/>
+              <a:rPr lang="zh-CN" altLang="en-US"/>
               <a:t>第四级</a:t>
             </a:r>
           </a:p>
           <a:p>
             <a:pPr lvl="4" rtl="0"/>
             <a:r>
-              <a:rPr lang="zh-CN" altLang="en-US" smtClean="0"/>
+              <a:rPr lang="zh-CN" altLang="en-US"/>
               <a:t>第五级</a:t>
             </a:r>
             <a:endParaRPr lang="zh-CN" altLang="en-US" dirty="0"/>
@@ -9860,7 +5606,7 @@
             <a:fld id="{86FD5D46-E987-42B2-B42C-B8920598FADE}" type="datetime2">
               <a:rPr lang="zh-CN" altLang="en-US" smtClean="0"/>
               <a:pPr/>
-              <a:t>2018年4月22日</a:t>
+              <a:t>2019年4月13日 Saturday</a:t>
             </a:fld>
             <a:endParaRPr lang="zh-CN" altLang="en-US" dirty="0"/>
           </a:p>
@@ -9949,13 +5695,6 @@
       </p:transition>
     </mc:Fallback>
   </mc:AlternateContent>
-  <p:timing>
-    <p:tnLst>
-      <p:par>
-        <p:cTn id="1" dur="indefinite" restart="never" nodeType="tmRoot"/>
-      </p:par>
-    </p:tnLst>
-  </p:timing>
 </p:sldLayout>
 </file>
 
@@ -11035,7 +6774,7 @@
           <a:p>
             <a:pPr rtl="0"/>
             <a:r>
-              <a:rPr lang="zh-CN" altLang="en-US" noProof="0" smtClean="0"/>
+              <a:rPr lang="zh-CN" altLang="en-US" noProof="0"/>
               <a:t>单击此处编辑母版标题样式</a:t>
             </a:r>
             <a:endParaRPr lang="zh-CN" altLang="en-US" noProof="0" dirty="0"/>
@@ -11160,7 +6899,7 @@
           <a:p>
             <a:pPr lvl="0" rtl="0"/>
             <a:r>
-              <a:rPr lang="zh-CN" altLang="en-US" noProof="0" smtClean="0"/>
+              <a:rPr lang="zh-CN" altLang="en-US" noProof="0"/>
               <a:t>编辑母版文本样式</a:t>
             </a:r>
           </a:p>
@@ -11194,7 +6933,7 @@
             <a:fld id="{8365F240-A7EF-41C8-A85B-C448CF84B5E5}" type="datetime2">
               <a:rPr lang="zh-CN" altLang="en-US" smtClean="0"/>
               <a:pPr/>
-              <a:t>2018年4月22日</a:t>
+              <a:t>2019年4月13日 Saturday</a:t>
             </a:fld>
             <a:endParaRPr lang="zh-CN" altLang="en-US" dirty="0"/>
           </a:p>
@@ -11330,7 +7069,7 @@
           <a:p>
             <a:pPr rtl="0"/>
             <a:r>
-              <a:rPr lang="zh-CN" altLang="en-US" smtClean="0"/>
+              <a:rPr lang="zh-CN" altLang="en-US"/>
               <a:t>单击此处编辑母版标题样式</a:t>
             </a:r>
             <a:endParaRPr lang="zh-CN" altLang="en-US" dirty="0"/>
@@ -11387,35 +7126,35 @@
           <a:p>
             <a:pPr lvl="0" rtl="0"/>
             <a:r>
-              <a:rPr lang="zh-CN" altLang="en-US" smtClean="0"/>
+              <a:rPr lang="zh-CN" altLang="en-US"/>
               <a:t>编辑母版文本样式</a:t>
             </a:r>
           </a:p>
           <a:p>
             <a:pPr lvl="1" rtl="0"/>
             <a:r>
-              <a:rPr lang="zh-CN" altLang="en-US" smtClean="0"/>
+              <a:rPr lang="zh-CN" altLang="en-US"/>
               <a:t>第二级</a:t>
             </a:r>
           </a:p>
           <a:p>
             <a:pPr lvl="2" rtl="0"/>
             <a:r>
-              <a:rPr lang="zh-CN" altLang="en-US" smtClean="0"/>
+              <a:rPr lang="zh-CN" altLang="en-US"/>
               <a:t>第三级</a:t>
             </a:r>
           </a:p>
           <a:p>
             <a:pPr lvl="3" rtl="0"/>
             <a:r>
-              <a:rPr lang="zh-CN" altLang="en-US" smtClean="0"/>
+              <a:rPr lang="zh-CN" altLang="en-US"/>
               <a:t>第四级</a:t>
             </a:r>
           </a:p>
           <a:p>
             <a:pPr lvl="4" rtl="0"/>
             <a:r>
-              <a:rPr lang="zh-CN" altLang="en-US" smtClean="0"/>
+              <a:rPr lang="zh-CN" altLang="en-US"/>
               <a:t>第五级</a:t>
             </a:r>
             <a:endParaRPr lang="zh-CN" altLang="en-US" dirty="0"/>
@@ -11472,35 +7211,35 @@
           <a:p>
             <a:pPr lvl="0" rtl="0"/>
             <a:r>
-              <a:rPr lang="zh-CN" altLang="en-US" smtClean="0"/>
+              <a:rPr lang="zh-CN" altLang="en-US"/>
               <a:t>编辑母版文本样式</a:t>
             </a:r>
           </a:p>
           <a:p>
             <a:pPr lvl="1" rtl="0"/>
             <a:r>
-              <a:rPr lang="zh-CN" altLang="en-US" smtClean="0"/>
+              <a:rPr lang="zh-CN" altLang="en-US"/>
               <a:t>第二级</a:t>
             </a:r>
           </a:p>
           <a:p>
             <a:pPr lvl="2" rtl="0"/>
             <a:r>
-              <a:rPr lang="zh-CN" altLang="en-US" smtClean="0"/>
+              <a:rPr lang="zh-CN" altLang="en-US"/>
               <a:t>第三级</a:t>
             </a:r>
           </a:p>
           <a:p>
             <a:pPr lvl="3" rtl="0"/>
             <a:r>
-              <a:rPr lang="zh-CN" altLang="en-US" smtClean="0"/>
+              <a:rPr lang="zh-CN" altLang="en-US"/>
               <a:t>第四级</a:t>
             </a:r>
           </a:p>
           <a:p>
             <a:pPr lvl="4" rtl="0"/>
             <a:r>
-              <a:rPr lang="zh-CN" altLang="en-US" smtClean="0"/>
+              <a:rPr lang="zh-CN" altLang="en-US"/>
               <a:t>第五级</a:t>
             </a:r>
             <a:endParaRPr lang="zh-CN" altLang="en-US" dirty="0"/>
@@ -11529,7 +7268,7 @@
             <a:fld id="{F770B30E-8728-44DB-AEE3-E4A75AEDBBD9}" type="datetime2">
               <a:rPr lang="zh-CN" altLang="en-US" smtClean="0"/>
               <a:pPr/>
-              <a:t>2018年4月22日</a:t>
+              <a:t>2019年4月13日 Saturday</a:t>
             </a:fld>
             <a:endParaRPr lang="zh-CN" altLang="en-US" dirty="0"/>
           </a:p>
@@ -11648,7 +7387,7 @@
           <a:p>
             <a:pPr rtl="0"/>
             <a:r>
-              <a:rPr lang="zh-CN" altLang="en-US" smtClean="0"/>
+              <a:rPr lang="zh-CN" altLang="en-US"/>
               <a:t>单击此处编辑母版标题样式</a:t>
             </a:r>
             <a:endParaRPr lang="zh-CN" altLang="en-US" dirty="0"/>
@@ -11722,7 +7461,7 @@
           <a:p>
             <a:pPr lvl="0" rtl="0"/>
             <a:r>
-              <a:rPr lang="zh-CN" altLang="en-US" smtClean="0"/>
+              <a:rPr lang="zh-CN" altLang="en-US"/>
               <a:t>编辑母版文本样式</a:t>
             </a:r>
           </a:p>
@@ -11795,35 +7534,35 @@
           <a:p>
             <a:pPr lvl="0" rtl="0"/>
             <a:r>
-              <a:rPr lang="zh-CN" altLang="en-US" smtClean="0"/>
+              <a:rPr lang="zh-CN" altLang="en-US"/>
               <a:t>编辑母版文本样式</a:t>
             </a:r>
           </a:p>
           <a:p>
             <a:pPr lvl="1" rtl="0"/>
             <a:r>
-              <a:rPr lang="zh-CN" altLang="en-US" smtClean="0"/>
+              <a:rPr lang="zh-CN" altLang="en-US"/>
               <a:t>第二级</a:t>
             </a:r>
           </a:p>
           <a:p>
             <a:pPr lvl="2" rtl="0"/>
             <a:r>
-              <a:rPr lang="zh-CN" altLang="en-US" smtClean="0"/>
+              <a:rPr lang="zh-CN" altLang="en-US"/>
               <a:t>第三级</a:t>
             </a:r>
           </a:p>
           <a:p>
             <a:pPr lvl="3" rtl="0"/>
             <a:r>
-              <a:rPr lang="zh-CN" altLang="en-US" smtClean="0"/>
+              <a:rPr lang="zh-CN" altLang="en-US"/>
               <a:t>第四级</a:t>
             </a:r>
           </a:p>
           <a:p>
             <a:pPr lvl="4" rtl="0"/>
             <a:r>
-              <a:rPr lang="zh-CN" altLang="en-US" smtClean="0"/>
+              <a:rPr lang="zh-CN" altLang="en-US"/>
               <a:t>第五级</a:t>
             </a:r>
             <a:endParaRPr lang="zh-CN" altLang="en-US" dirty="0"/>
@@ -11897,7 +7636,7 @@
           <a:p>
             <a:pPr lvl="0" rtl="0"/>
             <a:r>
-              <a:rPr lang="zh-CN" altLang="en-US" smtClean="0"/>
+              <a:rPr lang="zh-CN" altLang="en-US"/>
               <a:t>编辑母版文本样式</a:t>
             </a:r>
           </a:p>
@@ -11970,35 +7709,35 @@
           <a:p>
             <a:pPr lvl="0" rtl="0"/>
             <a:r>
-              <a:rPr lang="zh-CN" altLang="en-US" smtClean="0"/>
+              <a:rPr lang="zh-CN" altLang="en-US"/>
               <a:t>编辑母版文本样式</a:t>
             </a:r>
           </a:p>
           <a:p>
             <a:pPr lvl="1" rtl="0"/>
             <a:r>
-              <a:rPr lang="zh-CN" altLang="en-US" smtClean="0"/>
+              <a:rPr lang="zh-CN" altLang="en-US"/>
               <a:t>第二级</a:t>
             </a:r>
           </a:p>
           <a:p>
             <a:pPr lvl="2" rtl="0"/>
             <a:r>
-              <a:rPr lang="zh-CN" altLang="en-US" smtClean="0"/>
+              <a:rPr lang="zh-CN" altLang="en-US"/>
               <a:t>第三级</a:t>
             </a:r>
           </a:p>
           <a:p>
             <a:pPr lvl="3" rtl="0"/>
             <a:r>
-              <a:rPr lang="zh-CN" altLang="en-US" smtClean="0"/>
+              <a:rPr lang="zh-CN" altLang="en-US"/>
               <a:t>第四级</a:t>
             </a:r>
           </a:p>
           <a:p>
             <a:pPr lvl="4" rtl="0"/>
             <a:r>
-              <a:rPr lang="zh-CN" altLang="en-US" smtClean="0"/>
+              <a:rPr lang="zh-CN" altLang="en-US"/>
               <a:t>第五级</a:t>
             </a:r>
             <a:endParaRPr lang="zh-CN" altLang="en-US" dirty="0"/>
@@ -12030,7 +7769,7 @@
             <a:fld id="{680BCF82-A51A-4389-A573-378AD02C5141}" type="datetime2">
               <a:rPr lang="zh-CN" altLang="en-US" smtClean="0"/>
               <a:pPr/>
-              <a:t>2018年4月22日</a:t>
+              <a:t>2019年4月13日 Saturday</a:t>
             </a:fld>
             <a:endParaRPr lang="zh-CN" altLang="en-US" dirty="0"/>
           </a:p>
@@ -12156,7 +7895,7 @@
           <a:p>
             <a:pPr rtl="0"/>
             <a:r>
-              <a:rPr lang="zh-CN" altLang="en-US" smtClean="0"/>
+              <a:rPr lang="zh-CN" altLang="en-US"/>
               <a:t>单击此处编辑母版标题样式</a:t>
             </a:r>
             <a:endParaRPr lang="zh-CN" altLang="en-US" dirty="0"/>
@@ -12185,7 +7924,7 @@
             <a:fld id="{CE03A716-E3DC-4D9D-823C-60FCD8C9B163}" type="datetime2">
               <a:rPr lang="zh-CN" altLang="en-US" smtClean="0"/>
               <a:pPr/>
-              <a:t>2018年4月22日</a:t>
+              <a:t>2019年4月13日 Saturday</a:t>
             </a:fld>
             <a:endParaRPr lang="zh-CN" altLang="en-US" dirty="0"/>
           </a:p>
@@ -12545,7 +8284,7 @@
             <a:fld id="{C16B8A94-44E5-4844-A22C-F796FCAA90D9}" type="datetime2">
               <a:rPr lang="zh-CN" altLang="en-US" smtClean="0"/>
               <a:pPr/>
-              <a:t>2018年4月22日</a:t>
+              <a:t>2019年4月13日 Saturday</a:t>
             </a:fld>
             <a:endParaRPr lang="zh-CN" altLang="en-US" dirty="0"/>
           </a:p>
@@ -12880,7 +8619,7 @@
           <a:p>
             <a:pPr rtl="0"/>
             <a:r>
-              <a:rPr lang="zh-CN" altLang="en-US" noProof="0" smtClean="0"/>
+              <a:rPr lang="zh-CN" altLang="en-US" noProof="0"/>
               <a:t>单击此处编辑母版标题样式</a:t>
             </a:r>
             <a:endParaRPr lang="zh-CN" altLang="en-US" noProof="0" dirty="0"/>
@@ -12954,35 +8693,35 @@
           <a:p>
             <a:pPr lvl="0" rtl="0"/>
             <a:r>
-              <a:rPr lang="zh-CN" altLang="en-US" noProof="0" smtClean="0"/>
+              <a:rPr lang="zh-CN" altLang="en-US" noProof="0"/>
               <a:t>编辑母版文本样式</a:t>
             </a:r>
           </a:p>
           <a:p>
             <a:pPr lvl="1" rtl="0"/>
             <a:r>
-              <a:rPr lang="zh-CN" altLang="en-US" noProof="0" smtClean="0"/>
+              <a:rPr lang="zh-CN" altLang="en-US" noProof="0"/>
               <a:t>第二级</a:t>
             </a:r>
           </a:p>
           <a:p>
             <a:pPr lvl="2" rtl="0"/>
             <a:r>
-              <a:rPr lang="zh-CN" altLang="en-US" noProof="0" smtClean="0"/>
+              <a:rPr lang="zh-CN" altLang="en-US" noProof="0"/>
               <a:t>第三级</a:t>
             </a:r>
           </a:p>
           <a:p>
             <a:pPr lvl="3" rtl="0"/>
             <a:r>
-              <a:rPr lang="zh-CN" altLang="en-US" noProof="0" smtClean="0"/>
+              <a:rPr lang="zh-CN" altLang="en-US" noProof="0"/>
               <a:t>第四级</a:t>
             </a:r>
           </a:p>
           <a:p>
             <a:pPr lvl="4" rtl="0"/>
             <a:r>
-              <a:rPr lang="zh-CN" altLang="en-US" noProof="0" smtClean="0"/>
+              <a:rPr lang="zh-CN" altLang="en-US" noProof="0"/>
               <a:t>第五级</a:t>
             </a:r>
             <a:endParaRPr lang="zh-CN" altLang="en-US" noProof="0" dirty="0"/>
@@ -13056,7 +8795,7 @@
           <a:p>
             <a:pPr lvl="0" rtl="0"/>
             <a:r>
-              <a:rPr lang="zh-CN" altLang="en-US" noProof="0" smtClean="0"/>
+              <a:rPr lang="zh-CN" altLang="en-US" noProof="0"/>
               <a:t>编辑母版文本样式</a:t>
             </a:r>
           </a:p>
@@ -13087,7 +8826,7 @@
             <a:fld id="{F288B2AC-AC0A-4E49-82A3-94EE74FA7FBF}" type="datetime2">
               <a:rPr lang="zh-CN" altLang="en-US" smtClean="0"/>
               <a:pPr/>
-              <a:t>2018年4月22日</a:t>
+              <a:t>2019年4月13日 Saturday</a:t>
             </a:fld>
             <a:endParaRPr lang="zh-CN" altLang="en-US" dirty="0"/>
           </a:p>
@@ -13175,13 +8914,6 @@
       </p:transition>
     </mc:Fallback>
   </mc:AlternateContent>
-  <p:timing>
-    <p:tnLst>
-      <p:par>
-        <p:cTn id="1" dur="indefinite" restart="never" nodeType="tmRoot"/>
-      </p:par>
-    </p:tnLst>
-  </p:timing>
 </p:sldLayout>
 </file>
 
@@ -13393,7 +9125,7 @@
           <a:p>
             <a:pPr rtl="0"/>
             <a:r>
-              <a:rPr lang="zh-CN" altLang="en-US" smtClean="0"/>
+              <a:rPr lang="zh-CN" altLang="en-US"/>
               <a:t>单击此处编辑母版标题样式</a:t>
             </a:r>
             <a:endParaRPr lang="zh-CN" altLang="en-US" dirty="0"/>
@@ -13472,7 +9204,7 @@
           <a:p>
             <a:pPr rtl="0"/>
             <a:r>
-              <a:rPr lang="zh-CN" altLang="en-US" smtClean="0"/>
+              <a:rPr lang="zh-CN" altLang="en-US"/>
               <a:t>单击图标添加图片</a:t>
             </a:r>
             <a:endParaRPr lang="zh-CN" altLang="en-US" dirty="0"/>
@@ -13546,7 +9278,7 @@
           <a:p>
             <a:pPr lvl="0" rtl="0"/>
             <a:r>
-              <a:rPr lang="zh-CN" altLang="en-US" smtClean="0"/>
+              <a:rPr lang="zh-CN" altLang="en-US"/>
               <a:t>编辑母版文本样式</a:t>
             </a:r>
           </a:p>
@@ -13580,7 +9312,7 @@
             <a:fld id="{1878E339-1BD2-4FEE-A113-9A0301740CF6}" type="datetime2">
               <a:rPr lang="zh-CN" altLang="en-US" smtClean="0"/>
               <a:pPr/>
-              <a:t>2018年4月22日</a:t>
+              <a:t>2019年4月13日 Saturday</a:t>
             </a:fld>
             <a:endParaRPr lang="zh-CN" altLang="en-US" dirty="0"/>
           </a:p>
@@ -14504,7 +10236,7 @@
             <a:fld id="{A339CB27-C670-4AAB-948C-7E3D1D9FAE30}" type="datetime2">
               <a:rPr lang="zh-CN" altLang="en-US" smtClean="0"/>
               <a:pPr/>
-              <a:t>2018年4月22日</a:t>
+              <a:t>2019年4月13日 Saturday</a:t>
             </a:fld>
             <a:endParaRPr lang="zh-CN" altLang="en-US" dirty="0"/>
           </a:p>
@@ -14961,18 +10693,13 @@
           <a:p>
             <a:pPr rtl="0"/>
             <a:r>
-              <a:rPr lang="zh-CN" altLang="en-US" dirty="0" smtClean="0">
+              <a:rPr lang="zh-CN" altLang="en-US" dirty="0">
                 <a:latin typeface="Arial" panose="020B0604020202020204" pitchFamily="34" charset="0"/>
                 <a:ea typeface="微软雅黑" panose="020B0503020204020204" pitchFamily="34" charset="-122"/>
                 <a:sym typeface="Arial" panose="020B0604020202020204" pitchFamily="34" charset="0"/>
               </a:rPr>
               <a:t>物流系统建模与仿真</a:t>
             </a:r>
-            <a:endParaRPr lang="zh-CN" altLang="en-US" dirty="0">
-              <a:latin typeface="Arial" panose="020B0604020202020204" pitchFamily="34" charset="0"/>
-              <a:ea typeface="微软雅黑" panose="020B0503020204020204" pitchFamily="34" charset="-122"/>
-              <a:sym typeface="Arial" panose="020B0604020202020204" pitchFamily="34" charset="0"/>
-            </a:endParaRPr>
           </a:p>
         </p:txBody>
       </p:sp>
@@ -14993,18 +10720,13 @@
           <a:p>
             <a:pPr rtl="0"/>
             <a:r>
-              <a:rPr lang="zh-CN" altLang="en-US" dirty="0" smtClean="0">
+              <a:rPr lang="zh-CN" altLang="en-US" dirty="0">
                 <a:latin typeface="Arial" panose="020B0604020202020204" pitchFamily="34" charset="0"/>
                 <a:ea typeface="微软雅黑" panose="020B0503020204020204" pitchFamily="34" charset="-122"/>
                 <a:sym typeface="Arial" panose="020B0604020202020204" pitchFamily="34" charset="0"/>
               </a:rPr>
               <a:t>第十一节 一阶非线性系统</a:t>
             </a:r>
-            <a:endParaRPr lang="zh-CN" altLang="en-US" dirty="0">
-              <a:latin typeface="Arial" panose="020B0604020202020204" pitchFamily="34" charset="0"/>
-              <a:ea typeface="微软雅黑" panose="020B0503020204020204" pitchFamily="34" charset="-122"/>
-              <a:sym typeface="Arial" panose="020B0604020202020204" pitchFamily="34" charset="0"/>
-            </a:endParaRPr>
           </a:p>
         </p:txBody>
       </p:sp>
@@ -15030,13 +10752,6 @@
       </p:transition>
     </mc:Fallback>
   </mc:AlternateContent>
-  <p:timing>
-    <p:tnLst>
-      <p:par>
-        <p:cTn id="1" dur="indefinite" restart="never" nodeType="tmRoot"/>
-      </p:par>
-    </p:tnLst>
-  </p:timing>
 </p:sld>
 </file>
 
@@ -15225,10 +10940,9 @@
           <a:lstStyle/>
           <a:p>
             <a:r>
-              <a:rPr lang="zh-CN" altLang="en-US" dirty="0" smtClean="0"/>
+              <a:rPr lang="zh-CN" altLang="en-US" dirty="0"/>
               <a:t>负反馈中的延迟</a:t>
             </a:r>
-            <a:endParaRPr lang="zh-CN" altLang="en-US" dirty="0"/>
           </a:p>
         </p:txBody>
       </p:sp>
@@ -15261,18 +10975,17 @@
               <a:buNone/>
             </a:pPr>
             <a:r>
-              <a:rPr lang="zh-CN" altLang="en-US" sz="1800" dirty="0" smtClean="0"/>
+              <a:rPr lang="zh-CN" altLang="en-US" sz="1800" dirty="0"/>
               <a:t>在案例</a:t>
             </a:r>
             <a:r>
-              <a:rPr lang="en-US" altLang="zh-CN" sz="1800" dirty="0" smtClean="0"/>
+              <a:rPr lang="en-US" altLang="zh-CN" sz="1800" dirty="0"/>
               <a:t>3</a:t>
             </a:r>
             <a:r>
-              <a:rPr lang="zh-CN" altLang="en-US" sz="1800" dirty="0" smtClean="0"/>
+              <a:rPr lang="zh-CN" altLang="en-US" sz="1800" dirty="0"/>
               <a:t>基础上考虑，实际承载力并非立刻发生变化，而是有一定时间的延迟，即人口增加后经过一年使用资源才实际造成承载力发生变化。请将延迟加入系统当中推演人口总量的变化趋势</a:t>
             </a:r>
-            <a:endParaRPr lang="zh-CN" altLang="en-US" sz="1800" dirty="0"/>
           </a:p>
         </p:txBody>
       </p:sp>
@@ -15323,34 +11036,33 @@
           <a:lstStyle/>
           <a:p>
             <a:r>
-              <a:rPr lang="zh-CN" altLang="en-US" dirty="0" smtClean="0"/>
+              <a:rPr lang="zh-CN" altLang="en-US" dirty="0"/>
               <a:t>实际承载力</a:t>
             </a:r>
             <a:r>
-              <a:rPr lang="en-US" altLang="zh-CN" dirty="0" smtClean="0"/>
+              <a:rPr lang="en-US" altLang="zh-CN" dirty="0"/>
               <a:t>=DELAY1(</a:t>
             </a:r>
             <a:r>
-              <a:rPr lang="zh-CN" altLang="en-US" dirty="0" smtClean="0"/>
+              <a:rPr lang="zh-CN" altLang="en-US" dirty="0"/>
               <a:t>人口总量，</a:t>
             </a:r>
             <a:r>
-              <a:rPr lang="en-US" altLang="zh-CN" dirty="0" smtClean="0"/>
+              <a:rPr lang="en-US" altLang="zh-CN" dirty="0"/>
               <a:t>1</a:t>
             </a:r>
             <a:r>
-              <a:rPr lang="zh-CN" altLang="en-US" dirty="0" smtClean="0"/>
+              <a:rPr lang="zh-CN" altLang="en-US" dirty="0"/>
               <a:t>）</a:t>
             </a:r>
             <a:r>
-              <a:rPr lang="en-US" altLang="zh-CN" dirty="0" smtClean="0"/>
+              <a:rPr lang="en-US" altLang="zh-CN" dirty="0"/>
               <a:t>/</a:t>
             </a:r>
             <a:r>
-              <a:rPr lang="zh-CN" altLang="en-US" dirty="0" smtClean="0"/>
+              <a:rPr lang="zh-CN" altLang="en-US" dirty="0"/>
               <a:t>资源承载力</a:t>
             </a:r>
-            <a:endParaRPr lang="zh-CN" altLang="en-US" dirty="0"/>
           </a:p>
         </p:txBody>
       </p:sp>
@@ -15423,7 +11135,7 @@
           <a:lstStyle/>
           <a:p>
             <a:r>
-              <a:rPr lang="zh-CN" altLang="en-US" sz="2000" dirty="0" smtClean="0">
+              <a:rPr lang="zh-CN" altLang="en-US" sz="2000" dirty="0">
                 <a:solidFill>
                   <a:srgbClr val="7030A0"/>
                 </a:solidFill>
@@ -15510,10 +11222,9 @@
           <a:lstStyle/>
           <a:p>
             <a:r>
-              <a:rPr lang="zh-CN" altLang="en-US" dirty="0" smtClean="0"/>
+              <a:rPr lang="zh-CN" altLang="en-US" dirty="0"/>
               <a:t>超调模式的原理</a:t>
             </a:r>
-            <a:endParaRPr lang="zh-CN" altLang="en-US" dirty="0"/>
           </a:p>
         </p:txBody>
       </p:sp>
@@ -15533,21 +11244,17 @@
           <a:lstStyle/>
           <a:p>
             <a:r>
-              <a:rPr lang="zh-CN" altLang="en-US" dirty="0" smtClean="0"/>
+              <a:rPr lang="zh-CN" altLang="en-US" dirty="0"/>
               <a:t>在负反馈回路中加入延迟</a:t>
             </a:r>
-            <a:endParaRPr lang="en-US" altLang="zh-CN" dirty="0" smtClean="0"/>
-          </a:p>
-          <a:p>
-            <a:r>
-              <a:rPr lang="zh-CN" altLang="en-US" dirty="0" smtClean="0"/>
-              <a:t>围绕承载能力出现反复调整</a:t>
-            </a:r>
+            <a:endParaRPr lang="en-US" altLang="zh-CN" dirty="0"/>
+          </a:p>
+          <a:p>
             <a:r>
               <a:rPr lang="zh-CN" altLang="en-US" dirty="0"/>
-              <a:t>现象</a:t>
-            </a:r>
-            <a:endParaRPr lang="en-US" altLang="zh-CN" dirty="0" smtClean="0"/>
+              <a:t>围绕承载能力出现反复调整现象</a:t>
+            </a:r>
+            <a:endParaRPr lang="en-US" altLang="zh-CN" dirty="0"/>
           </a:p>
           <a:p>
             <a:endParaRPr lang="zh-CN" altLang="en-US" dirty="0"/>
@@ -15601,10 +11308,9 @@
           <a:lstStyle/>
           <a:p>
             <a:r>
-              <a:rPr lang="zh-CN" altLang="en-US" dirty="0" smtClean="0"/>
+              <a:rPr lang="zh-CN" altLang="en-US" dirty="0"/>
               <a:t>正负多回路一阶系统基本结构</a:t>
             </a:r>
-            <a:endParaRPr lang="zh-CN" altLang="en-US" dirty="0"/>
           </a:p>
         </p:txBody>
       </p:sp>
@@ -15666,10 +11372,9 @@
           <a:lstStyle/>
           <a:p>
             <a:r>
-              <a:rPr lang="zh-CN" altLang="en-US" dirty="0" smtClean="0"/>
+              <a:rPr lang="zh-CN" altLang="en-US" dirty="0"/>
               <a:t>超调模式</a:t>
             </a:r>
-            <a:endParaRPr lang="zh-CN" altLang="en-US" dirty="0"/>
           </a:p>
         </p:txBody>
       </p:sp>
@@ -15689,72 +11394,72 @@
           <a:lstStyle/>
           <a:p>
             <a:r>
-              <a:rPr lang="zh-CN" altLang="en-US" dirty="0" smtClean="0"/>
+              <a:rPr lang="zh-CN" altLang="en-US" dirty="0"/>
               <a:t>案例</a:t>
             </a:r>
             <a:r>
-              <a:rPr lang="en-US" altLang="zh-CN" dirty="0" smtClean="0"/>
+              <a:rPr lang="en-US" altLang="zh-CN" dirty="0"/>
               <a:t>4</a:t>
             </a:r>
             <a:r>
-              <a:rPr lang="zh-CN" altLang="en-US" dirty="0" smtClean="0"/>
+              <a:rPr lang="zh-CN" altLang="en-US" dirty="0"/>
               <a:t>中显示了一阶系统一种新的调节模式，超调模式</a:t>
             </a:r>
-            <a:endParaRPr lang="en-US" altLang="zh-CN" dirty="0" smtClean="0"/>
-          </a:p>
-          <a:p>
-            <a:r>
-              <a:rPr lang="zh-CN" altLang="en-US" dirty="0" smtClean="0"/>
+            <a:endParaRPr lang="en-US" altLang="zh-CN" dirty="0"/>
+          </a:p>
+          <a:p>
+            <a:r>
+              <a:rPr lang="zh-CN" altLang="en-US" dirty="0"/>
               <a:t>增长方式</a:t>
             </a:r>
-            <a:endParaRPr lang="en-US" altLang="zh-CN" dirty="0" smtClean="0"/>
+            <a:endParaRPr lang="en-US" altLang="zh-CN" dirty="0"/>
           </a:p>
           <a:p>
             <a:pPr lvl="1"/>
             <a:r>
-              <a:rPr lang="zh-CN" altLang="en-US" dirty="0" smtClean="0"/>
+              <a:rPr lang="zh-CN" altLang="en-US" dirty="0"/>
               <a:t>带波动的</a:t>
             </a:r>
             <a:r>
-              <a:rPr lang="en-US" altLang="zh-CN" dirty="0" smtClean="0"/>
+              <a:rPr lang="en-US" altLang="zh-CN" dirty="0"/>
               <a:t>S</a:t>
             </a:r>
             <a:r>
-              <a:rPr lang="zh-CN" altLang="en-US" dirty="0" smtClean="0"/>
+              <a:rPr lang="zh-CN" altLang="en-US" dirty="0"/>
               <a:t>型增长</a:t>
             </a:r>
-            <a:endParaRPr lang="en-US" altLang="zh-CN" dirty="0" smtClean="0"/>
+            <a:endParaRPr lang="en-US" altLang="zh-CN" dirty="0"/>
           </a:p>
           <a:p>
             <a:pPr lvl="1"/>
             <a:r>
-              <a:rPr lang="zh-CN" altLang="en-US" dirty="0" smtClean="0"/>
+              <a:rPr lang="zh-CN" altLang="en-US" dirty="0"/>
               <a:t>仍然有平衡点</a:t>
             </a:r>
-            <a:endParaRPr lang="en-US" altLang="zh-CN" dirty="0" smtClean="0"/>
+            <a:endParaRPr lang="en-US" altLang="zh-CN" dirty="0"/>
           </a:p>
           <a:p>
             <a:pPr lvl="1"/>
             <a:r>
-              <a:rPr lang="zh-CN" altLang="en-US" dirty="0" smtClean="0"/>
+              <a:rPr lang="zh-CN" altLang="en-US" dirty="0"/>
               <a:t>区别于振荡模式</a:t>
             </a:r>
-            <a:endParaRPr lang="en-US" altLang="zh-CN" dirty="0" smtClean="0"/>
-          </a:p>
-          <a:p>
-            <a:r>
-              <a:rPr lang="zh-CN" altLang="en-US" dirty="0" smtClean="0"/>
+            <a:endParaRPr lang="en-US" altLang="zh-CN" dirty="0"/>
+          </a:p>
+          <a:p>
+            <a:r>
+              <a:rPr lang="zh-CN" altLang="en-US" dirty="0"/>
               <a:t>原因</a:t>
             </a:r>
-            <a:endParaRPr lang="en-US" altLang="zh-CN" dirty="0" smtClean="0"/>
+            <a:endParaRPr lang="en-US" altLang="zh-CN" dirty="0"/>
           </a:p>
           <a:p>
             <a:pPr lvl="1"/>
             <a:r>
-              <a:rPr lang="zh-CN" altLang="en-US" dirty="0" smtClean="0"/>
+              <a:rPr lang="zh-CN" altLang="en-US" dirty="0"/>
               <a:t>控制调节的回路中存在延迟</a:t>
             </a:r>
-            <a:endParaRPr lang="en-US" altLang="zh-CN" dirty="0" smtClean="0"/>
+            <a:endParaRPr lang="en-US" altLang="zh-CN" dirty="0"/>
           </a:p>
           <a:p>
             <a:pPr lvl="1"/>
@@ -15820,10 +11525,9 @@
           <a:lstStyle/>
           <a:p>
             <a:r>
-              <a:rPr lang="zh-CN" altLang="en-US" dirty="0" smtClean="0"/>
+              <a:rPr lang="zh-CN" altLang="en-US" dirty="0"/>
               <a:t>过度调节模式</a:t>
             </a:r>
-            <a:endParaRPr lang="zh-CN" altLang="en-US" dirty="0"/>
           </a:p>
         </p:txBody>
       </p:sp>
@@ -15851,38 +11555,37 @@
               <a:buNone/>
             </a:pPr>
             <a:r>
-              <a:rPr lang="zh-CN" altLang="en-US" dirty="0" smtClean="0"/>
+              <a:rPr lang="zh-CN" altLang="en-US" dirty="0"/>
               <a:t>在案例</a:t>
             </a:r>
             <a:r>
-              <a:rPr lang="en-US" altLang="zh-CN" dirty="0" smtClean="0"/>
+              <a:rPr lang="en-US" altLang="zh-CN" dirty="0"/>
               <a:t>3</a:t>
             </a:r>
             <a:r>
-              <a:rPr lang="zh-CN" altLang="en-US" dirty="0" smtClean="0"/>
+              <a:rPr lang="zh-CN" altLang="en-US" dirty="0"/>
               <a:t>的基础上继续考虑增加新的条件：</a:t>
             </a:r>
-            <a:endParaRPr lang="en-US" altLang="zh-CN" dirty="0" smtClean="0"/>
+            <a:endParaRPr lang="en-US" altLang="zh-CN" dirty="0"/>
           </a:p>
           <a:p>
             <a:pPr marL="0" indent="0">
               <a:buNone/>
             </a:pPr>
             <a:r>
-              <a:rPr lang="zh-CN" altLang="en-US" dirty="0" smtClean="0"/>
+              <a:rPr lang="zh-CN" altLang="en-US" dirty="0"/>
               <a:t>假设资源承载力并非可再生，即变量资源承载力是会被消耗的。此时系统如何变化。</a:t>
             </a:r>
-            <a:endParaRPr lang="en-US" altLang="zh-CN" dirty="0" smtClean="0"/>
+            <a:endParaRPr lang="en-US" altLang="zh-CN" dirty="0"/>
           </a:p>
           <a:p>
             <a:pPr marL="0" indent="0">
               <a:buNone/>
             </a:pPr>
             <a:r>
-              <a:rPr lang="zh-CN" altLang="en-US" dirty="0" smtClean="0"/>
+              <a:rPr lang="zh-CN" altLang="en-US" dirty="0"/>
               <a:t>右侧给出了该情景的因果分析图，尝试转化为仿真模型</a:t>
             </a:r>
-            <a:endParaRPr lang="zh-CN" altLang="en-US" dirty="0"/>
           </a:p>
         </p:txBody>
       </p:sp>
@@ -15957,7 +11660,7 @@
           <a:lstStyle/>
           <a:p>
             <a:r>
-              <a:rPr lang="zh-CN" altLang="en-US" sz="2000" dirty="0" smtClean="0">
+              <a:rPr lang="zh-CN" altLang="en-US" sz="2000" dirty="0">
                 <a:solidFill>
                   <a:srgbClr val="7030A0"/>
                 </a:solidFill>
@@ -15967,7 +11670,7 @@
               <a:t>案例</a:t>
             </a:r>
             <a:r>
-              <a:rPr lang="en-US" altLang="zh-CN" sz="2000" dirty="0" smtClean="0">
+              <a:rPr lang="en-US" altLang="zh-CN" sz="2000" dirty="0">
                 <a:solidFill>
                   <a:srgbClr val="7030A0"/>
                 </a:solidFill>
@@ -16051,10 +11754,9 @@
           <a:lstStyle/>
           <a:p>
             <a:r>
-              <a:rPr lang="zh-CN" altLang="en-US" sz="2800" dirty="0" smtClean="0"/>
+              <a:rPr lang="zh-CN" altLang="en-US" sz="2800" dirty="0"/>
               <a:t>目标变量的消耗</a:t>
             </a:r>
-            <a:endParaRPr lang="zh-CN" altLang="en-US" sz="2800" dirty="0"/>
           </a:p>
         </p:txBody>
       </p:sp>
@@ -16086,21 +11788,16 @@
             </a:pPr>
             <a:r>
               <a:rPr lang="zh-CN" altLang="en-US" dirty="0"/>
-              <a:t>本</a:t>
-            </a:r>
-            <a:r>
-              <a:rPr lang="zh-CN" altLang="en-US" dirty="0" smtClean="0"/>
-              <a:t>例中目标变量由案例</a:t>
-            </a:r>
-            <a:r>
-              <a:rPr lang="en-US" altLang="zh-CN" dirty="0" smtClean="0"/>
+              <a:t>本例中目标变量由案例</a:t>
+            </a:r>
+            <a:r>
+              <a:rPr lang="en-US" altLang="zh-CN" dirty="0"/>
               <a:t>3</a:t>
             </a:r>
             <a:r>
-              <a:rPr lang="zh-CN" altLang="en-US" dirty="0" smtClean="0"/>
+              <a:rPr lang="zh-CN" altLang="en-US" dirty="0"/>
               <a:t>的常数转变为了可变变量，出于方便起见该变量可以设置为存量，这也超出了一阶系统范围，变为了二阶系统。</a:t>
             </a:r>
-            <a:endParaRPr lang="zh-CN" altLang="en-US" dirty="0"/>
           </a:p>
         </p:txBody>
       </p:sp>
@@ -16162,10 +11859,9 @@
           <a:lstStyle/>
           <a:p>
             <a:r>
-              <a:rPr lang="zh-CN" altLang="en-US" dirty="0" smtClean="0"/>
+              <a:rPr lang="zh-CN" altLang="en-US" dirty="0"/>
               <a:t>过度调节并崩溃</a:t>
             </a:r>
-            <a:endParaRPr lang="zh-CN" altLang="en-US" dirty="0"/>
           </a:p>
         </p:txBody>
       </p:sp>
@@ -16198,44 +11894,40 @@
               <a:buNone/>
             </a:pPr>
             <a:r>
-              <a:rPr lang="zh-CN" altLang="en-US" sz="2000" dirty="0" smtClean="0">
+              <a:rPr lang="zh-CN" altLang="en-US" sz="2000" dirty="0">
                 <a:latin typeface="楷体" panose="02010609060101010101" pitchFamily="49" charset="-122"/>
                 <a:ea typeface="楷体" panose="02010609060101010101" pitchFamily="49" charset="-122"/>
               </a:rPr>
               <a:t>案例</a:t>
             </a:r>
             <a:r>
-              <a:rPr lang="en-US" altLang="zh-CN" sz="2000" dirty="0" smtClean="0">
+              <a:rPr lang="en-US" altLang="zh-CN" sz="2000" dirty="0">
                 <a:latin typeface="楷体" panose="02010609060101010101" pitchFamily="49" charset="-122"/>
                 <a:ea typeface="楷体" panose="02010609060101010101" pitchFamily="49" charset="-122"/>
               </a:rPr>
               <a:t>3</a:t>
             </a:r>
             <a:r>
-              <a:rPr lang="zh-CN" altLang="en-US" sz="2000" dirty="0" smtClean="0">
+              <a:rPr lang="zh-CN" altLang="en-US" sz="2000" dirty="0">
                 <a:latin typeface="楷体" panose="02010609060101010101" pitchFamily="49" charset="-122"/>
                 <a:ea typeface="楷体" panose="02010609060101010101" pitchFamily="49" charset="-122"/>
               </a:rPr>
               <a:t>中，资源承载力在人口系统中充当了负反馈回路中的目标变量。案例</a:t>
             </a:r>
             <a:r>
-              <a:rPr lang="en-US" altLang="zh-CN" sz="2000" dirty="0" smtClean="0">
+              <a:rPr lang="en-US" altLang="zh-CN" sz="2000" dirty="0">
                 <a:latin typeface="楷体" panose="02010609060101010101" pitchFamily="49" charset="-122"/>
                 <a:ea typeface="楷体" panose="02010609060101010101" pitchFamily="49" charset="-122"/>
               </a:rPr>
               <a:t>5</a:t>
             </a:r>
             <a:r>
-              <a:rPr lang="zh-CN" altLang="en-US" sz="2000" dirty="0" smtClean="0">
+              <a:rPr lang="zh-CN" altLang="en-US" sz="2000" dirty="0">
                 <a:latin typeface="楷体" panose="02010609060101010101" pitchFamily="49" charset="-122"/>
                 <a:ea typeface="楷体" panose="02010609060101010101" pitchFamily="49" charset="-122"/>
               </a:rPr>
               <a:t>考虑到资源消耗后该变量不再是常数量，而是会逐步降低的变量，由于承载力的变化经过负反馈回路传导到增长系统中，平衡回路的目标值逐步压缩导致系统趋于崩溃。</a:t>
             </a:r>
-            <a:endParaRPr lang="zh-CN" altLang="en-US" sz="2000" dirty="0">
-              <a:latin typeface="楷体" panose="02010609060101010101" pitchFamily="49" charset="-122"/>
-              <a:ea typeface="楷体" panose="02010609060101010101" pitchFamily="49" charset="-122"/>
-            </a:endParaRPr>
           </a:p>
         </p:txBody>
       </p:sp>
@@ -16345,10 +12037,9 @@
           <a:lstStyle/>
           <a:p>
             <a:r>
-              <a:rPr lang="zh-CN" altLang="en-US" dirty="0" smtClean="0"/>
+              <a:rPr lang="zh-CN" altLang="en-US" dirty="0"/>
               <a:t>正负反馈回路的典型增长模式</a:t>
             </a:r>
-            <a:endParaRPr lang="zh-CN" altLang="en-US" dirty="0"/>
           </a:p>
         </p:txBody>
       </p:sp>
@@ -16368,15 +12059,15 @@
           <a:lstStyle/>
           <a:p>
             <a:r>
-              <a:rPr lang="zh-CN" altLang="en-US" dirty="0" smtClean="0"/>
+              <a:rPr lang="zh-CN" altLang="en-US" dirty="0"/>
               <a:t>正反馈</a:t>
             </a:r>
             <a:r>
-              <a:rPr lang="en-US" altLang="zh-CN" dirty="0" smtClean="0"/>
+              <a:rPr lang="en-US" altLang="zh-CN" dirty="0"/>
               <a:t>+</a:t>
             </a:r>
             <a:r>
-              <a:rPr lang="zh-CN" altLang="en-US" dirty="0" smtClean="0"/>
+              <a:rPr lang="zh-CN" altLang="en-US" dirty="0"/>
               <a:t>负反馈</a:t>
             </a:r>
             <a:endParaRPr lang="en-US" altLang="zh-CN" dirty="0"/>
@@ -16384,38 +12075,37 @@
           <a:p>
             <a:pPr lvl="1"/>
             <a:r>
-              <a:rPr lang="zh-CN" altLang="en-US" dirty="0" smtClean="0"/>
+              <a:rPr lang="zh-CN" altLang="en-US" dirty="0"/>
               <a:t>稳态</a:t>
             </a:r>
-            <a:endParaRPr lang="en-US" altLang="zh-CN" dirty="0" smtClean="0"/>
+            <a:endParaRPr lang="en-US" altLang="zh-CN" dirty="0"/>
           </a:p>
           <a:p>
             <a:pPr lvl="1"/>
             <a:r>
-              <a:rPr lang="en-US" altLang="zh-CN" dirty="0" smtClean="0"/>
+              <a:rPr lang="en-US" altLang="zh-CN" dirty="0"/>
               <a:t>S</a:t>
             </a:r>
             <a:r>
-              <a:rPr lang="zh-CN" altLang="en-US" dirty="0" smtClean="0"/>
+              <a:rPr lang="zh-CN" altLang="en-US" dirty="0"/>
               <a:t>型增长</a:t>
             </a:r>
-            <a:endParaRPr lang="en-US" altLang="zh-CN" dirty="0" smtClean="0"/>
+            <a:endParaRPr lang="en-US" altLang="zh-CN" dirty="0"/>
           </a:p>
           <a:p>
             <a:pPr lvl="1"/>
             <a:r>
-              <a:rPr lang="zh-CN" altLang="en-US" dirty="0" smtClean="0"/>
+              <a:rPr lang="zh-CN" altLang="en-US" dirty="0"/>
               <a:t>超调模式</a:t>
             </a:r>
-            <a:endParaRPr lang="en-US" altLang="zh-CN" dirty="0" smtClean="0"/>
+            <a:endParaRPr lang="en-US" altLang="zh-CN" dirty="0"/>
           </a:p>
           <a:p>
             <a:pPr lvl="1"/>
             <a:r>
-              <a:rPr lang="zh-CN" altLang="en-US" dirty="0" smtClean="0"/>
+              <a:rPr lang="zh-CN" altLang="en-US" dirty="0"/>
               <a:t>过度调节模式</a:t>
             </a:r>
-            <a:endParaRPr lang="zh-CN" altLang="en-US" dirty="0"/>
           </a:p>
         </p:txBody>
       </p:sp>
@@ -16423,244 +12113,6 @@
     <p:extLst>
       <p:ext uri="{BB962C8B-B14F-4D97-AF65-F5344CB8AC3E}">
         <p14:creationId xmlns:p14="http://schemas.microsoft.com/office/powerpoint/2010/main" val="623860071"/>
-      </p:ext>
-    </p:extLst>
-  </p:cSld>
-  <p:clrMapOvr>
-    <a:masterClrMapping/>
-  </p:clrMapOvr>
-  <mc:AlternateContent xmlns:mc="http://schemas.openxmlformats.org/markup-compatibility/2006" xmlns:p14="http://schemas.microsoft.com/office/powerpoint/2010/main">
-    <mc:Choice Requires="p14">
-      <p:transition spd="med" p14:dur="700">
-        <p:fade/>
-      </p:transition>
-    </mc:Choice>
-    <mc:Fallback xmlns="">
-      <p:transition spd="med">
-        <p:fade/>
-      </p:transition>
-    </mc:Fallback>
-  </mc:AlternateContent>
-</p:sld>
-</file>
-
-<file path=ppt/slides/slide18.xml><?xml version="1.0" encoding="utf-8"?>
-<p:sld xmlns:a="http://schemas.openxmlformats.org/drawingml/2006/main" xmlns:r="http://schemas.openxmlformats.org/officeDocument/2006/relationships" xmlns:p="http://schemas.openxmlformats.org/presentationml/2006/main">
-  <p:cSld>
-    <p:spTree>
-      <p:nvGrpSpPr>
-        <p:cNvPr id="1" name=""/>
-        <p:cNvGrpSpPr/>
-        <p:nvPr/>
-      </p:nvGrpSpPr>
-      <p:grpSpPr>
-        <a:xfrm>
-          <a:off x="0" y="0"/>
-          <a:ext cx="0" cy="0"/>
-          <a:chOff x="0" y="0"/>
-          <a:chExt cx="0" cy="0"/>
-        </a:xfrm>
-      </p:grpSpPr>
-      <p:graphicFrame>
-        <p:nvGraphicFramePr>
-          <p:cNvPr id="4" name="内容占位符 3"/>
-          <p:cNvGraphicFramePr>
-            <a:graphicFrameLocks noGrp="1"/>
-          </p:cNvGraphicFramePr>
-          <p:nvPr>
-            <p:ph idx="1"/>
-            <p:extLst>
-              <p:ext uri="{D42A27DB-BD31-4B8C-83A1-F6EECF244321}">
-                <p14:modId xmlns:p14="http://schemas.microsoft.com/office/powerpoint/2010/main" val="1675918895"/>
-              </p:ext>
-            </p:extLst>
-          </p:nvPr>
-        </p:nvGraphicFramePr>
-        <p:xfrm>
-          <a:off x="1629916" y="548680"/>
-          <a:ext cx="9792935" cy="5388050"/>
-        </p:xfrm>
-        <a:graphic>
-          <a:graphicData uri="http://schemas.openxmlformats.org/drawingml/2006/diagram">
-            <dgm:relIds xmlns:dgm="http://schemas.openxmlformats.org/drawingml/2006/diagram" xmlns:r="http://schemas.openxmlformats.org/officeDocument/2006/relationships" r:dm="rId2" r:lo="rId3" r:qs="rId4" r:cs="rId5"/>
-          </a:graphicData>
-        </a:graphic>
-      </p:graphicFrame>
-    </p:spTree>
-    <p:extLst>
-      <p:ext uri="{BB962C8B-B14F-4D97-AF65-F5344CB8AC3E}">
-        <p14:creationId xmlns:p14="http://schemas.microsoft.com/office/powerpoint/2010/main" val="2707278048"/>
-      </p:ext>
-    </p:extLst>
-  </p:cSld>
-  <p:clrMapOvr>
-    <a:masterClrMapping/>
-  </p:clrMapOvr>
-  <mc:AlternateContent xmlns:mc="http://schemas.openxmlformats.org/markup-compatibility/2006" xmlns:p14="http://schemas.microsoft.com/office/powerpoint/2010/main">
-    <mc:Choice Requires="p14">
-      <p:transition spd="med" p14:dur="700">
-        <p:fade/>
-      </p:transition>
-    </mc:Choice>
-    <mc:Fallback xmlns="">
-      <p:transition spd="med">
-        <p:fade/>
-      </p:transition>
-    </mc:Fallback>
-  </mc:AlternateContent>
-</p:sld>
-</file>
-
-<file path=ppt/slides/slide19.xml><?xml version="1.0" encoding="utf-8"?>
-<p:sld xmlns:a="http://schemas.openxmlformats.org/drawingml/2006/main" xmlns:r="http://schemas.openxmlformats.org/officeDocument/2006/relationships" xmlns:p="http://schemas.openxmlformats.org/presentationml/2006/main">
-  <p:cSld>
-    <p:spTree>
-      <p:nvGrpSpPr>
-        <p:cNvPr id="1" name=""/>
-        <p:cNvGrpSpPr/>
-        <p:nvPr/>
-      </p:nvGrpSpPr>
-      <p:grpSpPr>
-        <a:xfrm>
-          <a:off x="0" y="0"/>
-          <a:ext cx="0" cy="0"/>
-          <a:chOff x="0" y="0"/>
-          <a:chExt cx="0" cy="0"/>
-        </a:xfrm>
-      </p:grpSpPr>
-      <p:sp>
-        <p:nvSpPr>
-          <p:cNvPr id="2" name="标题 1"/>
-          <p:cNvSpPr>
-            <a:spLocks noGrp="1"/>
-          </p:cNvSpPr>
-          <p:nvPr>
-            <p:ph type="title"/>
-          </p:nvPr>
-        </p:nvSpPr>
-        <p:spPr/>
-        <p:txBody>
-          <a:bodyPr/>
-          <a:lstStyle/>
-          <a:p>
-            <a:r>
-              <a:rPr lang="zh-CN" altLang="en-US" dirty="0" smtClean="0"/>
-              <a:t>超前作业</a:t>
-            </a:r>
-            <a:endParaRPr lang="zh-CN" altLang="en-US" dirty="0"/>
-          </a:p>
-        </p:txBody>
-      </p:sp>
-      <p:sp>
-        <p:nvSpPr>
-          <p:cNvPr id="3" name="内容占位符 2"/>
-          <p:cNvSpPr>
-            <a:spLocks noGrp="1"/>
-          </p:cNvSpPr>
-          <p:nvPr>
-            <p:ph idx="1"/>
-          </p:nvPr>
-        </p:nvSpPr>
-        <p:spPr>
-          <a:xfrm>
-            <a:off x="1413892" y="1556792"/>
-            <a:ext cx="9782801" cy="4572000"/>
-          </a:xfrm>
-        </p:spPr>
-        <p:txBody>
-          <a:bodyPr/>
-          <a:lstStyle/>
-          <a:p>
-            <a:r>
-              <a:rPr lang="zh-CN" altLang="en-US" dirty="0" smtClean="0"/>
-              <a:t>设计并完成教科书以外的案例</a:t>
-            </a:r>
-            <a:endParaRPr lang="en-US" altLang="zh-CN" dirty="0" smtClean="0"/>
-          </a:p>
-          <a:p>
-            <a:r>
-              <a:rPr lang="zh-CN" altLang="en-US" dirty="0" smtClean="0"/>
-              <a:t>需提交</a:t>
-            </a:r>
-            <a:r>
-              <a:rPr lang="en-US" altLang="zh-CN" dirty="0" smtClean="0"/>
-              <a:t>.mdl</a:t>
-            </a:r>
-            <a:r>
-              <a:rPr lang="zh-CN" altLang="en-US" dirty="0" smtClean="0"/>
-              <a:t>文件与对应的文字说明，以证明完全掌握了该部分内容</a:t>
-            </a:r>
-            <a:endParaRPr lang="en-US" altLang="zh-CN" dirty="0" smtClean="0"/>
-          </a:p>
-          <a:p>
-            <a:r>
-              <a:rPr lang="zh-CN" altLang="en-US" dirty="0" smtClean="0"/>
-              <a:t>确保独立完成，文字描述详细，抄袭网络内容扣平时成绩</a:t>
-            </a:r>
-            <a:endParaRPr lang="en-US" altLang="zh-CN" dirty="0" smtClean="0"/>
-          </a:p>
-          <a:p>
-            <a:r>
-              <a:rPr lang="zh-CN" altLang="en-US" dirty="0" smtClean="0"/>
-              <a:t>免除对应单元的作业</a:t>
-            </a:r>
-            <a:endParaRPr lang="en-US" altLang="zh-CN" dirty="0" smtClean="0"/>
-          </a:p>
-          <a:p>
-            <a:r>
-              <a:rPr lang="zh-CN" altLang="en-US"/>
-              <a:t>优秀</a:t>
-            </a:r>
-            <a:r>
-              <a:rPr lang="zh-CN" altLang="en-US" smtClean="0"/>
-              <a:t>案例</a:t>
-            </a:r>
-            <a:r>
-              <a:rPr lang="zh-CN" altLang="en-US" dirty="0" smtClean="0"/>
-              <a:t>设计可能成为作业或试题参考</a:t>
-            </a:r>
-            <a:endParaRPr lang="en-US" altLang="zh-CN" dirty="0" smtClean="0"/>
-          </a:p>
-          <a:p>
-            <a:pPr marL="0" indent="0">
-              <a:buNone/>
-            </a:pPr>
-            <a:r>
-              <a:rPr lang="zh-CN" altLang="en-US" dirty="0" smtClean="0">
-                <a:solidFill>
-                  <a:srgbClr val="FF0000"/>
-                </a:solidFill>
-              </a:rPr>
-              <a:t>★推荐阅读该领域国内外顶级学术期刊研究成果，可以复现近</a:t>
-            </a:r>
-            <a:r>
-              <a:rPr lang="en-US" altLang="zh-CN" dirty="0" smtClean="0">
-                <a:solidFill>
-                  <a:srgbClr val="FF0000"/>
-                </a:solidFill>
-              </a:rPr>
-              <a:t>5</a:t>
-            </a:r>
-            <a:r>
-              <a:rPr lang="zh-CN" altLang="en-US" dirty="0" smtClean="0">
-                <a:solidFill>
-                  <a:srgbClr val="FF0000"/>
-                </a:solidFill>
-              </a:rPr>
-              <a:t>年内的顶刊研究成果</a:t>
-            </a:r>
-            <a:endParaRPr lang="zh-CN" altLang="en-US" dirty="0">
-              <a:solidFill>
-                <a:srgbClr val="FF0000"/>
-              </a:solidFill>
-            </a:endParaRPr>
-          </a:p>
-        </p:txBody>
-      </p:sp>
-    </p:spTree>
-    <p:extLst>
-      <p:ext uri="{BB962C8B-B14F-4D97-AF65-F5344CB8AC3E}">
-        <p14:creationId xmlns:p14="http://schemas.microsoft.com/office/powerpoint/2010/main" val="2873889269"/>
       </p:ext>
     </p:extLst>
   </p:cSld>
@@ -16715,10 +12167,9 @@
           <a:lstStyle/>
           <a:p>
             <a:r>
-              <a:rPr lang="zh-CN" altLang="en-US" dirty="0" smtClean="0"/>
+              <a:rPr lang="zh-CN" altLang="en-US" dirty="0"/>
               <a:t>多回路系统</a:t>
             </a:r>
-            <a:endParaRPr lang="zh-CN" altLang="en-US" dirty="0"/>
           </a:p>
         </p:txBody>
       </p:sp>
@@ -16738,63 +12189,46 @@
           <a:lstStyle/>
           <a:p>
             <a:r>
-              <a:rPr lang="zh-CN" altLang="en-US" dirty="0" smtClean="0"/>
+              <a:rPr lang="zh-CN" altLang="en-US" dirty="0"/>
               <a:t>正反馈给出了一种无限增长的系统结构，现实中的系统往往有界限限制，任何变量都无法无休止的增长。</a:t>
             </a:r>
-            <a:endParaRPr lang="en-US" altLang="zh-CN" dirty="0" smtClean="0"/>
-          </a:p>
-          <a:p>
-            <a:r>
-              <a:rPr lang="zh-CN" altLang="en-US" dirty="0" smtClean="0"/>
+            <a:endParaRPr lang="en-US" altLang="zh-CN" dirty="0"/>
+          </a:p>
+          <a:p>
+            <a:r>
+              <a:rPr lang="zh-CN" altLang="en-US" dirty="0"/>
               <a:t>在真实世界的系统中，唯当增长的力量压倒阻碍的力量，才能够出现指数增长趋势</a:t>
             </a:r>
-            <a:endParaRPr lang="en-US" altLang="zh-CN" dirty="0" smtClean="0"/>
-          </a:p>
-          <a:p>
-            <a:r>
-              <a:rPr lang="zh-CN" altLang="en-US" dirty="0" smtClean="0"/>
-              <a:t>当系统变量增长到一定程度后，负回路作用或</a:t>
-            </a:r>
+            <a:endParaRPr lang="en-US" altLang="zh-CN" dirty="0"/>
+          </a:p>
+          <a:p>
             <a:r>
               <a:rPr lang="zh-CN" altLang="en-US" dirty="0"/>
-              <a:t>制衡</a:t>
-            </a:r>
-            <a:r>
-              <a:rPr lang="zh-CN" altLang="en-US" dirty="0" smtClean="0"/>
-              <a:t>力量压倒正反馈回路的力量，成为系统的决定因素，阻止了正反馈继续主导系统</a:t>
-            </a:r>
-            <a:endParaRPr lang="en-US" altLang="zh-CN" dirty="0" smtClean="0"/>
+              <a:t>当系统变量增长到一定程度后，负回路作用或制衡力量压倒正反馈回路的力量，成为系统的决定因素，阻止了正反馈继续主导系统</a:t>
+            </a:r>
+            <a:endParaRPr lang="en-US" altLang="zh-CN" dirty="0"/>
           </a:p>
           <a:p>
             <a:r>
               <a:rPr lang="zh-CN" altLang="en-US" dirty="0"/>
-              <a:t>多</a:t>
-            </a:r>
-            <a:r>
-              <a:rPr lang="zh-CN" altLang="en-US" dirty="0" smtClean="0"/>
-              <a:t>回路系统</a:t>
+              <a:t>多回路系统</a:t>
             </a:r>
             <a:endParaRPr lang="en-US" altLang="zh-CN" dirty="0"/>
           </a:p>
           <a:p>
             <a:pPr lvl="1"/>
             <a:r>
-              <a:rPr lang="zh-CN" altLang="en-US" dirty="0" smtClean="0"/>
+              <a:rPr lang="zh-CN" altLang="en-US" dirty="0"/>
               <a:t>多个简单反馈回路构成的系统结构</a:t>
             </a:r>
-            <a:endParaRPr lang="en-US" altLang="zh-CN" dirty="0" smtClean="0"/>
+            <a:endParaRPr lang="en-US" altLang="zh-CN" dirty="0"/>
           </a:p>
           <a:p>
             <a:pPr lvl="1"/>
             <a:r>
               <a:rPr lang="zh-CN" altLang="en-US" dirty="0"/>
-              <a:t>多</a:t>
-            </a:r>
-            <a:r>
-              <a:rPr lang="zh-CN" altLang="en-US" dirty="0" smtClean="0"/>
-              <a:t>回路系统存在主导回路</a:t>
-            </a:r>
-            <a:endParaRPr lang="zh-CN" altLang="en-US" dirty="0"/>
+              <a:t>多回路系统存在主导回路</a:t>
+            </a:r>
           </a:p>
         </p:txBody>
       </p:sp>
@@ -16820,13 +12254,6 @@
       </p:transition>
     </mc:Fallback>
   </mc:AlternateContent>
-  <p:timing>
-    <p:tnLst>
-      <p:par>
-        <p:cTn id="1" dur="indefinite" restart="never" nodeType="tmRoot"/>
-      </p:par>
-    </p:tnLst>
-  </p:timing>
 </p:sld>
 </file>
 
@@ -16863,10 +12290,9 @@
           <a:lstStyle/>
           <a:p>
             <a:r>
-              <a:rPr lang="zh-CN" altLang="en-US" dirty="0" smtClean="0"/>
+              <a:rPr lang="zh-CN" altLang="en-US" dirty="0"/>
               <a:t>第一个多回路系统</a:t>
             </a:r>
-            <a:endParaRPr lang="zh-CN" altLang="en-US" dirty="0"/>
           </a:p>
         </p:txBody>
       </p:sp>
@@ -16891,25 +12317,25 @@
           <a:lstStyle/>
           <a:p>
             <a:r>
-              <a:rPr lang="zh-CN" altLang="en-US" dirty="0" smtClean="0"/>
+              <a:rPr lang="zh-CN" altLang="en-US" dirty="0"/>
               <a:t>右侧是因果分析时多次分析过的系统</a:t>
             </a:r>
             <a:r>
-              <a:rPr lang="en-US" altLang="zh-CN" dirty="0" smtClean="0"/>
+              <a:rPr lang="en-US" altLang="zh-CN" dirty="0"/>
               <a:t>-</a:t>
             </a:r>
             <a:r>
-              <a:rPr lang="zh-CN" altLang="en-US" dirty="0" smtClean="0"/>
+              <a:rPr lang="zh-CN" altLang="en-US" dirty="0"/>
               <a:t>人口自然增长系统</a:t>
             </a:r>
-            <a:endParaRPr lang="en-US" altLang="zh-CN" dirty="0" smtClean="0"/>
-          </a:p>
-          <a:p>
-            <a:r>
-              <a:rPr lang="zh-CN" altLang="en-US" dirty="0" smtClean="0"/>
+            <a:endParaRPr lang="en-US" altLang="zh-CN" dirty="0"/>
+          </a:p>
+          <a:p>
+            <a:r>
+              <a:rPr lang="zh-CN" altLang="en-US" dirty="0"/>
               <a:t>该系统由两个回路构成</a:t>
             </a:r>
-            <a:endParaRPr lang="en-US" altLang="zh-CN" dirty="0" smtClean="0"/>
+            <a:endParaRPr lang="en-US" altLang="zh-CN" dirty="0"/>
           </a:p>
           <a:p>
             <a:pPr>
@@ -16917,10 +12343,10 @@
               <a:buChar char="u"/>
             </a:pPr>
             <a:r>
-              <a:rPr lang="zh-CN" altLang="en-US" sz="2000" dirty="0" smtClean="0"/>
+              <a:rPr lang="zh-CN" altLang="en-US" sz="2000" dirty="0"/>
               <a:t>因果分析图：两个一阶回路构成了系统结构，系统中仍然仅有一个状态变量（人口总量），因此仍然是一阶系统</a:t>
             </a:r>
-            <a:endParaRPr lang="en-US" altLang="zh-CN" sz="2000" dirty="0" smtClean="0"/>
+            <a:endParaRPr lang="en-US" altLang="zh-CN" sz="2000" dirty="0"/>
           </a:p>
           <a:p>
             <a:pPr>
@@ -16928,10 +12354,10 @@
               <a:buChar char="u"/>
             </a:pPr>
             <a:r>
-              <a:rPr lang="zh-CN" altLang="en-US" sz="2000" dirty="0" smtClean="0"/>
+              <a:rPr lang="zh-CN" altLang="en-US" sz="2000" dirty="0"/>
               <a:t>系统流图： 仅有一个存量，人口总量左右两边分别是由流量和常参数构成的一个正反馈结构和一个负反馈结构。</a:t>
             </a:r>
-            <a:endParaRPr lang="en-US" altLang="zh-CN" sz="2000" dirty="0" smtClean="0"/>
+            <a:endParaRPr lang="en-US" altLang="zh-CN" sz="2000" dirty="0"/>
           </a:p>
           <a:p>
             <a:pPr>
@@ -16939,10 +12365,9 @@
               <a:buChar char="u"/>
             </a:pPr>
             <a:r>
-              <a:rPr lang="zh-CN" altLang="en-US" sz="2000" dirty="0" smtClean="0"/>
+              <a:rPr lang="zh-CN" altLang="en-US" sz="2000" dirty="0"/>
               <a:t>正反馈结构强化增长，负反馈结构具有寻的特性，制约正反馈的增长</a:t>
             </a:r>
-            <a:endParaRPr lang="zh-CN" altLang="en-US" sz="2000" dirty="0"/>
           </a:p>
         </p:txBody>
       </p:sp>
@@ -17017,7 +12442,7 @@
           <a:lstStyle/>
           <a:p>
             <a:r>
-              <a:rPr lang="zh-CN" altLang="en-US" sz="2000" dirty="0" smtClean="0">
+              <a:rPr lang="zh-CN" altLang="en-US" sz="2000" dirty="0">
                 <a:solidFill>
                   <a:srgbClr val="7030A0"/>
                 </a:solidFill>
@@ -17027,7 +12452,7 @@
               <a:t>案例</a:t>
             </a:r>
             <a:r>
-              <a:rPr lang="en-US" altLang="zh-CN" sz="2000" dirty="0" smtClean="0">
+              <a:rPr lang="en-US" altLang="zh-CN" sz="2000" dirty="0">
                 <a:solidFill>
                   <a:srgbClr val="7030A0"/>
                 </a:solidFill>
@@ -17104,10 +12529,9 @@
           <a:lstStyle/>
           <a:p>
             <a:r>
-              <a:rPr lang="zh-CN" altLang="en-US" dirty="0" smtClean="0"/>
+              <a:rPr lang="zh-CN" altLang="en-US" dirty="0"/>
               <a:t>主导回路</a:t>
             </a:r>
-            <a:endParaRPr lang="zh-CN" altLang="en-US" dirty="0"/>
           </a:p>
         </p:txBody>
       </p:sp>
@@ -17134,10 +12558,10 @@
           <a:lstStyle/>
           <a:p>
             <a:r>
-              <a:rPr lang="zh-CN" altLang="en-US" sz="2400" dirty="0" smtClean="0"/>
+              <a:rPr lang="zh-CN" altLang="en-US" sz="2400" dirty="0"/>
               <a:t>以人口系统为例，调整参数</a:t>
             </a:r>
-            <a:endParaRPr lang="en-US" altLang="zh-CN" sz="2400" dirty="0" smtClean="0"/>
+            <a:endParaRPr lang="en-US" altLang="zh-CN" sz="2400" dirty="0"/>
           </a:p>
           <a:p>
             <a:pPr>
@@ -17145,46 +12569,45 @@
               <a:buChar char="u"/>
             </a:pPr>
             <a:r>
-              <a:rPr lang="zh-CN" altLang="en-US" sz="2400" dirty="0" smtClean="0"/>
+              <a:rPr lang="zh-CN" altLang="en-US" sz="2400" dirty="0"/>
               <a:t>方案</a:t>
             </a:r>
             <a:r>
-              <a:rPr lang="en-US" altLang="zh-CN" sz="2400" dirty="0" smtClean="0"/>
+              <a:rPr lang="en-US" altLang="zh-CN" sz="2400" dirty="0"/>
               <a:t>1</a:t>
             </a:r>
             <a:r>
-              <a:rPr lang="zh-CN" altLang="en-US" sz="2400" dirty="0" smtClean="0"/>
+              <a:rPr lang="zh-CN" altLang="en-US" sz="2400" dirty="0"/>
               <a:t>：</a:t>
             </a:r>
-            <a:endParaRPr lang="en-US" altLang="zh-CN" sz="2400" dirty="0" smtClean="0"/>
+            <a:endParaRPr lang="en-US" altLang="zh-CN" sz="2400" dirty="0"/>
           </a:p>
           <a:p>
             <a:pPr marL="365760" lvl="1" indent="0">
               <a:buNone/>
             </a:pPr>
             <a:r>
-              <a:rPr lang="zh-CN" altLang="en-US" sz="2000" dirty="0" smtClean="0"/>
+              <a:rPr lang="zh-CN" altLang="en-US" sz="2000" dirty="0"/>
               <a:t>令出生率为</a:t>
             </a:r>
             <a:r>
-              <a:rPr lang="en-US" altLang="zh-CN" sz="2000" dirty="0" smtClean="0"/>
+              <a:rPr lang="en-US" altLang="zh-CN" sz="2000" dirty="0"/>
               <a:t>0.3</a:t>
             </a:r>
             <a:r>
-              <a:rPr lang="zh-CN" altLang="en-US" sz="2000" dirty="0" smtClean="0"/>
+              <a:rPr lang="zh-CN" altLang="en-US" sz="2000" dirty="0"/>
               <a:t>，死亡率为</a:t>
             </a:r>
             <a:r>
-              <a:rPr lang="en-US" altLang="zh-CN" sz="2000" dirty="0" smtClean="0"/>
+              <a:rPr lang="en-US" altLang="zh-CN" sz="2000" dirty="0"/>
               <a:t>0.4</a:t>
             </a:r>
-            <a:endParaRPr lang="en-US" altLang="zh-CN" sz="2000" dirty="0"/>
           </a:p>
           <a:p>
             <a:pPr marL="365760" lvl="1" indent="0">
               <a:buNone/>
             </a:pPr>
-            <a:endParaRPr lang="en-US" altLang="zh-CN" sz="2000" dirty="0" smtClean="0"/>
+            <a:endParaRPr lang="en-US" altLang="zh-CN" sz="2000" dirty="0"/>
           </a:p>
           <a:p>
             <a:pPr>
@@ -17192,37 +12615,37 @@
               <a:buChar char="u"/>
             </a:pPr>
             <a:r>
-              <a:rPr lang="zh-CN" altLang="en-US" sz="2000" dirty="0" smtClean="0"/>
+              <a:rPr lang="zh-CN" altLang="en-US" sz="2000" dirty="0"/>
               <a:t>方案</a:t>
             </a:r>
             <a:r>
-              <a:rPr lang="en-US" altLang="zh-CN" sz="2000" dirty="0" smtClean="0"/>
+              <a:rPr lang="en-US" altLang="zh-CN" sz="2000" dirty="0"/>
               <a:t>2</a:t>
             </a:r>
             <a:r>
-              <a:rPr lang="zh-CN" altLang="en-US" sz="2000" dirty="0" smtClean="0"/>
+              <a:rPr lang="zh-CN" altLang="en-US" sz="2000" dirty="0"/>
               <a:t>：</a:t>
             </a:r>
-            <a:endParaRPr lang="en-US" altLang="zh-CN" sz="2000" dirty="0" smtClean="0"/>
+            <a:endParaRPr lang="en-US" altLang="zh-CN" sz="2000" dirty="0"/>
           </a:p>
           <a:p>
             <a:pPr marL="365760" lvl="1" indent="0">
               <a:buNone/>
             </a:pPr>
             <a:r>
-              <a:rPr lang="zh-CN" altLang="en-US" sz="1800" dirty="0" smtClean="0"/>
+              <a:rPr lang="zh-CN" altLang="en-US" sz="1800" dirty="0"/>
               <a:t>令出生率为</a:t>
             </a:r>
             <a:r>
-              <a:rPr lang="en-US" altLang="zh-CN" sz="1800" dirty="0" smtClean="0"/>
+              <a:rPr lang="en-US" altLang="zh-CN" sz="1800" dirty="0"/>
               <a:t>0.3</a:t>
             </a:r>
             <a:r>
-              <a:rPr lang="zh-CN" altLang="en-US" sz="1800" dirty="0" smtClean="0"/>
+              <a:rPr lang="zh-CN" altLang="en-US" sz="1800" dirty="0"/>
               <a:t>，死亡率为</a:t>
             </a:r>
             <a:r>
-              <a:rPr lang="en-US" altLang="zh-CN" sz="1800" dirty="0" smtClean="0"/>
+              <a:rPr lang="en-US" altLang="zh-CN" sz="1800" dirty="0"/>
               <a:t>0.25</a:t>
             </a:r>
           </a:p>
@@ -17238,18 +12661,18 @@
               <a:buChar char="u"/>
             </a:pPr>
             <a:r>
-              <a:rPr lang="zh-CN" altLang="en-US" sz="2200" dirty="0" smtClean="0"/>
+              <a:rPr lang="zh-CN" altLang="en-US" sz="2200" dirty="0"/>
               <a:t>方案</a:t>
             </a:r>
             <a:r>
-              <a:rPr lang="en-US" altLang="zh-CN" sz="2200" dirty="0" smtClean="0"/>
+              <a:rPr lang="en-US" altLang="zh-CN" sz="2200" dirty="0"/>
               <a:t>3</a:t>
             </a:r>
             <a:r>
-              <a:rPr lang="zh-CN" altLang="en-US" sz="2200" dirty="0" smtClean="0"/>
+              <a:rPr lang="zh-CN" altLang="en-US" sz="2200" dirty="0"/>
               <a:t>：</a:t>
             </a:r>
-            <a:endParaRPr lang="en-US" altLang="zh-CN" sz="2200" dirty="0" smtClean="0"/>
+            <a:endParaRPr lang="en-US" altLang="zh-CN" sz="2200" dirty="0"/>
           </a:p>
           <a:p>
             <a:pPr marL="365760" lvl="1" indent="0">
@@ -17257,22 +12680,18 @@
             </a:pPr>
             <a:r>
               <a:rPr lang="zh-CN" altLang="en-US" sz="1800" dirty="0"/>
-              <a:t>领</a:t>
-            </a:r>
-            <a:r>
-              <a:rPr lang="zh-CN" altLang="en-US" sz="1800" dirty="0" smtClean="0"/>
-              <a:t>出生率为</a:t>
-            </a:r>
-            <a:r>
-              <a:rPr lang="en-US" altLang="zh-CN" sz="1800" dirty="0" smtClean="0"/>
+              <a:t>领出生率为</a:t>
+            </a:r>
+            <a:r>
+              <a:rPr lang="en-US" altLang="zh-CN" sz="1800" dirty="0"/>
               <a:t>0.3</a:t>
             </a:r>
             <a:r>
-              <a:rPr lang="zh-CN" altLang="en-US" sz="1800" dirty="0" smtClean="0"/>
+              <a:rPr lang="zh-CN" altLang="en-US" sz="1800" dirty="0"/>
               <a:t>，死亡率为</a:t>
             </a:r>
             <a:r>
-              <a:rPr lang="en-US" altLang="zh-CN" sz="1800" dirty="0" smtClean="0"/>
+              <a:rPr lang="en-US" altLang="zh-CN" sz="1800" dirty="0"/>
               <a:t>0.3</a:t>
             </a:r>
           </a:p>
@@ -17280,7 +12699,7 @@
             <a:pPr marL="365760" lvl="1" indent="0">
               <a:buNone/>
             </a:pPr>
-            <a:endParaRPr lang="en-US" altLang="zh-CN" sz="1800" dirty="0" smtClean="0"/>
+            <a:endParaRPr lang="en-US" altLang="zh-CN" sz="1800" dirty="0"/>
           </a:p>
         </p:txBody>
       </p:sp>
@@ -17355,18 +12774,13 @@
           <a:lstStyle/>
           <a:p>
             <a:r>
-              <a:rPr lang="zh-CN" altLang="en-US" sz="1600" dirty="0" smtClean="0">
+              <a:rPr lang="zh-CN" altLang="en-US" sz="1600" dirty="0">
                 <a:solidFill>
                   <a:srgbClr val="7030A0"/>
                 </a:solidFill>
               </a:rPr>
               <a:t>对比三种方案中存量的变化特点，分别分析哪个回路占据着主导作用。</a:t>
             </a:r>
-            <a:endParaRPr lang="zh-CN" altLang="en-US" sz="1600" dirty="0">
-              <a:solidFill>
-                <a:srgbClr val="7030A0"/>
-              </a:solidFill>
-            </a:endParaRPr>
           </a:p>
         </p:txBody>
       </p:sp>
@@ -17428,10 +12842,9 @@
           <a:lstStyle/>
           <a:p>
             <a:r>
-              <a:rPr lang="zh-CN" altLang="en-US" dirty="0" smtClean="0"/>
+              <a:rPr lang="zh-CN" altLang="en-US" dirty="0"/>
               <a:t>主导回路</a:t>
             </a:r>
-            <a:endParaRPr lang="zh-CN" altLang="en-US" dirty="0"/>
           </a:p>
         </p:txBody>
       </p:sp>
@@ -17451,34 +12864,33 @@
           <a:lstStyle/>
           <a:p>
             <a:r>
-              <a:rPr lang="zh-CN" altLang="en-US" dirty="0" smtClean="0"/>
+              <a:rPr lang="zh-CN" altLang="en-US" dirty="0"/>
               <a:t>由正负反馈回路构成的系统中，系统系统若</a:t>
             </a:r>
-            <a:endParaRPr lang="en-US" altLang="zh-CN" dirty="0" smtClean="0"/>
+            <a:endParaRPr lang="en-US" altLang="zh-CN" dirty="0"/>
           </a:p>
           <a:p>
             <a:pPr lvl="1"/>
             <a:r>
-              <a:rPr lang="zh-CN" altLang="en-US" dirty="0" smtClean="0"/>
+              <a:rPr lang="zh-CN" altLang="en-US" dirty="0"/>
               <a:t>处于增长状态，则正反馈回路是主导回路</a:t>
             </a:r>
-            <a:endParaRPr lang="en-US" altLang="zh-CN" dirty="0" smtClean="0"/>
+            <a:endParaRPr lang="en-US" altLang="zh-CN" dirty="0"/>
           </a:p>
           <a:p>
             <a:pPr lvl="1"/>
             <a:r>
-              <a:rPr lang="zh-CN" altLang="en-US" dirty="0" smtClean="0"/>
+              <a:rPr lang="zh-CN" altLang="en-US" dirty="0"/>
               <a:t>处于衰减状态，则负反馈回路是主导回路</a:t>
             </a:r>
-            <a:endParaRPr lang="en-US" altLang="zh-CN" dirty="0" smtClean="0"/>
+            <a:endParaRPr lang="en-US" altLang="zh-CN" dirty="0"/>
           </a:p>
           <a:p>
             <a:pPr lvl="1"/>
             <a:r>
-              <a:rPr lang="zh-CN" altLang="en-US" dirty="0" smtClean="0"/>
+              <a:rPr lang="zh-CN" altLang="en-US" dirty="0"/>
               <a:t>没有变化，则系统中不存在主导回路</a:t>
             </a:r>
-            <a:endParaRPr lang="zh-CN" altLang="en-US" dirty="0"/>
           </a:p>
         </p:txBody>
       </p:sp>
@@ -17540,10 +12952,9 @@
           <a:lstStyle/>
           <a:p>
             <a:r>
-              <a:rPr lang="zh-CN" altLang="en-US" dirty="0" smtClean="0"/>
+              <a:rPr lang="zh-CN" altLang="en-US" dirty="0"/>
               <a:t>主导回路转移</a:t>
             </a:r>
-            <a:endParaRPr lang="zh-CN" altLang="en-US" dirty="0"/>
           </a:p>
         </p:txBody>
       </p:sp>
@@ -17566,62 +12977,61 @@
               <a:buNone/>
             </a:pPr>
             <a:r>
-              <a:rPr lang="zh-CN" altLang="en-US" dirty="0" smtClean="0"/>
+              <a:rPr lang="zh-CN" altLang="en-US" dirty="0"/>
               <a:t>疾病传播</a:t>
             </a:r>
-            <a:endParaRPr lang="en-US" altLang="zh-CN" dirty="0" smtClean="0"/>
+            <a:endParaRPr lang="en-US" altLang="zh-CN" dirty="0"/>
           </a:p>
           <a:p>
             <a:pPr marL="0" indent="0">
               <a:buNone/>
             </a:pPr>
             <a:r>
-              <a:rPr lang="zh-CN" altLang="en-US" dirty="0" smtClean="0"/>
+              <a:rPr lang="zh-CN" altLang="en-US" dirty="0"/>
               <a:t>某种疾病具有传播性，原始患病人数为</a:t>
             </a:r>
             <a:r>
-              <a:rPr lang="en-US" altLang="zh-CN" dirty="0" smtClean="0"/>
+              <a:rPr lang="en-US" altLang="zh-CN" dirty="0"/>
               <a:t>10</a:t>
             </a:r>
             <a:r>
-              <a:rPr lang="zh-CN" altLang="en-US" dirty="0" smtClean="0"/>
+              <a:rPr lang="zh-CN" altLang="en-US" dirty="0"/>
               <a:t>，总人口为</a:t>
             </a:r>
             <a:r>
-              <a:rPr lang="en-US" altLang="zh-CN" dirty="0" smtClean="0"/>
+              <a:rPr lang="en-US" altLang="zh-CN" dirty="0"/>
               <a:t>100</a:t>
             </a:r>
             <a:r>
-              <a:rPr lang="zh-CN" altLang="en-US" dirty="0" smtClean="0"/>
+              <a:rPr lang="zh-CN" altLang="en-US" dirty="0"/>
               <a:t>，该疾病每次接触的感染概率经过测定大致为</a:t>
             </a:r>
             <a:r>
-              <a:rPr lang="en-US" altLang="zh-CN" dirty="0" smtClean="0"/>
+              <a:rPr lang="en-US" altLang="zh-CN" dirty="0"/>
               <a:t>0.1</a:t>
             </a:r>
             <a:r>
-              <a:rPr lang="zh-CN" altLang="en-US" dirty="0" smtClean="0"/>
+              <a:rPr lang="zh-CN" altLang="en-US" dirty="0"/>
               <a:t>，而人群中的接触系数为</a:t>
             </a:r>
             <a:r>
-              <a:rPr lang="en-US" altLang="zh-CN" dirty="0" smtClean="0"/>
+              <a:rPr lang="en-US" altLang="zh-CN" dirty="0"/>
               <a:t>0.02</a:t>
             </a:r>
             <a:r>
-              <a:rPr lang="zh-CN" altLang="en-US" dirty="0" smtClean="0"/>
+              <a:rPr lang="zh-CN" altLang="en-US" dirty="0"/>
               <a:t>。</a:t>
             </a:r>
-            <a:endParaRPr lang="en-US" altLang="zh-CN" dirty="0" smtClean="0"/>
+            <a:endParaRPr lang="en-US" altLang="zh-CN" dirty="0"/>
           </a:p>
           <a:p>
             <a:pPr marL="0" indent="0">
               <a:buNone/>
             </a:pPr>
             <a:r>
-              <a:rPr lang="zh-CN" altLang="en-US" dirty="0" smtClean="0"/>
+              <a:rPr lang="zh-CN" altLang="en-US" dirty="0"/>
               <a:t>做出疾病传播变化的系统仿真</a:t>
             </a:r>
-            <a:endParaRPr lang="zh-CN" altLang="en-US" dirty="0"/>
           </a:p>
         </p:txBody>
       </p:sp>
@@ -17648,18 +13058,13 @@
           <a:lstStyle/>
           <a:p>
             <a:r>
-              <a:rPr lang="zh-CN" altLang="en-US" sz="1600" dirty="0" smtClean="0">
+              <a:rPr lang="zh-CN" altLang="en-US" sz="1600" dirty="0">
                 <a:solidFill>
                   <a:srgbClr val="7030A0"/>
                 </a:solidFill>
               </a:rPr>
               <a:t>教学案例当中使用的数字忽略单位</a:t>
             </a:r>
-            <a:endParaRPr lang="zh-CN" altLang="en-US" sz="1600" dirty="0">
-              <a:solidFill>
-                <a:srgbClr val="7030A0"/>
-              </a:solidFill>
-            </a:endParaRPr>
           </a:p>
         </p:txBody>
       </p:sp>
@@ -17686,7 +13091,7 @@
           <a:lstStyle/>
           <a:p>
             <a:r>
-              <a:rPr lang="zh-CN" altLang="en-US" sz="2000" dirty="0" smtClean="0">
+              <a:rPr lang="zh-CN" altLang="en-US" sz="2000" dirty="0">
                 <a:solidFill>
                   <a:srgbClr val="7030A0"/>
                 </a:solidFill>
@@ -17696,7 +13101,7 @@
               <a:t>案例</a:t>
             </a:r>
             <a:r>
-              <a:rPr lang="en-US" altLang="zh-CN" sz="2000" dirty="0" smtClean="0">
+              <a:rPr lang="en-US" altLang="zh-CN" sz="2000" dirty="0">
                 <a:solidFill>
                   <a:srgbClr val="7030A0"/>
                 </a:solidFill>
@@ -17911,14 +13316,13 @@
           <a:lstStyle/>
           <a:p>
             <a:r>
-              <a:rPr lang="en-US" altLang="zh-CN" dirty="0" smtClean="0"/>
+              <a:rPr lang="en-US" altLang="zh-CN" dirty="0"/>
               <a:t>S</a:t>
             </a:r>
             <a:r>
-              <a:rPr lang="zh-CN" altLang="en-US" dirty="0" smtClean="0"/>
+              <a:rPr lang="zh-CN" altLang="en-US" dirty="0"/>
               <a:t>型增长模式</a:t>
             </a:r>
-            <a:endParaRPr lang="zh-CN" altLang="en-US" dirty="0"/>
           </a:p>
         </p:txBody>
       </p:sp>
@@ -17943,72 +13347,71 @@
           <a:lstStyle/>
           <a:p>
             <a:r>
-              <a:rPr lang="zh-CN" altLang="en-US" dirty="0" smtClean="0"/>
+              <a:rPr lang="zh-CN" altLang="en-US" dirty="0"/>
               <a:t>正负回路同时存在于系统中</a:t>
             </a:r>
-            <a:endParaRPr lang="en-US" altLang="zh-CN" dirty="0" smtClean="0"/>
+            <a:endParaRPr lang="en-US" altLang="zh-CN" dirty="0"/>
           </a:p>
           <a:p>
             <a:pPr lvl="1"/>
             <a:r>
-              <a:rPr lang="zh-CN" altLang="en-US" dirty="0" smtClean="0"/>
+              <a:rPr lang="zh-CN" altLang="en-US" dirty="0"/>
               <a:t>正反馈回路持续强化系统变化趋势</a:t>
             </a:r>
-            <a:endParaRPr lang="en-US" altLang="zh-CN" dirty="0" smtClean="0"/>
+            <a:endParaRPr lang="en-US" altLang="zh-CN" dirty="0"/>
           </a:p>
           <a:p>
             <a:pPr lvl="1"/>
             <a:r>
-              <a:rPr lang="zh-CN" altLang="en-US" dirty="0" smtClean="0"/>
+              <a:rPr lang="zh-CN" altLang="en-US" dirty="0"/>
               <a:t>负反馈回路迫使系统向平衡点变化</a:t>
             </a:r>
-            <a:endParaRPr lang="en-US" altLang="zh-CN" dirty="0" smtClean="0"/>
-          </a:p>
-          <a:p>
-            <a:r>
-              <a:rPr lang="zh-CN" altLang="en-US" dirty="0" smtClean="0"/>
+            <a:endParaRPr lang="en-US" altLang="zh-CN" dirty="0"/>
+          </a:p>
+          <a:p>
+            <a:r>
+              <a:rPr lang="zh-CN" altLang="en-US" dirty="0"/>
               <a:t>主导回路</a:t>
             </a:r>
-            <a:endParaRPr lang="en-US" altLang="zh-CN" dirty="0" smtClean="0"/>
+            <a:endParaRPr lang="en-US" altLang="zh-CN" dirty="0"/>
           </a:p>
           <a:p>
             <a:pPr lvl="1"/>
             <a:r>
-              <a:rPr lang="zh-CN" altLang="en-US" dirty="0" smtClean="0"/>
+              <a:rPr lang="zh-CN" altLang="en-US" dirty="0"/>
               <a:t>正反馈 系统对外表现出强化特征</a:t>
             </a:r>
-            <a:endParaRPr lang="en-US" altLang="zh-CN" dirty="0" smtClean="0"/>
+            <a:endParaRPr lang="en-US" altLang="zh-CN" dirty="0"/>
           </a:p>
           <a:p>
             <a:pPr lvl="1"/>
             <a:r>
-              <a:rPr lang="zh-CN" altLang="en-US" dirty="0" smtClean="0"/>
+              <a:rPr lang="zh-CN" altLang="en-US" dirty="0"/>
               <a:t>负反馈 系统对外表现出寻的特征</a:t>
             </a:r>
-            <a:endParaRPr lang="en-US" altLang="zh-CN" dirty="0" smtClean="0"/>
-          </a:p>
-          <a:p>
-            <a:r>
-              <a:rPr lang="zh-CN" altLang="en-US" dirty="0" smtClean="0"/>
+            <a:endParaRPr lang="en-US" altLang="zh-CN" dirty="0"/>
+          </a:p>
+          <a:p>
+            <a:r>
+              <a:rPr lang="zh-CN" altLang="en-US" dirty="0"/>
               <a:t>主导回路的转化</a:t>
             </a:r>
-            <a:endParaRPr lang="en-US" altLang="zh-CN" dirty="0" smtClean="0"/>
+            <a:endParaRPr lang="en-US" altLang="zh-CN" dirty="0"/>
           </a:p>
           <a:p>
             <a:pPr lvl="1"/>
             <a:r>
-              <a:rPr lang="zh-CN" altLang="en-US" dirty="0" smtClean="0"/>
+              <a:rPr lang="zh-CN" altLang="en-US" dirty="0"/>
               <a:t>发展阶段正反馈回路是主导回路</a:t>
             </a:r>
-            <a:endParaRPr lang="en-US" altLang="zh-CN" dirty="0" smtClean="0"/>
+            <a:endParaRPr lang="en-US" altLang="zh-CN" dirty="0"/>
           </a:p>
           <a:p>
             <a:pPr lvl="1"/>
             <a:r>
-              <a:rPr lang="zh-CN" altLang="en-US" dirty="0" smtClean="0"/>
+              <a:rPr lang="zh-CN" altLang="en-US" dirty="0"/>
               <a:t>发展到一定程度负反馈成为主导回路，制约正反馈</a:t>
             </a:r>
-            <a:endParaRPr lang="zh-CN" altLang="en-US" dirty="0"/>
           </a:p>
         </p:txBody>
       </p:sp>
@@ -18150,10 +13553,9 @@
           <a:lstStyle/>
           <a:p>
             <a:r>
-              <a:rPr lang="zh-CN" altLang="en-US" dirty="0" smtClean="0"/>
+              <a:rPr lang="zh-CN" altLang="en-US" dirty="0"/>
               <a:t>人口的多回路系统</a:t>
             </a:r>
-            <a:endParaRPr lang="zh-CN" altLang="en-US" dirty="0"/>
           </a:p>
         </p:txBody>
       </p:sp>
@@ -18178,24 +13580,23 @@
           <a:lstStyle/>
           <a:p>
             <a:r>
-              <a:rPr lang="zh-CN" altLang="en-US" dirty="0" smtClean="0"/>
+              <a:rPr lang="zh-CN" altLang="en-US" dirty="0"/>
               <a:t>根据右侧因果分析图做出人口增长系统</a:t>
             </a:r>
-            <a:endParaRPr lang="en-US" altLang="zh-CN" dirty="0" smtClean="0"/>
-          </a:p>
-          <a:p>
-            <a:r>
-              <a:rPr lang="zh-CN" altLang="en-US" dirty="0" smtClean="0"/>
+            <a:endParaRPr lang="en-US" altLang="zh-CN" dirty="0"/>
+          </a:p>
+          <a:p>
+            <a:r>
+              <a:rPr lang="zh-CN" altLang="en-US" dirty="0"/>
               <a:t>分析主导回路</a:t>
             </a:r>
-            <a:endParaRPr lang="en-US" altLang="zh-CN" dirty="0" smtClean="0"/>
-          </a:p>
-          <a:p>
-            <a:r>
-              <a:rPr lang="zh-CN" altLang="en-US" dirty="0" smtClean="0"/>
+            <a:endParaRPr lang="en-US" altLang="zh-CN" dirty="0"/>
+          </a:p>
+          <a:p>
+            <a:r>
+              <a:rPr lang="zh-CN" altLang="en-US" dirty="0"/>
               <a:t>利用表函数和图形分析净增长率</a:t>
             </a:r>
-            <a:endParaRPr lang="zh-CN" altLang="en-US" dirty="0"/>
           </a:p>
         </p:txBody>
       </p:sp>
@@ -18246,7 +13647,7 @@
           <a:lstStyle/>
           <a:p>
             <a:r>
-              <a:rPr lang="zh-CN" altLang="en-US" sz="2000" dirty="0" smtClean="0">
+              <a:rPr lang="zh-CN" altLang="en-US" sz="2000" dirty="0">
                 <a:solidFill>
                   <a:srgbClr val="7030A0"/>
                 </a:solidFill>
@@ -18256,7 +13657,7 @@
               <a:t>案例</a:t>
             </a:r>
             <a:r>
-              <a:rPr lang="en-US" altLang="zh-CN" sz="2000" dirty="0" smtClean="0">
+              <a:rPr lang="en-US" altLang="zh-CN" sz="2000" dirty="0">
                 <a:solidFill>
                   <a:srgbClr val="7030A0"/>
                 </a:solidFill>
@@ -18895,29 +14296,35 @@
 
 <file path=customXml/item1.xml><?xml version="1.0" encoding="utf-8"?>
 <Control xmlns="http://schemas.microsoft.com/VisualStudio/2011/storyboarding/control">
-  <Id Name="System.Storyboarding.WindowsApps.WindowsAppsProgressRing" Revision="1" Stencil="System.Storyboarding.WindowsApps" StencilVersion="0.1"/>
+  <Id Name="System.Storyboarding.WindowsApps.WindowsAppsListBox" Revision="1" Stencil="System.Storyboarding.WindowsApps" StencilVersion="0.1"/>
 </Control>
 </file>
 
 <file path=customXml/item2.xml><?xml version="1.0" encoding="utf-8"?>
 <Control xmlns="http://schemas.microsoft.com/VisualStudio/2011/storyboarding/control">
-  <Id Name="System.Storyboarding.Common.DragSelection" Revision="1" Stencil="System.Storyboarding.Common" StencilVersion="0.1"/>
+  <Id Name="5e505f8e-b0aa-429a-bb4c-92ab0e8a8ee6" RevisionId="d2083f08-ba4f-4330-87aa-e4d23a4443d7" Stencil="172d6d98-e5c9-42e9-a209-79f7a94bbd38" StencilRevisionId="00000000-0000-0000-0000-000000000000" StencilVersion="0.0"/>
 </Control>
 </file>
 
 <file path=customXml/item3.xml><?xml version="1.0" encoding="utf-8"?>
 <Control xmlns="http://schemas.microsoft.com/VisualStudio/2011/storyboarding/control">
-  <Id Name="System.Storyboarding.WindowsApps.WindowsAppsListBox" Revision="1" Stencil="System.Storyboarding.WindowsApps" StencilVersion="0.1"/>
+  <Id Name="System.Storyboarding.Common.DragSelection" Revision="1" Stencil="System.Storyboarding.Common" StencilVersion="0.1"/>
 </Control>
 </file>
 
 <file path=customXml/item4.xml><?xml version="1.0" encoding="utf-8"?>
 <Control xmlns="http://schemas.microsoft.com/VisualStudio/2011/storyboarding/control">
-  <Id Name="System.Storyboarding.Annotation.StickyNote" Revision="1" Stencil="System.Storyboarding.Annotation" StencilVersion="0.1"/>
+  <Id Name="System.Storyboarding.WindowsApps.WindowsAppsProgressRing" Revision="1" Stencil="System.Storyboarding.WindowsApps" StencilVersion="0.1"/>
 </Control>
 </file>
 
 <file path=customXml/item5.xml><?xml version="1.0" encoding="utf-8"?>
+<Control xmlns="http://schemas.microsoft.com/VisualStudio/2011/storyboarding/control">
+  <Id Name="System.Storyboarding.Common.TextInput" Revision="1" Stencil="System.Storyboarding.Common" StencilVersion="0.1"/>
+</Control>
+</file>
+
+<file path=customXml/item6.xml><?xml version="1.0" encoding="utf-8"?>
 <p:properties xmlns:p="http://schemas.microsoft.com/office/2006/metadata/properties" xmlns:xsi="http://www.w3.org/2001/XMLSchema-instance" xmlns:pc="http://schemas.microsoft.com/office/infopath/2007/PartnerControls">
   <documentManagement>
     <_dlc_DocId xmlns="b4ebf394-daf6-497a-96c5-a2f8c10b38cf">TT6HZDVJM2HV-178-321</_dlc_DocId>
@@ -18929,19 +14336,37 @@
 </p:properties>
 </file>
 
-<file path=customXml/item6.xml><?xml version="1.0" encoding="utf-8"?>
-<Control xmlns="http://schemas.microsoft.com/VisualStudio/2011/storyboarding/control">
-  <Id Name="System.Storyboarding.Common.TextInput" Revision="1" Stencil="System.Storyboarding.Common" StencilVersion="0.1"/>
-</Control>
-</file>
-
 <file path=customXml/item7.xml><?xml version="1.0" encoding="utf-8"?>
 <Control xmlns="http://schemas.microsoft.com/VisualStudio/2011/storyboarding/control">
-  <Id Name="5e505f8e-b0aa-429a-bb4c-92ab0e8a8ee6" RevisionId="d2083f08-ba4f-4330-87aa-e4d23a4443d7" Stencil="172d6d98-e5c9-42e9-a209-79f7a94bbd38" StencilRevisionId="00000000-0000-0000-0000-000000000000" StencilVersion="0.0"/>
+  <Id Name="System.Storyboarding.Annotation.StickyNote" Revision="1" Stencil="System.Storyboarding.Annotation" StencilVersion="0.1"/>
 </Control>
 </file>
 
 <file path=customXml/itemProps1.xml><?xml version="1.0" encoding="utf-8"?>
+<ds:datastoreItem xmlns:ds="http://schemas.openxmlformats.org/officeDocument/2006/customXml" ds:itemID="{925928FA-66B2-4992-9AF7-6AAB34665E06}">
+  <ds:schemaRefs>
+    <ds:schemaRef ds:uri="http://schemas.microsoft.com/VisualStudio/2011/storyboarding/control"/>
+  </ds:schemaRefs>
+</ds:datastoreItem>
+</file>
+
+<file path=customXml/itemProps2.xml><?xml version="1.0" encoding="utf-8"?>
+<ds:datastoreItem xmlns:ds="http://schemas.openxmlformats.org/officeDocument/2006/customXml" ds:itemID="{22271091-DDCE-44B5-B608-BB96BCA0C299}">
+  <ds:schemaRefs>
+    <ds:schemaRef ds:uri="http://schemas.microsoft.com/VisualStudio/2011/storyboarding/control"/>
+  </ds:schemaRefs>
+</ds:datastoreItem>
+</file>
+
+<file path=customXml/itemProps3.xml><?xml version="1.0" encoding="utf-8"?>
+<ds:datastoreItem xmlns:ds="http://schemas.openxmlformats.org/officeDocument/2006/customXml" ds:itemID="{74F50758-6994-47AF-ADB4-84074E43B95D}">
+  <ds:schemaRefs>
+    <ds:schemaRef ds:uri="http://schemas.microsoft.com/VisualStudio/2011/storyboarding/control"/>
+  </ds:schemaRefs>
+</ds:datastoreItem>
+</file>
+
+<file path=customXml/itemProps4.xml><?xml version="1.0" encoding="utf-8"?>
 <ds:datastoreItem xmlns:ds="http://schemas.openxmlformats.org/officeDocument/2006/customXml" ds:itemID="{EE994FE8-9D1B-4C75-9803-F4D3D8088B5B}">
   <ds:schemaRefs>
     <ds:schemaRef ds:uri="http://schemas.microsoft.com/VisualStudio/2011/storyboarding/control"/>
@@ -18949,31 +14374,15 @@
 </ds:datastoreItem>
 </file>
 
-<file path=customXml/itemProps2.xml><?xml version="1.0" encoding="utf-8"?>
-<ds:datastoreItem xmlns:ds="http://schemas.openxmlformats.org/officeDocument/2006/customXml" ds:itemID="{74F50758-6994-47AF-ADB4-84074E43B95D}">
+<file path=customXml/itemProps5.xml><?xml version="1.0" encoding="utf-8"?>
+<ds:datastoreItem xmlns:ds="http://schemas.openxmlformats.org/officeDocument/2006/customXml" ds:itemID="{195C3A57-25C5-4CAC-A396-8711CE839175}">
   <ds:schemaRefs>
     <ds:schemaRef ds:uri="http://schemas.microsoft.com/VisualStudio/2011/storyboarding/control"/>
   </ds:schemaRefs>
 </ds:datastoreItem>
 </file>
 
-<file path=customXml/itemProps3.xml><?xml version="1.0" encoding="utf-8"?>
-<ds:datastoreItem xmlns:ds="http://schemas.openxmlformats.org/officeDocument/2006/customXml" ds:itemID="{925928FA-66B2-4992-9AF7-6AAB34665E06}">
-  <ds:schemaRefs>
-    <ds:schemaRef ds:uri="http://schemas.microsoft.com/VisualStudio/2011/storyboarding/control"/>
-  </ds:schemaRefs>
-</ds:datastoreItem>
-</file>
-
-<file path=customXml/itemProps4.xml><?xml version="1.0" encoding="utf-8"?>
-<ds:datastoreItem xmlns:ds="http://schemas.openxmlformats.org/officeDocument/2006/customXml" ds:itemID="{35CD12A2-2187-402A-B9D9-EF68624DB0B9}">
-  <ds:schemaRefs>
-    <ds:schemaRef ds:uri="http://schemas.microsoft.com/VisualStudio/2011/storyboarding/control"/>
-  </ds:schemaRefs>
-</ds:datastoreItem>
-</file>
-
-<file path=customXml/itemProps5.xml><?xml version="1.0" encoding="utf-8"?>
+<file path=customXml/itemProps6.xml><?xml version="1.0" encoding="utf-8"?>
 <ds:datastoreItem xmlns:ds="http://schemas.openxmlformats.org/officeDocument/2006/customXml" ds:itemID="{1322E1B6-B69B-4B1E-9F64-FFB1E4A65691}">
   <ds:schemaRefs>
     <ds:schemaRef ds:uri="http://schemas.microsoft.com/office/2006/metadata/properties"/>
@@ -18983,16 +14392,8 @@
 </ds:datastoreItem>
 </file>
 
-<file path=customXml/itemProps6.xml><?xml version="1.0" encoding="utf-8"?>
-<ds:datastoreItem xmlns:ds="http://schemas.openxmlformats.org/officeDocument/2006/customXml" ds:itemID="{195C3A57-25C5-4CAC-A396-8711CE839175}">
-  <ds:schemaRefs>
-    <ds:schemaRef ds:uri="http://schemas.microsoft.com/VisualStudio/2011/storyboarding/control"/>
-  </ds:schemaRefs>
-</ds:datastoreItem>
-</file>
-
 <file path=customXml/itemProps7.xml><?xml version="1.0" encoding="utf-8"?>
-<ds:datastoreItem xmlns:ds="http://schemas.openxmlformats.org/officeDocument/2006/customXml" ds:itemID="{22271091-DDCE-44B5-B608-BB96BCA0C299}">
+<ds:datastoreItem xmlns:ds="http://schemas.openxmlformats.org/officeDocument/2006/customXml" ds:itemID="{35CD12A2-2187-402A-B9D9-EF68624DB0B9}">
   <ds:schemaRefs>
     <ds:schemaRef ds:uri="http://schemas.microsoft.com/VisualStudio/2011/storyboarding/control"/>
   </ds:schemaRefs>
